--- a/Calendario2022/Presentaciones/4_2_ProtocolosInterfacesOSI.pptx
+++ b/Calendario2022/Presentaciones/4_2_ProtocolosInterfacesOSI.pptx
@@ -15,11 +15,11 @@
     <p:sldId id="260" r:id="rId6"/>
     <p:sldId id="261" r:id="rId7"/>
     <p:sldId id="263" r:id="rId8"/>
-    <p:sldId id="264" r:id="rId9"/>
-    <p:sldId id="265" r:id="rId10"/>
-    <p:sldId id="266" r:id="rId11"/>
-    <p:sldId id="267" r:id="rId12"/>
-    <p:sldId id="268" r:id="rId13"/>
+    <p:sldId id="265" r:id="rId9"/>
+    <p:sldId id="266" r:id="rId10"/>
+    <p:sldId id="267" r:id="rId11"/>
+    <p:sldId id="268" r:id="rId12"/>
+    <p:sldId id="1043" r:id="rId13"/>
     <p:sldId id="269" r:id="rId14"/>
     <p:sldId id="270" r:id="rId15"/>
     <p:sldId id="271" r:id="rId16"/>
@@ -237,7 +237,7 @@
           <a:p>
             <a:fld id="{2D445F07-8756-451B-A938-0248325FC7BB}" type="datetimeFigureOut">
               <a:rPr lang="es-MX" smtClean="0"/>
-              <a:t>27/01/2022</a:t>
+              <a:t>13/03/2022</a:t>
             </a:fld>
             <a:endParaRPr lang="es-MX" dirty="0"/>
           </a:p>
@@ -1041,7 +1041,7 @@
                 <a:spcPct val="0"/>
               </a:spcBef>
             </a:pPr>
-            <a:endParaRPr lang="es-MX"/>
+            <a:endParaRPr lang="es-MX" dirty="0"/>
           </a:p>
         </p:txBody>
       </p:sp>
@@ -1525,7 +1525,7 @@
           <a:p>
             <a:fld id="{5993AEC0-242E-4FA7-9D3C-51E1036AC3CB}" type="slidenum">
               <a:rPr lang="es-MX" smtClean="0"/>
-              <a:t>10</a:t>
+              <a:t>9</a:t>
             </a:fld>
             <a:endParaRPr lang="es-MX" dirty="0"/>
           </a:p>
@@ -2685,7 +2685,7 @@
           <a:p>
             <a:fld id="{5E75A0DC-66C6-4CEC-A5EB-F8C97CEC3796}" type="datetimeFigureOut">
               <a:rPr lang="es-MX" smtClean="0"/>
-              <a:t>27/01/2022</a:t>
+              <a:t>13/03/2022</a:t>
             </a:fld>
             <a:endParaRPr lang="es-MX" dirty="0"/>
           </a:p>
@@ -2855,7 +2855,7 @@
           <a:p>
             <a:fld id="{5E75A0DC-66C6-4CEC-A5EB-F8C97CEC3796}" type="datetimeFigureOut">
               <a:rPr lang="es-MX" smtClean="0"/>
-              <a:t>27/01/2022</a:t>
+              <a:t>13/03/2022</a:t>
             </a:fld>
             <a:endParaRPr lang="es-MX" dirty="0"/>
           </a:p>
@@ -3035,7 +3035,7 @@
           <a:p>
             <a:fld id="{5E75A0DC-66C6-4CEC-A5EB-F8C97CEC3796}" type="datetimeFigureOut">
               <a:rPr lang="es-MX" smtClean="0"/>
-              <a:t>27/01/2022</a:t>
+              <a:t>13/03/2022</a:t>
             </a:fld>
             <a:endParaRPr lang="es-MX" dirty="0"/>
           </a:p>
@@ -3205,7 +3205,7 @@
           <a:p>
             <a:fld id="{5E75A0DC-66C6-4CEC-A5EB-F8C97CEC3796}" type="datetimeFigureOut">
               <a:rPr lang="es-MX" smtClean="0"/>
-              <a:t>27/01/2022</a:t>
+              <a:t>13/03/2022</a:t>
             </a:fld>
             <a:endParaRPr lang="es-MX" dirty="0"/>
           </a:p>
@@ -3451,7 +3451,7 @@
           <a:p>
             <a:fld id="{5E75A0DC-66C6-4CEC-A5EB-F8C97CEC3796}" type="datetimeFigureOut">
               <a:rPr lang="es-MX" smtClean="0"/>
-              <a:t>27/01/2022</a:t>
+              <a:t>13/03/2022</a:t>
             </a:fld>
             <a:endParaRPr lang="es-MX" dirty="0"/>
           </a:p>
@@ -3739,7 +3739,7 @@
           <a:p>
             <a:fld id="{5E75A0DC-66C6-4CEC-A5EB-F8C97CEC3796}" type="datetimeFigureOut">
               <a:rPr lang="es-MX" smtClean="0"/>
-              <a:t>27/01/2022</a:t>
+              <a:t>13/03/2022</a:t>
             </a:fld>
             <a:endParaRPr lang="es-MX" dirty="0"/>
           </a:p>
@@ -4161,7 +4161,7 @@
           <a:p>
             <a:fld id="{5E75A0DC-66C6-4CEC-A5EB-F8C97CEC3796}" type="datetimeFigureOut">
               <a:rPr lang="es-MX" smtClean="0"/>
-              <a:t>27/01/2022</a:t>
+              <a:t>13/03/2022</a:t>
             </a:fld>
             <a:endParaRPr lang="es-MX" dirty="0"/>
           </a:p>
@@ -4279,7 +4279,7 @@
           <a:p>
             <a:fld id="{5E75A0DC-66C6-4CEC-A5EB-F8C97CEC3796}" type="datetimeFigureOut">
               <a:rPr lang="es-MX" smtClean="0"/>
-              <a:t>27/01/2022</a:t>
+              <a:t>13/03/2022</a:t>
             </a:fld>
             <a:endParaRPr lang="es-MX" dirty="0"/>
           </a:p>
@@ -4374,7 +4374,7 @@
           <a:p>
             <a:fld id="{5E75A0DC-66C6-4CEC-A5EB-F8C97CEC3796}" type="datetimeFigureOut">
               <a:rPr lang="es-MX" smtClean="0"/>
-              <a:t>27/01/2022</a:t>
+              <a:t>13/03/2022</a:t>
             </a:fld>
             <a:endParaRPr lang="es-MX" dirty="0"/>
           </a:p>
@@ -4651,7 +4651,7 @@
           <a:p>
             <a:fld id="{5E75A0DC-66C6-4CEC-A5EB-F8C97CEC3796}" type="datetimeFigureOut">
               <a:rPr lang="es-MX" smtClean="0"/>
-              <a:t>27/01/2022</a:t>
+              <a:t>13/03/2022</a:t>
             </a:fld>
             <a:endParaRPr lang="es-MX" dirty="0"/>
           </a:p>
@@ -4904,7 +4904,7 @@
           <a:p>
             <a:fld id="{5E75A0DC-66C6-4CEC-A5EB-F8C97CEC3796}" type="datetimeFigureOut">
               <a:rPr lang="es-MX" smtClean="0"/>
-              <a:t>27/01/2022</a:t>
+              <a:t>13/03/2022</a:t>
             </a:fld>
             <a:endParaRPr lang="es-MX" dirty="0"/>
           </a:p>
@@ -5117,7 +5117,7 @@
           <a:p>
             <a:fld id="{5E75A0DC-66C6-4CEC-A5EB-F8C97CEC3796}" type="datetimeFigureOut">
               <a:rPr lang="es-MX" smtClean="0"/>
-              <a:t>27/01/2022</a:t>
+              <a:t>13/03/2022</a:t>
             </a:fld>
             <a:endParaRPr lang="es-MX" dirty="0"/>
           </a:p>
@@ -5688,1921 +5688,6 @@
           <a:chExt cx="0" cy="0"/>
         </a:xfrm>
       </p:grpSpPr>
-      <p:pic>
-        <p:nvPicPr>
-          <p:cNvPr id="11266" name="Picture 5"/>
-          <p:cNvPicPr>
-            <a:picLocks noChangeAspect="1" noChangeArrowheads="1"/>
-          </p:cNvPicPr>
-          <p:nvPr/>
-        </p:nvPicPr>
-        <p:blipFill>
-          <a:blip r:embed="rId3">
-            <a:extLst>
-              <a:ext uri="{28A0092B-C50C-407E-A947-70E740481C1C}">
-                <a14:useLocalDpi xmlns:a14="http://schemas.microsoft.com/office/drawing/2010/main" val="0"/>
-              </a:ext>
-            </a:extLst>
-          </a:blip>
-          <a:srcRect/>
-          <a:stretch>
-            <a:fillRect/>
-          </a:stretch>
-        </p:blipFill>
-        <p:spPr bwMode="auto">
-          <a:xfrm>
-            <a:off x="3922266" y="2167657"/>
-            <a:ext cx="5114925" cy="4357687"/>
-          </a:xfrm>
-          <a:prstGeom prst="rect">
-            <a:avLst/>
-          </a:prstGeom>
-          <a:noFill/>
-          <a:ln>
-            <a:noFill/>
-          </a:ln>
-          <a:extLst>
-            <a:ext uri="{909E8E84-426E-40DD-AFC4-6F175D3DCCD1}">
-              <a14:hiddenFill xmlns:a14="http://schemas.microsoft.com/office/drawing/2010/main">
-                <a:solidFill>
-                  <a:srgbClr val="FFFFFF"/>
-                </a:solidFill>
-              </a14:hiddenFill>
-            </a:ext>
-            <a:ext uri="{91240B29-F687-4F45-9708-019B960494DF}">
-              <a14:hiddenLine xmlns:a14="http://schemas.microsoft.com/office/drawing/2010/main" w="9525">
-                <a:solidFill>
-                  <a:srgbClr val="000000"/>
-                </a:solidFill>
-                <a:miter lim="800000"/>
-                <a:headEnd/>
-                <a:tailEnd/>
-              </a14:hiddenLine>
-            </a:ext>
-          </a:extLst>
-        </p:spPr>
-      </p:pic>
-      <p:sp>
-        <p:nvSpPr>
-          <p:cNvPr id="23" name="Text Box 5"/>
-          <p:cNvSpPr txBox="1">
-            <a:spLocks noChangeArrowheads="1"/>
-          </p:cNvSpPr>
-          <p:nvPr/>
-        </p:nvSpPr>
-        <p:spPr bwMode="auto">
-          <a:xfrm>
-            <a:off x="52611" y="1167532"/>
-            <a:ext cx="2143125" cy="400050"/>
-          </a:xfrm>
-          <a:prstGeom prst="rect">
-            <a:avLst/>
-          </a:prstGeom>
-          <a:noFill/>
-          <a:ln>
-            <a:noFill/>
-          </a:ln>
-          <a:extLst>
-            <a:ext uri="{909E8E84-426E-40DD-AFC4-6F175D3DCCD1}">
-              <a14:hiddenFill xmlns:a14="http://schemas.microsoft.com/office/drawing/2010/main">
-                <a:solidFill>
-                  <a:srgbClr val="FFFFFF"/>
-                </a:solidFill>
-              </a14:hiddenFill>
-            </a:ext>
-            <a:ext uri="{91240B29-F687-4F45-9708-019B960494DF}">
-              <a14:hiddenLine xmlns:a14="http://schemas.microsoft.com/office/drawing/2010/main" w="9525">
-                <a:solidFill>
-                  <a:srgbClr val="000000"/>
-                </a:solidFill>
-                <a:miter lim="800000"/>
-                <a:headEnd/>
-                <a:tailEnd/>
-              </a14:hiddenLine>
-            </a:ext>
-          </a:extLst>
-        </p:spPr>
-        <p:txBody>
-          <a:bodyPr>
-            <a:spAutoFit/>
-          </a:bodyPr>
-          <a:lstStyle>
-            <a:lvl1pPr eaLnBrk="0" hangingPunct="0">
-              <a:defRPr sz="2400">
-                <a:solidFill>
-                  <a:schemeClr val="tx1"/>
-                </a:solidFill>
-                <a:latin typeface="Times New Roman" pitchFamily="18" charset="0"/>
-              </a:defRPr>
-            </a:lvl1pPr>
-            <a:lvl2pPr marL="742950" indent="-285750" eaLnBrk="0" hangingPunct="0">
-              <a:defRPr sz="2400">
-                <a:solidFill>
-                  <a:schemeClr val="tx1"/>
-                </a:solidFill>
-                <a:latin typeface="Times New Roman" pitchFamily="18" charset="0"/>
-              </a:defRPr>
-            </a:lvl2pPr>
-            <a:lvl3pPr marL="1143000" indent="-228600" eaLnBrk="0" hangingPunct="0">
-              <a:defRPr sz="2400">
-                <a:solidFill>
-                  <a:schemeClr val="tx1"/>
-                </a:solidFill>
-                <a:latin typeface="Times New Roman" pitchFamily="18" charset="0"/>
-              </a:defRPr>
-            </a:lvl3pPr>
-            <a:lvl4pPr marL="1600200" indent="-228600" eaLnBrk="0" hangingPunct="0">
-              <a:defRPr sz="2400">
-                <a:solidFill>
-                  <a:schemeClr val="tx1"/>
-                </a:solidFill>
-                <a:latin typeface="Times New Roman" pitchFamily="18" charset="0"/>
-              </a:defRPr>
-            </a:lvl4pPr>
-            <a:lvl5pPr marL="2057400" indent="-228600" eaLnBrk="0" hangingPunct="0">
-              <a:defRPr sz="2400">
-                <a:solidFill>
-                  <a:schemeClr val="tx1"/>
-                </a:solidFill>
-                <a:latin typeface="Times New Roman" pitchFamily="18" charset="0"/>
-              </a:defRPr>
-            </a:lvl5pPr>
-            <a:lvl6pPr marL="2514600" indent="-228600" eaLnBrk="0" fontAlgn="base" hangingPunct="0">
-              <a:spcBef>
-                <a:spcPct val="0"/>
-              </a:spcBef>
-              <a:spcAft>
-                <a:spcPct val="0"/>
-              </a:spcAft>
-              <a:defRPr sz="2400">
-                <a:solidFill>
-                  <a:schemeClr val="tx1"/>
-                </a:solidFill>
-                <a:latin typeface="Times New Roman" pitchFamily="18" charset="0"/>
-              </a:defRPr>
-            </a:lvl6pPr>
-            <a:lvl7pPr marL="2971800" indent="-228600" eaLnBrk="0" fontAlgn="base" hangingPunct="0">
-              <a:spcBef>
-                <a:spcPct val="0"/>
-              </a:spcBef>
-              <a:spcAft>
-                <a:spcPct val="0"/>
-              </a:spcAft>
-              <a:defRPr sz="2400">
-                <a:solidFill>
-                  <a:schemeClr val="tx1"/>
-                </a:solidFill>
-                <a:latin typeface="Times New Roman" pitchFamily="18" charset="0"/>
-              </a:defRPr>
-            </a:lvl7pPr>
-            <a:lvl8pPr marL="3429000" indent="-228600" eaLnBrk="0" fontAlgn="base" hangingPunct="0">
-              <a:spcBef>
-                <a:spcPct val="0"/>
-              </a:spcBef>
-              <a:spcAft>
-                <a:spcPct val="0"/>
-              </a:spcAft>
-              <a:defRPr sz="2400">
-                <a:solidFill>
-                  <a:schemeClr val="tx1"/>
-                </a:solidFill>
-                <a:latin typeface="Times New Roman" pitchFamily="18" charset="0"/>
-              </a:defRPr>
-            </a:lvl8pPr>
-            <a:lvl9pPr marL="3886200" indent="-228600" eaLnBrk="0" fontAlgn="base" hangingPunct="0">
-              <a:spcBef>
-                <a:spcPct val="0"/>
-              </a:spcBef>
-              <a:spcAft>
-                <a:spcPct val="0"/>
-              </a:spcAft>
-              <a:defRPr sz="2400">
-                <a:solidFill>
-                  <a:schemeClr val="tx1"/>
-                </a:solidFill>
-                <a:latin typeface="Times New Roman" pitchFamily="18" charset="0"/>
-              </a:defRPr>
-            </a:lvl9pPr>
-          </a:lstStyle>
-          <a:p>
-            <a:pPr algn="ctr">
-              <a:spcBef>
-                <a:spcPct val="50000"/>
-              </a:spcBef>
-            </a:pPr>
-            <a:r>
-              <a:rPr lang="es-MX" sz="2000" b="1" dirty="0">
-                <a:solidFill>
-                  <a:schemeClr val="accent5">
-                    <a:lumMod val="75000"/>
-                  </a:schemeClr>
-                </a:solidFill>
-                <a:latin typeface="ZapfHumnst BT"/>
-              </a:rPr>
-              <a:t>Modelo OSI</a:t>
-            </a:r>
-            <a:endParaRPr lang="es-MX" sz="2000" dirty="0">
-              <a:solidFill>
-                <a:schemeClr val="accent5">
-                  <a:lumMod val="75000"/>
-                </a:schemeClr>
-              </a:solidFill>
-              <a:latin typeface="ZapfHumnst BT"/>
-            </a:endParaRPr>
-          </a:p>
-        </p:txBody>
-      </p:sp>
-      <p:sp>
-        <p:nvSpPr>
-          <p:cNvPr id="16" name="Text Box 8"/>
-          <p:cNvSpPr txBox="1">
-            <a:spLocks noChangeArrowheads="1"/>
-          </p:cNvSpPr>
-          <p:nvPr/>
-        </p:nvSpPr>
-        <p:spPr bwMode="auto">
-          <a:xfrm>
-            <a:off x="393254" y="1579612"/>
-            <a:ext cx="8143875" cy="830997"/>
-          </a:xfrm>
-          <a:prstGeom prst="rect">
-            <a:avLst/>
-          </a:prstGeom>
-          <a:noFill/>
-          <a:ln>
-            <a:noFill/>
-          </a:ln>
-          <a:extLst>
-            <a:ext uri="{909E8E84-426E-40DD-AFC4-6F175D3DCCD1}">
-              <a14:hiddenFill xmlns:a14="http://schemas.microsoft.com/office/drawing/2010/main">
-                <a:solidFill>
-                  <a:srgbClr val="FFFFFF"/>
-                </a:solidFill>
-              </a14:hiddenFill>
-            </a:ext>
-            <a:ext uri="{91240B29-F687-4F45-9708-019B960494DF}">
-              <a14:hiddenLine xmlns:a14="http://schemas.microsoft.com/office/drawing/2010/main" w="9525">
-                <a:solidFill>
-                  <a:srgbClr val="000000"/>
-                </a:solidFill>
-                <a:miter lim="800000"/>
-                <a:headEnd/>
-                <a:tailEnd/>
-              </a14:hiddenLine>
-            </a:ext>
-          </a:extLst>
-        </p:spPr>
-        <p:txBody>
-          <a:bodyPr>
-            <a:spAutoFit/>
-          </a:bodyPr>
-          <a:lstStyle>
-            <a:lvl1pPr eaLnBrk="0" hangingPunct="0">
-              <a:defRPr sz="2400">
-                <a:solidFill>
-                  <a:schemeClr val="tx1"/>
-                </a:solidFill>
-                <a:latin typeface="Times New Roman" pitchFamily="18" charset="0"/>
-              </a:defRPr>
-            </a:lvl1pPr>
-            <a:lvl2pPr marL="742950" indent="-285750" eaLnBrk="0" hangingPunct="0">
-              <a:defRPr sz="2400">
-                <a:solidFill>
-                  <a:schemeClr val="tx1"/>
-                </a:solidFill>
-                <a:latin typeface="Times New Roman" pitchFamily="18" charset="0"/>
-              </a:defRPr>
-            </a:lvl2pPr>
-            <a:lvl3pPr marL="1143000" indent="-228600" eaLnBrk="0" hangingPunct="0">
-              <a:defRPr sz="2400">
-                <a:solidFill>
-                  <a:schemeClr val="tx1"/>
-                </a:solidFill>
-                <a:latin typeface="Times New Roman" pitchFamily="18" charset="0"/>
-              </a:defRPr>
-            </a:lvl3pPr>
-            <a:lvl4pPr marL="1600200" indent="-228600" eaLnBrk="0" hangingPunct="0">
-              <a:defRPr sz="2400">
-                <a:solidFill>
-                  <a:schemeClr val="tx1"/>
-                </a:solidFill>
-                <a:latin typeface="Times New Roman" pitchFamily="18" charset="0"/>
-              </a:defRPr>
-            </a:lvl4pPr>
-            <a:lvl5pPr marL="2057400" indent="-228600" eaLnBrk="0" hangingPunct="0">
-              <a:defRPr sz="2400">
-                <a:solidFill>
-                  <a:schemeClr val="tx1"/>
-                </a:solidFill>
-                <a:latin typeface="Times New Roman" pitchFamily="18" charset="0"/>
-              </a:defRPr>
-            </a:lvl5pPr>
-            <a:lvl6pPr marL="2514600" indent="-228600" eaLnBrk="0" fontAlgn="base" hangingPunct="0">
-              <a:spcBef>
-                <a:spcPct val="0"/>
-              </a:spcBef>
-              <a:spcAft>
-                <a:spcPct val="0"/>
-              </a:spcAft>
-              <a:defRPr sz="2400">
-                <a:solidFill>
-                  <a:schemeClr val="tx1"/>
-                </a:solidFill>
-                <a:latin typeface="Times New Roman" pitchFamily="18" charset="0"/>
-              </a:defRPr>
-            </a:lvl6pPr>
-            <a:lvl7pPr marL="2971800" indent="-228600" eaLnBrk="0" fontAlgn="base" hangingPunct="0">
-              <a:spcBef>
-                <a:spcPct val="0"/>
-              </a:spcBef>
-              <a:spcAft>
-                <a:spcPct val="0"/>
-              </a:spcAft>
-              <a:defRPr sz="2400">
-                <a:solidFill>
-                  <a:schemeClr val="tx1"/>
-                </a:solidFill>
-                <a:latin typeface="Times New Roman" pitchFamily="18" charset="0"/>
-              </a:defRPr>
-            </a:lvl7pPr>
-            <a:lvl8pPr marL="3429000" indent="-228600" eaLnBrk="0" fontAlgn="base" hangingPunct="0">
-              <a:spcBef>
-                <a:spcPct val="0"/>
-              </a:spcBef>
-              <a:spcAft>
-                <a:spcPct val="0"/>
-              </a:spcAft>
-              <a:defRPr sz="2400">
-                <a:solidFill>
-                  <a:schemeClr val="tx1"/>
-                </a:solidFill>
-                <a:latin typeface="Times New Roman" pitchFamily="18" charset="0"/>
-              </a:defRPr>
-            </a:lvl8pPr>
-            <a:lvl9pPr marL="3886200" indent="-228600" eaLnBrk="0" fontAlgn="base" hangingPunct="0">
-              <a:spcBef>
-                <a:spcPct val="0"/>
-              </a:spcBef>
-              <a:spcAft>
-                <a:spcPct val="0"/>
-              </a:spcAft>
-              <a:defRPr sz="2400">
-                <a:solidFill>
-                  <a:schemeClr val="tx1"/>
-                </a:solidFill>
-                <a:latin typeface="Times New Roman" pitchFamily="18" charset="0"/>
-              </a:defRPr>
-            </a:lvl9pPr>
-          </a:lstStyle>
-          <a:p>
-            <a:pPr>
-              <a:lnSpc>
-                <a:spcPct val="150000"/>
-              </a:lnSpc>
-            </a:pPr>
-            <a:r>
-              <a:rPr lang="es-MX" sz="1600" b="1" dirty="0">
-                <a:solidFill>
-                  <a:schemeClr val="accent6">
-                    <a:lumMod val="75000"/>
-                  </a:schemeClr>
-                </a:solidFill>
-                <a:latin typeface="ZapfHumnst BT"/>
-              </a:rPr>
-              <a:t>Semántica:</a:t>
-            </a:r>
-            <a:r>
-              <a:rPr lang="es-MX" sz="1600" dirty="0">
-                <a:solidFill>
-                  <a:schemeClr val="bg2">
-                    <a:lumMod val="25000"/>
-                  </a:schemeClr>
-                </a:solidFill>
-                <a:latin typeface="ZapfHumnst BT"/>
-              </a:rPr>
-              <a:t> </a:t>
-            </a:r>
-            <a:r>
-              <a:rPr lang="es-MX" sz="1600" dirty="0" err="1">
-                <a:solidFill>
-                  <a:schemeClr val="bg2">
-                    <a:lumMod val="25000"/>
-                  </a:schemeClr>
-                </a:solidFill>
-                <a:latin typeface="ZapfHumnst BT"/>
-              </a:rPr>
-              <a:t>Overhead</a:t>
-            </a:r>
-            <a:r>
-              <a:rPr lang="es-MX" sz="1600" dirty="0">
-                <a:solidFill>
-                  <a:schemeClr val="bg2">
-                    <a:lumMod val="25000"/>
-                  </a:schemeClr>
-                </a:solidFill>
-                <a:latin typeface="ZapfHumnst BT"/>
-              </a:rPr>
-              <a:t>. Información de control que define el significado de cada uno de los datos. </a:t>
-            </a:r>
-          </a:p>
-        </p:txBody>
-      </p:sp>
-      <p:sp>
-        <p:nvSpPr>
-          <p:cNvPr id="8" name="Text Box 8"/>
-          <p:cNvSpPr txBox="1">
-            <a:spLocks noChangeArrowheads="1"/>
-          </p:cNvSpPr>
-          <p:nvPr/>
-        </p:nvSpPr>
-        <p:spPr bwMode="auto">
-          <a:xfrm>
-            <a:off x="321816" y="4382219"/>
-            <a:ext cx="4143375" cy="2032000"/>
-          </a:xfrm>
-          <a:prstGeom prst="rect">
-            <a:avLst/>
-          </a:prstGeom>
-          <a:noFill/>
-          <a:ln>
-            <a:noFill/>
-          </a:ln>
-          <a:extLst>
-            <a:ext uri="{909E8E84-426E-40DD-AFC4-6F175D3DCCD1}">
-              <a14:hiddenFill xmlns:a14="http://schemas.microsoft.com/office/drawing/2010/main">
-                <a:solidFill>
-                  <a:srgbClr val="FFFFFF"/>
-                </a:solidFill>
-              </a14:hiddenFill>
-            </a:ext>
-            <a:ext uri="{91240B29-F687-4F45-9708-019B960494DF}">
-              <a14:hiddenLine xmlns:a14="http://schemas.microsoft.com/office/drawing/2010/main" w="9525">
-                <a:solidFill>
-                  <a:srgbClr val="000000"/>
-                </a:solidFill>
-                <a:miter lim="800000"/>
-                <a:headEnd/>
-                <a:tailEnd/>
-              </a14:hiddenLine>
-            </a:ext>
-          </a:extLst>
-        </p:spPr>
-        <p:txBody>
-          <a:bodyPr>
-            <a:spAutoFit/>
-          </a:bodyPr>
-          <a:lstStyle>
-            <a:lvl1pPr eaLnBrk="0" hangingPunct="0">
-              <a:defRPr sz="2400">
-                <a:solidFill>
-                  <a:schemeClr val="tx1"/>
-                </a:solidFill>
-                <a:latin typeface="Times New Roman" pitchFamily="18" charset="0"/>
-              </a:defRPr>
-            </a:lvl1pPr>
-            <a:lvl2pPr marL="742950" indent="-285750" eaLnBrk="0" hangingPunct="0">
-              <a:defRPr sz="2400">
-                <a:solidFill>
-                  <a:schemeClr val="tx1"/>
-                </a:solidFill>
-                <a:latin typeface="Times New Roman" pitchFamily="18" charset="0"/>
-              </a:defRPr>
-            </a:lvl2pPr>
-            <a:lvl3pPr marL="1143000" indent="-228600" eaLnBrk="0" hangingPunct="0">
-              <a:defRPr sz="2400">
-                <a:solidFill>
-                  <a:schemeClr val="tx1"/>
-                </a:solidFill>
-                <a:latin typeface="Times New Roman" pitchFamily="18" charset="0"/>
-              </a:defRPr>
-            </a:lvl3pPr>
-            <a:lvl4pPr marL="1600200" indent="-228600" eaLnBrk="0" hangingPunct="0">
-              <a:defRPr sz="2400">
-                <a:solidFill>
-                  <a:schemeClr val="tx1"/>
-                </a:solidFill>
-                <a:latin typeface="Times New Roman" pitchFamily="18" charset="0"/>
-              </a:defRPr>
-            </a:lvl4pPr>
-            <a:lvl5pPr marL="2057400" indent="-228600" eaLnBrk="0" hangingPunct="0">
-              <a:defRPr sz="2400">
-                <a:solidFill>
-                  <a:schemeClr val="tx1"/>
-                </a:solidFill>
-                <a:latin typeface="Times New Roman" pitchFamily="18" charset="0"/>
-              </a:defRPr>
-            </a:lvl5pPr>
-            <a:lvl6pPr marL="2514600" indent="-228600" eaLnBrk="0" fontAlgn="base" hangingPunct="0">
-              <a:spcBef>
-                <a:spcPct val="0"/>
-              </a:spcBef>
-              <a:spcAft>
-                <a:spcPct val="0"/>
-              </a:spcAft>
-              <a:defRPr sz="2400">
-                <a:solidFill>
-                  <a:schemeClr val="tx1"/>
-                </a:solidFill>
-                <a:latin typeface="Times New Roman" pitchFamily="18" charset="0"/>
-              </a:defRPr>
-            </a:lvl6pPr>
-            <a:lvl7pPr marL="2971800" indent="-228600" eaLnBrk="0" fontAlgn="base" hangingPunct="0">
-              <a:spcBef>
-                <a:spcPct val="0"/>
-              </a:spcBef>
-              <a:spcAft>
-                <a:spcPct val="0"/>
-              </a:spcAft>
-              <a:defRPr sz="2400">
-                <a:solidFill>
-                  <a:schemeClr val="tx1"/>
-                </a:solidFill>
-                <a:latin typeface="Times New Roman" pitchFamily="18" charset="0"/>
-              </a:defRPr>
-            </a:lvl7pPr>
-            <a:lvl8pPr marL="3429000" indent="-228600" eaLnBrk="0" fontAlgn="base" hangingPunct="0">
-              <a:spcBef>
-                <a:spcPct val="0"/>
-              </a:spcBef>
-              <a:spcAft>
-                <a:spcPct val="0"/>
-              </a:spcAft>
-              <a:defRPr sz="2400">
-                <a:solidFill>
-                  <a:schemeClr val="tx1"/>
-                </a:solidFill>
-                <a:latin typeface="Times New Roman" pitchFamily="18" charset="0"/>
-              </a:defRPr>
-            </a:lvl8pPr>
-            <a:lvl9pPr marL="3886200" indent="-228600" eaLnBrk="0" fontAlgn="base" hangingPunct="0">
-              <a:spcBef>
-                <a:spcPct val="0"/>
-              </a:spcBef>
-              <a:spcAft>
-                <a:spcPct val="0"/>
-              </a:spcAft>
-              <a:defRPr sz="2400">
-                <a:solidFill>
-                  <a:schemeClr val="tx1"/>
-                </a:solidFill>
-                <a:latin typeface="Times New Roman" pitchFamily="18" charset="0"/>
-              </a:defRPr>
-            </a:lvl9pPr>
-          </a:lstStyle>
-          <a:p>
-            <a:pPr>
-              <a:lnSpc>
-                <a:spcPct val="150000"/>
-              </a:lnSpc>
-            </a:pPr>
-            <a:r>
-              <a:rPr lang="es-MX" sz="1400" b="1" dirty="0">
-                <a:solidFill>
-                  <a:schemeClr val="bg2">
-                    <a:lumMod val="25000"/>
-                  </a:schemeClr>
-                </a:solidFill>
-                <a:latin typeface="ZapfHumnst BT"/>
-              </a:rPr>
-              <a:t>CA</a:t>
-            </a:r>
-            <a:r>
-              <a:rPr lang="es-MX" sz="1400" dirty="0">
-                <a:solidFill>
-                  <a:schemeClr val="bg2">
-                    <a:lumMod val="25000"/>
-                  </a:schemeClr>
-                </a:solidFill>
-                <a:latin typeface="ZapfHumnst BT"/>
-              </a:rPr>
-              <a:t> – Encabezado capa aplicación</a:t>
-            </a:r>
-          </a:p>
-          <a:p>
-            <a:pPr>
-              <a:lnSpc>
-                <a:spcPct val="150000"/>
-              </a:lnSpc>
-            </a:pPr>
-            <a:r>
-              <a:rPr lang="es-MX" sz="1400" b="1" dirty="0">
-                <a:solidFill>
-                  <a:schemeClr val="bg2">
-                    <a:lumMod val="25000"/>
-                  </a:schemeClr>
-                </a:solidFill>
-                <a:latin typeface="ZapfHumnst BT"/>
-              </a:rPr>
-              <a:t>CP</a:t>
-            </a:r>
-            <a:r>
-              <a:rPr lang="es-MX" sz="1400" dirty="0">
-                <a:solidFill>
-                  <a:schemeClr val="bg2">
-                    <a:lumMod val="25000"/>
-                  </a:schemeClr>
-                </a:solidFill>
-                <a:latin typeface="ZapfHumnst BT"/>
-              </a:rPr>
-              <a:t> – Encabezado capa presentación</a:t>
-            </a:r>
-          </a:p>
-          <a:p>
-            <a:pPr>
-              <a:lnSpc>
-                <a:spcPct val="150000"/>
-              </a:lnSpc>
-            </a:pPr>
-            <a:r>
-              <a:rPr lang="es-MX" sz="1400" b="1" dirty="0">
-                <a:solidFill>
-                  <a:schemeClr val="bg2">
-                    <a:lumMod val="25000"/>
-                  </a:schemeClr>
-                </a:solidFill>
-                <a:latin typeface="ZapfHumnst BT"/>
-              </a:rPr>
-              <a:t>CS</a:t>
-            </a:r>
-            <a:r>
-              <a:rPr lang="es-MX" sz="1400" dirty="0">
-                <a:solidFill>
-                  <a:schemeClr val="bg2">
-                    <a:lumMod val="25000"/>
-                  </a:schemeClr>
-                </a:solidFill>
-                <a:latin typeface="ZapfHumnst BT"/>
-              </a:rPr>
-              <a:t> – Encabezado capa sesión</a:t>
-            </a:r>
-          </a:p>
-          <a:p>
-            <a:pPr>
-              <a:lnSpc>
-                <a:spcPct val="150000"/>
-              </a:lnSpc>
-            </a:pPr>
-            <a:r>
-              <a:rPr lang="es-MX" sz="1400" b="1" dirty="0">
-                <a:solidFill>
-                  <a:schemeClr val="bg2">
-                    <a:lumMod val="25000"/>
-                  </a:schemeClr>
-                </a:solidFill>
-                <a:latin typeface="ZapfHumnst BT"/>
-              </a:rPr>
-              <a:t>CT</a:t>
-            </a:r>
-            <a:r>
-              <a:rPr lang="es-MX" sz="1400" dirty="0">
-                <a:solidFill>
-                  <a:schemeClr val="bg2">
-                    <a:lumMod val="25000"/>
-                  </a:schemeClr>
-                </a:solidFill>
-                <a:latin typeface="ZapfHumnst BT"/>
-              </a:rPr>
-              <a:t> – Encabezado capa transporte</a:t>
-            </a:r>
-          </a:p>
-          <a:p>
-            <a:pPr>
-              <a:lnSpc>
-                <a:spcPct val="150000"/>
-              </a:lnSpc>
-            </a:pPr>
-            <a:r>
-              <a:rPr lang="es-MX" sz="1400" b="1" dirty="0">
-                <a:solidFill>
-                  <a:schemeClr val="bg2">
-                    <a:lumMod val="25000"/>
-                  </a:schemeClr>
-                </a:solidFill>
-                <a:latin typeface="ZapfHumnst BT"/>
-              </a:rPr>
-              <a:t>CR</a:t>
-            </a:r>
-            <a:r>
-              <a:rPr lang="es-MX" sz="1400" dirty="0">
-                <a:solidFill>
-                  <a:schemeClr val="bg2">
-                    <a:lumMod val="25000"/>
-                  </a:schemeClr>
-                </a:solidFill>
-                <a:latin typeface="ZapfHumnst BT"/>
-              </a:rPr>
-              <a:t> – Encabezado capa red</a:t>
-            </a:r>
-          </a:p>
-          <a:p>
-            <a:pPr>
-              <a:lnSpc>
-                <a:spcPct val="150000"/>
-              </a:lnSpc>
-            </a:pPr>
-            <a:r>
-              <a:rPr lang="es-MX" sz="1400" b="1" dirty="0">
-                <a:solidFill>
-                  <a:schemeClr val="bg2">
-                    <a:lumMod val="25000"/>
-                  </a:schemeClr>
-                </a:solidFill>
-                <a:latin typeface="ZapfHumnst BT"/>
-              </a:rPr>
-              <a:t>CE</a:t>
-            </a:r>
-            <a:r>
-              <a:rPr lang="es-MX" sz="1400" dirty="0">
-                <a:solidFill>
-                  <a:schemeClr val="bg2">
-                    <a:lumMod val="25000"/>
-                  </a:schemeClr>
-                </a:solidFill>
-                <a:latin typeface="ZapfHumnst BT"/>
-              </a:rPr>
-              <a:t> – Encabezado capa enlace de datos</a:t>
-            </a:r>
-          </a:p>
-        </p:txBody>
-      </p:sp>
-      <p:sp>
-        <p:nvSpPr>
-          <p:cNvPr id="9" name="Text Box 8"/>
-          <p:cNvSpPr txBox="1">
-            <a:spLocks noChangeArrowheads="1"/>
-          </p:cNvSpPr>
-          <p:nvPr/>
-        </p:nvSpPr>
-        <p:spPr bwMode="auto">
-          <a:xfrm>
-            <a:off x="393254" y="2772866"/>
-            <a:ext cx="5618906" cy="792781"/>
-          </a:xfrm>
-          <a:prstGeom prst="rect">
-            <a:avLst/>
-          </a:prstGeom>
-          <a:noFill/>
-          <a:ln>
-            <a:noFill/>
-          </a:ln>
-          <a:extLst>
-            <a:ext uri="{909E8E84-426E-40DD-AFC4-6F175D3DCCD1}">
-              <a14:hiddenFill xmlns:a14="http://schemas.microsoft.com/office/drawing/2010/main">
-                <a:solidFill>
-                  <a:srgbClr val="FFFFFF"/>
-                </a:solidFill>
-              </a14:hiddenFill>
-            </a:ext>
-            <a:ext uri="{91240B29-F687-4F45-9708-019B960494DF}">
-              <a14:hiddenLine xmlns:a14="http://schemas.microsoft.com/office/drawing/2010/main" w="9525">
-                <a:solidFill>
-                  <a:srgbClr val="000000"/>
-                </a:solidFill>
-                <a:miter lim="800000"/>
-                <a:headEnd/>
-                <a:tailEnd/>
-              </a14:hiddenLine>
-            </a:ext>
-          </a:extLst>
-        </p:spPr>
-        <p:txBody>
-          <a:bodyPr wrap="square">
-            <a:spAutoFit/>
-          </a:bodyPr>
-          <a:lstStyle>
-            <a:lvl1pPr eaLnBrk="0" hangingPunct="0">
-              <a:defRPr sz="2400">
-                <a:solidFill>
-                  <a:schemeClr val="tx1"/>
-                </a:solidFill>
-                <a:latin typeface="Times New Roman" pitchFamily="18" charset="0"/>
-              </a:defRPr>
-            </a:lvl1pPr>
-            <a:lvl2pPr marL="742950" indent="-285750" eaLnBrk="0" hangingPunct="0">
-              <a:defRPr sz="2400">
-                <a:solidFill>
-                  <a:schemeClr val="tx1"/>
-                </a:solidFill>
-                <a:latin typeface="Times New Roman" pitchFamily="18" charset="0"/>
-              </a:defRPr>
-            </a:lvl2pPr>
-            <a:lvl3pPr marL="1143000" indent="-228600" eaLnBrk="0" hangingPunct="0">
-              <a:defRPr sz="2400">
-                <a:solidFill>
-                  <a:schemeClr val="tx1"/>
-                </a:solidFill>
-                <a:latin typeface="Times New Roman" pitchFamily="18" charset="0"/>
-              </a:defRPr>
-            </a:lvl3pPr>
-            <a:lvl4pPr marL="1600200" indent="-228600" eaLnBrk="0" hangingPunct="0">
-              <a:defRPr sz="2400">
-                <a:solidFill>
-                  <a:schemeClr val="tx1"/>
-                </a:solidFill>
-                <a:latin typeface="Times New Roman" pitchFamily="18" charset="0"/>
-              </a:defRPr>
-            </a:lvl4pPr>
-            <a:lvl5pPr marL="2057400" indent="-228600" eaLnBrk="0" hangingPunct="0">
-              <a:defRPr sz="2400">
-                <a:solidFill>
-                  <a:schemeClr val="tx1"/>
-                </a:solidFill>
-                <a:latin typeface="Times New Roman" pitchFamily="18" charset="0"/>
-              </a:defRPr>
-            </a:lvl5pPr>
-            <a:lvl6pPr marL="2514600" indent="-228600" eaLnBrk="0" fontAlgn="base" hangingPunct="0">
-              <a:spcBef>
-                <a:spcPct val="0"/>
-              </a:spcBef>
-              <a:spcAft>
-                <a:spcPct val="0"/>
-              </a:spcAft>
-              <a:defRPr sz="2400">
-                <a:solidFill>
-                  <a:schemeClr val="tx1"/>
-                </a:solidFill>
-                <a:latin typeface="Times New Roman" pitchFamily="18" charset="0"/>
-              </a:defRPr>
-            </a:lvl6pPr>
-            <a:lvl7pPr marL="2971800" indent="-228600" eaLnBrk="0" fontAlgn="base" hangingPunct="0">
-              <a:spcBef>
-                <a:spcPct val="0"/>
-              </a:spcBef>
-              <a:spcAft>
-                <a:spcPct val="0"/>
-              </a:spcAft>
-              <a:defRPr sz="2400">
-                <a:solidFill>
-                  <a:schemeClr val="tx1"/>
-                </a:solidFill>
-                <a:latin typeface="Times New Roman" pitchFamily="18" charset="0"/>
-              </a:defRPr>
-            </a:lvl7pPr>
-            <a:lvl8pPr marL="3429000" indent="-228600" eaLnBrk="0" fontAlgn="base" hangingPunct="0">
-              <a:spcBef>
-                <a:spcPct val="0"/>
-              </a:spcBef>
-              <a:spcAft>
-                <a:spcPct val="0"/>
-              </a:spcAft>
-              <a:defRPr sz="2400">
-                <a:solidFill>
-                  <a:schemeClr val="tx1"/>
-                </a:solidFill>
-                <a:latin typeface="Times New Roman" pitchFamily="18" charset="0"/>
-              </a:defRPr>
-            </a:lvl8pPr>
-            <a:lvl9pPr marL="3886200" indent="-228600" eaLnBrk="0" fontAlgn="base" hangingPunct="0">
-              <a:spcBef>
-                <a:spcPct val="0"/>
-              </a:spcBef>
-              <a:spcAft>
-                <a:spcPct val="0"/>
-              </a:spcAft>
-              <a:defRPr sz="2400">
-                <a:solidFill>
-                  <a:schemeClr val="tx1"/>
-                </a:solidFill>
-                <a:latin typeface="Times New Roman" pitchFamily="18" charset="0"/>
-              </a:defRPr>
-            </a:lvl9pPr>
-          </a:lstStyle>
-          <a:p>
-            <a:pPr>
-              <a:lnSpc>
-                <a:spcPct val="150000"/>
-              </a:lnSpc>
-              <a:buFont typeface="Arial" pitchFamily="34" charset="0"/>
-              <a:buChar char="•"/>
-            </a:pPr>
-            <a:r>
-              <a:rPr lang="es-MX" sz="1600" dirty="0">
-                <a:solidFill>
-                  <a:schemeClr val="bg2">
-                    <a:lumMod val="25000"/>
-                  </a:schemeClr>
-                </a:solidFill>
-                <a:latin typeface="ZapfHumnst BT"/>
-              </a:rPr>
-              <a:t>  Los datos en cada capa no se modifican sino </a:t>
-            </a:r>
-          </a:p>
-          <a:p>
-            <a:pPr>
-              <a:lnSpc>
-                <a:spcPct val="150000"/>
-              </a:lnSpc>
-            </a:pPr>
-            <a:r>
-              <a:rPr lang="es-MX" sz="1600" dirty="0">
-                <a:solidFill>
-                  <a:schemeClr val="bg2">
-                    <a:lumMod val="25000"/>
-                  </a:schemeClr>
-                </a:solidFill>
-                <a:latin typeface="ZapfHumnst BT"/>
-              </a:rPr>
-              <a:t>   que se van agregando.</a:t>
-            </a:r>
-          </a:p>
-        </p:txBody>
-      </p:sp>
-      <p:sp>
-        <p:nvSpPr>
-          <p:cNvPr id="18440" name="Text Box 8"/>
-          <p:cNvSpPr txBox="1">
-            <a:spLocks noChangeArrowheads="1"/>
-          </p:cNvSpPr>
-          <p:nvPr/>
-        </p:nvSpPr>
-        <p:spPr bwMode="auto">
-          <a:xfrm>
-            <a:off x="393254" y="2342653"/>
-            <a:ext cx="5929312" cy="461963"/>
-          </a:xfrm>
-          <a:prstGeom prst="rect">
-            <a:avLst/>
-          </a:prstGeom>
-          <a:noFill/>
-          <a:ln>
-            <a:noFill/>
-          </a:ln>
-          <a:extLst>
-            <a:ext uri="{909E8E84-426E-40DD-AFC4-6F175D3DCCD1}">
-              <a14:hiddenFill xmlns:a14="http://schemas.microsoft.com/office/drawing/2010/main">
-                <a:solidFill>
-                  <a:srgbClr val="FFFFFF"/>
-                </a:solidFill>
-              </a14:hiddenFill>
-            </a:ext>
-            <a:ext uri="{91240B29-F687-4F45-9708-019B960494DF}">
-              <a14:hiddenLine xmlns:a14="http://schemas.microsoft.com/office/drawing/2010/main" w="9525">
-                <a:solidFill>
-                  <a:srgbClr val="000000"/>
-                </a:solidFill>
-                <a:miter lim="800000"/>
-                <a:headEnd/>
-                <a:tailEnd/>
-              </a14:hiddenLine>
-            </a:ext>
-          </a:extLst>
-        </p:spPr>
-        <p:txBody>
-          <a:bodyPr>
-            <a:spAutoFit/>
-          </a:bodyPr>
-          <a:lstStyle>
-            <a:lvl1pPr eaLnBrk="0" hangingPunct="0">
-              <a:defRPr sz="2400">
-                <a:solidFill>
-                  <a:schemeClr val="tx1"/>
-                </a:solidFill>
-                <a:latin typeface="Times New Roman" pitchFamily="18" charset="0"/>
-              </a:defRPr>
-            </a:lvl1pPr>
-            <a:lvl2pPr marL="742950" indent="-285750" eaLnBrk="0" hangingPunct="0">
-              <a:defRPr sz="2400">
-                <a:solidFill>
-                  <a:schemeClr val="tx1"/>
-                </a:solidFill>
-                <a:latin typeface="Times New Roman" pitchFamily="18" charset="0"/>
-              </a:defRPr>
-            </a:lvl2pPr>
-            <a:lvl3pPr marL="1143000" indent="-228600" eaLnBrk="0" hangingPunct="0">
-              <a:defRPr sz="2400">
-                <a:solidFill>
-                  <a:schemeClr val="tx1"/>
-                </a:solidFill>
-                <a:latin typeface="Times New Roman" pitchFamily="18" charset="0"/>
-              </a:defRPr>
-            </a:lvl3pPr>
-            <a:lvl4pPr marL="1600200" indent="-228600" eaLnBrk="0" hangingPunct="0">
-              <a:defRPr sz="2400">
-                <a:solidFill>
-                  <a:schemeClr val="tx1"/>
-                </a:solidFill>
-                <a:latin typeface="Times New Roman" pitchFamily="18" charset="0"/>
-              </a:defRPr>
-            </a:lvl4pPr>
-            <a:lvl5pPr marL="2057400" indent="-228600" eaLnBrk="0" hangingPunct="0">
-              <a:defRPr sz="2400">
-                <a:solidFill>
-                  <a:schemeClr val="tx1"/>
-                </a:solidFill>
-                <a:latin typeface="Times New Roman" pitchFamily="18" charset="0"/>
-              </a:defRPr>
-            </a:lvl5pPr>
-            <a:lvl6pPr marL="2514600" indent="-228600" eaLnBrk="0" fontAlgn="base" hangingPunct="0">
-              <a:spcBef>
-                <a:spcPct val="0"/>
-              </a:spcBef>
-              <a:spcAft>
-                <a:spcPct val="0"/>
-              </a:spcAft>
-              <a:defRPr sz="2400">
-                <a:solidFill>
-                  <a:schemeClr val="tx1"/>
-                </a:solidFill>
-                <a:latin typeface="Times New Roman" pitchFamily="18" charset="0"/>
-              </a:defRPr>
-            </a:lvl6pPr>
-            <a:lvl7pPr marL="2971800" indent="-228600" eaLnBrk="0" fontAlgn="base" hangingPunct="0">
-              <a:spcBef>
-                <a:spcPct val="0"/>
-              </a:spcBef>
-              <a:spcAft>
-                <a:spcPct val="0"/>
-              </a:spcAft>
-              <a:defRPr sz="2400">
-                <a:solidFill>
-                  <a:schemeClr val="tx1"/>
-                </a:solidFill>
-                <a:latin typeface="Times New Roman" pitchFamily="18" charset="0"/>
-              </a:defRPr>
-            </a:lvl7pPr>
-            <a:lvl8pPr marL="3429000" indent="-228600" eaLnBrk="0" fontAlgn="base" hangingPunct="0">
-              <a:spcBef>
-                <a:spcPct val="0"/>
-              </a:spcBef>
-              <a:spcAft>
-                <a:spcPct val="0"/>
-              </a:spcAft>
-              <a:defRPr sz="2400">
-                <a:solidFill>
-                  <a:schemeClr val="tx1"/>
-                </a:solidFill>
-                <a:latin typeface="Times New Roman" pitchFamily="18" charset="0"/>
-              </a:defRPr>
-            </a:lvl8pPr>
-            <a:lvl9pPr marL="3886200" indent="-228600" eaLnBrk="0" fontAlgn="base" hangingPunct="0">
-              <a:spcBef>
-                <a:spcPct val="0"/>
-              </a:spcBef>
-              <a:spcAft>
-                <a:spcPct val="0"/>
-              </a:spcAft>
-              <a:defRPr sz="2400">
-                <a:solidFill>
-                  <a:schemeClr val="tx1"/>
-                </a:solidFill>
-                <a:latin typeface="Times New Roman" pitchFamily="18" charset="0"/>
-              </a:defRPr>
-            </a:lvl9pPr>
-          </a:lstStyle>
-          <a:p>
-            <a:pPr>
-              <a:lnSpc>
-                <a:spcPct val="150000"/>
-              </a:lnSpc>
-              <a:buFont typeface="Arial" pitchFamily="34" charset="0"/>
-              <a:buChar char="•"/>
-            </a:pPr>
-            <a:r>
-              <a:rPr lang="es-MX" sz="1600" dirty="0">
-                <a:solidFill>
-                  <a:schemeClr val="bg2">
-                    <a:lumMod val="25000"/>
-                  </a:schemeClr>
-                </a:solidFill>
-                <a:latin typeface="ZapfHumnst BT"/>
-              </a:rPr>
-              <a:t>  Cada capa agrega sus propios significados (encabezados).</a:t>
-            </a:r>
-          </a:p>
-        </p:txBody>
-      </p:sp>
-      <p:sp>
-        <p:nvSpPr>
-          <p:cNvPr id="10" name="Text Box 8"/>
-          <p:cNvSpPr txBox="1">
-            <a:spLocks noChangeArrowheads="1"/>
-          </p:cNvSpPr>
-          <p:nvPr/>
-        </p:nvSpPr>
-        <p:spPr bwMode="auto">
-          <a:xfrm>
-            <a:off x="393254" y="3485653"/>
-            <a:ext cx="3714750" cy="830263"/>
-          </a:xfrm>
-          <a:prstGeom prst="rect">
-            <a:avLst/>
-          </a:prstGeom>
-          <a:noFill/>
-          <a:ln>
-            <a:noFill/>
-          </a:ln>
-          <a:extLst>
-            <a:ext uri="{909E8E84-426E-40DD-AFC4-6F175D3DCCD1}">
-              <a14:hiddenFill xmlns:a14="http://schemas.microsoft.com/office/drawing/2010/main">
-                <a:solidFill>
-                  <a:srgbClr val="FFFFFF"/>
-                </a:solidFill>
-              </a14:hiddenFill>
-            </a:ext>
-            <a:ext uri="{91240B29-F687-4F45-9708-019B960494DF}">
-              <a14:hiddenLine xmlns:a14="http://schemas.microsoft.com/office/drawing/2010/main" w="9525">
-                <a:solidFill>
-                  <a:srgbClr val="000000"/>
-                </a:solidFill>
-                <a:miter lim="800000"/>
-                <a:headEnd/>
-                <a:tailEnd/>
-              </a14:hiddenLine>
-            </a:ext>
-          </a:extLst>
-        </p:spPr>
-        <p:txBody>
-          <a:bodyPr>
-            <a:spAutoFit/>
-          </a:bodyPr>
-          <a:lstStyle>
-            <a:lvl1pPr eaLnBrk="0" hangingPunct="0">
-              <a:defRPr sz="2400">
-                <a:solidFill>
-                  <a:schemeClr val="tx1"/>
-                </a:solidFill>
-                <a:latin typeface="Times New Roman" pitchFamily="18" charset="0"/>
-              </a:defRPr>
-            </a:lvl1pPr>
-            <a:lvl2pPr marL="742950" indent="-285750" eaLnBrk="0" hangingPunct="0">
-              <a:defRPr sz="2400">
-                <a:solidFill>
-                  <a:schemeClr val="tx1"/>
-                </a:solidFill>
-                <a:latin typeface="Times New Roman" pitchFamily="18" charset="0"/>
-              </a:defRPr>
-            </a:lvl2pPr>
-            <a:lvl3pPr marL="1143000" indent="-228600" eaLnBrk="0" hangingPunct="0">
-              <a:defRPr sz="2400">
-                <a:solidFill>
-                  <a:schemeClr val="tx1"/>
-                </a:solidFill>
-                <a:latin typeface="Times New Roman" pitchFamily="18" charset="0"/>
-              </a:defRPr>
-            </a:lvl3pPr>
-            <a:lvl4pPr marL="1600200" indent="-228600" eaLnBrk="0" hangingPunct="0">
-              <a:defRPr sz="2400">
-                <a:solidFill>
-                  <a:schemeClr val="tx1"/>
-                </a:solidFill>
-                <a:latin typeface="Times New Roman" pitchFamily="18" charset="0"/>
-              </a:defRPr>
-            </a:lvl4pPr>
-            <a:lvl5pPr marL="2057400" indent="-228600" eaLnBrk="0" hangingPunct="0">
-              <a:defRPr sz="2400">
-                <a:solidFill>
-                  <a:schemeClr val="tx1"/>
-                </a:solidFill>
-                <a:latin typeface="Times New Roman" pitchFamily="18" charset="0"/>
-              </a:defRPr>
-            </a:lvl5pPr>
-            <a:lvl6pPr marL="2514600" indent="-228600" eaLnBrk="0" fontAlgn="base" hangingPunct="0">
-              <a:spcBef>
-                <a:spcPct val="0"/>
-              </a:spcBef>
-              <a:spcAft>
-                <a:spcPct val="0"/>
-              </a:spcAft>
-              <a:defRPr sz="2400">
-                <a:solidFill>
-                  <a:schemeClr val="tx1"/>
-                </a:solidFill>
-                <a:latin typeface="Times New Roman" pitchFamily="18" charset="0"/>
-              </a:defRPr>
-            </a:lvl6pPr>
-            <a:lvl7pPr marL="2971800" indent="-228600" eaLnBrk="0" fontAlgn="base" hangingPunct="0">
-              <a:spcBef>
-                <a:spcPct val="0"/>
-              </a:spcBef>
-              <a:spcAft>
-                <a:spcPct val="0"/>
-              </a:spcAft>
-              <a:defRPr sz="2400">
-                <a:solidFill>
-                  <a:schemeClr val="tx1"/>
-                </a:solidFill>
-                <a:latin typeface="Times New Roman" pitchFamily="18" charset="0"/>
-              </a:defRPr>
-            </a:lvl7pPr>
-            <a:lvl8pPr marL="3429000" indent="-228600" eaLnBrk="0" fontAlgn="base" hangingPunct="0">
-              <a:spcBef>
-                <a:spcPct val="0"/>
-              </a:spcBef>
-              <a:spcAft>
-                <a:spcPct val="0"/>
-              </a:spcAft>
-              <a:defRPr sz="2400">
-                <a:solidFill>
-                  <a:schemeClr val="tx1"/>
-                </a:solidFill>
-                <a:latin typeface="Times New Roman" pitchFamily="18" charset="0"/>
-              </a:defRPr>
-            </a:lvl8pPr>
-            <a:lvl9pPr marL="3886200" indent="-228600" eaLnBrk="0" fontAlgn="base" hangingPunct="0">
-              <a:spcBef>
-                <a:spcPct val="0"/>
-              </a:spcBef>
-              <a:spcAft>
-                <a:spcPct val="0"/>
-              </a:spcAft>
-              <a:defRPr sz="2400">
-                <a:solidFill>
-                  <a:schemeClr val="tx1"/>
-                </a:solidFill>
-                <a:latin typeface="Times New Roman" pitchFamily="18" charset="0"/>
-              </a:defRPr>
-            </a:lvl9pPr>
-          </a:lstStyle>
-          <a:p>
-            <a:pPr>
-              <a:lnSpc>
-                <a:spcPct val="150000"/>
-              </a:lnSpc>
-              <a:buFont typeface="Arial" pitchFamily="34" charset="0"/>
-              <a:buChar char="•"/>
-            </a:pPr>
-            <a:r>
-              <a:rPr lang="es-MX" sz="1600">
-                <a:solidFill>
-                  <a:schemeClr val="bg2">
-                    <a:lumMod val="25000"/>
-                  </a:schemeClr>
-                </a:solidFill>
-                <a:latin typeface="ZapfHumnst BT"/>
-              </a:rPr>
-              <a:t>  La información en la red jamás va </a:t>
-            </a:r>
-          </a:p>
-          <a:p>
-            <a:pPr>
-              <a:lnSpc>
-                <a:spcPct val="150000"/>
-              </a:lnSpc>
-            </a:pPr>
-            <a:r>
-              <a:rPr lang="es-MX" sz="1600">
-                <a:solidFill>
-                  <a:schemeClr val="bg2">
-                    <a:lumMod val="25000"/>
-                  </a:schemeClr>
-                </a:solidFill>
-                <a:latin typeface="ZapfHumnst BT"/>
-              </a:rPr>
-              <a:t>   desnuda, siempre lleva overhead.</a:t>
-            </a:r>
-          </a:p>
-        </p:txBody>
-      </p:sp>
-      <p:sp>
-        <p:nvSpPr>
-          <p:cNvPr id="11" name="Rectangle 2"/>
-          <p:cNvSpPr txBox="1">
-            <a:spLocks noChangeArrowheads="1"/>
-          </p:cNvSpPr>
-          <p:nvPr/>
-        </p:nvSpPr>
-        <p:spPr>
-          <a:xfrm>
-            <a:off x="107504" y="-27384"/>
-            <a:ext cx="8964488" cy="1143000"/>
-          </a:xfrm>
-          <a:prstGeom prst="rect">
-            <a:avLst/>
-          </a:prstGeom>
-        </p:spPr>
-        <p:txBody>
-          <a:bodyPr vert="horz" lIns="92075" tIns="46038" rIns="92075" bIns="46038" rtlCol="0" anchor="ctr">
-            <a:noAutofit/>
-          </a:bodyPr>
-          <a:lstStyle>
-            <a:lvl1pPr algn="ctr" defTabSz="914400" rtl="0" eaLnBrk="1" latinLnBrk="0" hangingPunct="1">
-              <a:spcBef>
-                <a:spcPct val="0"/>
-              </a:spcBef>
-              <a:buNone/>
-              <a:defRPr sz="4400" kern="1200">
-                <a:solidFill>
-                  <a:schemeClr val="tx1"/>
-                </a:solidFill>
-                <a:latin typeface="+mj-lt"/>
-                <a:ea typeface="+mj-ea"/>
-                <a:cs typeface="+mj-cs"/>
-              </a:defRPr>
-            </a:lvl1pPr>
-          </a:lstStyle>
-          <a:p>
-            <a:pPr>
-              <a:defRPr/>
-            </a:pPr>
-            <a:r>
-              <a:rPr lang="es-ES_tradnl" sz="3200" dirty="0">
-                <a:solidFill>
-                  <a:srgbClr val="3333CC"/>
-                </a:solidFill>
-                <a:effectLst>
-                  <a:outerShdw blurRad="38100" dist="38100" dir="2700000" algn="tl">
-                    <a:srgbClr val="C0C0C0"/>
-                  </a:outerShdw>
-                </a:effectLst>
-                <a:latin typeface="Dom Casual" charset="0"/>
-              </a:rPr>
-              <a:t> </a:t>
-            </a:r>
-            <a:r>
-              <a:rPr lang="es-ES_tradnl" sz="3200" b="1" dirty="0">
-                <a:solidFill>
-                  <a:schemeClr val="accent4">
-                    <a:lumMod val="50000"/>
-                  </a:schemeClr>
-                </a:solidFill>
-                <a:effectLst>
-                  <a:outerShdw blurRad="38100" dist="38100" dir="2700000" algn="tl">
-                    <a:srgbClr val="C0C0C0"/>
-                  </a:outerShdw>
-                </a:effectLst>
-                <a:latin typeface="Dom Casual" charset="0"/>
-              </a:rPr>
-              <a:t>Elementos de un protocolo</a:t>
-            </a:r>
-          </a:p>
-        </p:txBody>
-      </p:sp>
-    </p:spTree>
-    <p:extLst>
-      <p:ext uri="{BB962C8B-B14F-4D97-AF65-F5344CB8AC3E}">
-        <p14:creationId xmlns:p14="http://schemas.microsoft.com/office/powerpoint/2010/main" val="298064842"/>
-      </p:ext>
-    </p:extLst>
-  </p:cSld>
-  <p:clrMapOvr>
-    <a:masterClrMapping/>
-  </p:clrMapOvr>
-  <p:timing>
-    <p:tnLst>
-      <p:par>
-        <p:cTn id="1" dur="indefinite" restart="never" nodeType="tmRoot">
-          <p:childTnLst>
-            <p:seq concurrent="1" nextAc="seek">
-              <p:cTn id="2" dur="indefinite" nodeType="mainSeq">
-                <p:childTnLst>
-                  <p:par>
-                    <p:cTn id="3" fill="hold" nodeType="clickPar">
-                      <p:stCondLst>
-                        <p:cond delay="indefinite"/>
-                      </p:stCondLst>
-                      <p:childTnLst>
-                        <p:par>
-                          <p:cTn id="4" fill="hold" nodeType="withGroup">
-                            <p:stCondLst>
-                              <p:cond delay="0"/>
-                            </p:stCondLst>
-                            <p:childTnLst>
-                              <p:par>
-                                <p:cTn id="5" presetID="2" presetClass="entr" presetSubtype="2" fill="hold" grpId="0" nodeType="clickEffect">
-                                  <p:stCondLst>
-                                    <p:cond delay="0"/>
-                                  </p:stCondLst>
-                                  <p:childTnLst>
-                                    <p:set>
-                                      <p:cBhvr>
-                                        <p:cTn id="6" dur="1" fill="hold">
-                                          <p:stCondLst>
-                                            <p:cond delay="0"/>
-                                          </p:stCondLst>
-                                        </p:cTn>
-                                        <p:tgtEl>
-                                          <p:spTgt spid="23"/>
-                                        </p:tgtEl>
-                                        <p:attrNameLst>
-                                          <p:attrName>style.visibility</p:attrName>
-                                        </p:attrNameLst>
-                                      </p:cBhvr>
-                                      <p:to>
-                                        <p:strVal val="visible"/>
-                                      </p:to>
-                                    </p:set>
-                                    <p:anim calcmode="lin" valueType="num">
-                                      <p:cBhvr additive="base">
-                                        <p:cTn id="7" dur="2000" fill="hold"/>
-                                        <p:tgtEl>
-                                          <p:spTgt spid="23"/>
-                                        </p:tgtEl>
-                                        <p:attrNameLst>
-                                          <p:attrName>ppt_x</p:attrName>
-                                        </p:attrNameLst>
-                                      </p:cBhvr>
-                                      <p:tavLst>
-                                        <p:tav tm="0">
-                                          <p:val>
-                                            <p:strVal val="1+#ppt_w/2"/>
-                                          </p:val>
-                                        </p:tav>
-                                        <p:tav tm="100000">
-                                          <p:val>
-                                            <p:strVal val="#ppt_x"/>
-                                          </p:val>
-                                        </p:tav>
-                                      </p:tavLst>
-                                    </p:anim>
-                                    <p:anim calcmode="lin" valueType="num">
-                                      <p:cBhvr additive="base">
-                                        <p:cTn id="8" dur="2000" fill="hold"/>
-                                        <p:tgtEl>
-                                          <p:spTgt spid="23"/>
-                                        </p:tgtEl>
-                                        <p:attrNameLst>
-                                          <p:attrName>ppt_y</p:attrName>
-                                        </p:attrNameLst>
-                                      </p:cBhvr>
-                                      <p:tavLst>
-                                        <p:tav tm="0">
-                                          <p:val>
-                                            <p:strVal val="#ppt_y"/>
-                                          </p:val>
-                                        </p:tav>
-                                        <p:tav tm="100000">
-                                          <p:val>
-                                            <p:strVal val="#ppt_y"/>
-                                          </p:val>
-                                        </p:tav>
-                                      </p:tavLst>
-                                    </p:anim>
-                                  </p:childTnLst>
-                                </p:cTn>
-                              </p:par>
-                            </p:childTnLst>
-                          </p:cTn>
-                        </p:par>
-                      </p:childTnLst>
-                    </p:cTn>
-                  </p:par>
-                  <p:par>
-                    <p:cTn id="9" fill="hold" nodeType="clickPar">
-                      <p:stCondLst>
-                        <p:cond delay="indefinite"/>
-                      </p:stCondLst>
-                      <p:childTnLst>
-                        <p:par>
-                          <p:cTn id="10" fill="hold" nodeType="withGroup">
-                            <p:stCondLst>
-                              <p:cond delay="0"/>
-                            </p:stCondLst>
-                            <p:childTnLst>
-                              <p:par>
-                                <p:cTn id="11" presetID="2" presetClass="entr" presetSubtype="2" fill="hold" grpId="0" nodeType="clickEffect">
-                                  <p:stCondLst>
-                                    <p:cond delay="0"/>
-                                  </p:stCondLst>
-                                  <p:childTnLst>
-                                    <p:set>
-                                      <p:cBhvr>
-                                        <p:cTn id="12" dur="1" fill="hold">
-                                          <p:stCondLst>
-                                            <p:cond delay="0"/>
-                                          </p:stCondLst>
-                                        </p:cTn>
-                                        <p:tgtEl>
-                                          <p:spTgt spid="16"/>
-                                        </p:tgtEl>
-                                        <p:attrNameLst>
-                                          <p:attrName>style.visibility</p:attrName>
-                                        </p:attrNameLst>
-                                      </p:cBhvr>
-                                      <p:to>
-                                        <p:strVal val="visible"/>
-                                      </p:to>
-                                    </p:set>
-                                    <p:anim calcmode="lin" valueType="num">
-                                      <p:cBhvr additive="base">
-                                        <p:cTn id="13" dur="2000" fill="hold"/>
-                                        <p:tgtEl>
-                                          <p:spTgt spid="16"/>
-                                        </p:tgtEl>
-                                        <p:attrNameLst>
-                                          <p:attrName>ppt_x</p:attrName>
-                                        </p:attrNameLst>
-                                      </p:cBhvr>
-                                      <p:tavLst>
-                                        <p:tav tm="0">
-                                          <p:val>
-                                            <p:strVal val="1+#ppt_w/2"/>
-                                          </p:val>
-                                        </p:tav>
-                                        <p:tav tm="100000">
-                                          <p:val>
-                                            <p:strVal val="#ppt_x"/>
-                                          </p:val>
-                                        </p:tav>
-                                      </p:tavLst>
-                                    </p:anim>
-                                    <p:anim calcmode="lin" valueType="num">
-                                      <p:cBhvr additive="base">
-                                        <p:cTn id="14" dur="2000" fill="hold"/>
-                                        <p:tgtEl>
-                                          <p:spTgt spid="16"/>
-                                        </p:tgtEl>
-                                        <p:attrNameLst>
-                                          <p:attrName>ppt_y</p:attrName>
-                                        </p:attrNameLst>
-                                      </p:cBhvr>
-                                      <p:tavLst>
-                                        <p:tav tm="0">
-                                          <p:val>
-                                            <p:strVal val="#ppt_y"/>
-                                          </p:val>
-                                        </p:tav>
-                                        <p:tav tm="100000">
-                                          <p:val>
-                                            <p:strVal val="#ppt_y"/>
-                                          </p:val>
-                                        </p:tav>
-                                      </p:tavLst>
-                                    </p:anim>
-                                  </p:childTnLst>
-                                </p:cTn>
-                              </p:par>
-                            </p:childTnLst>
-                          </p:cTn>
-                        </p:par>
-                      </p:childTnLst>
-                    </p:cTn>
-                  </p:par>
-                  <p:par>
-                    <p:cTn id="15" fill="hold" nodeType="clickPar">
-                      <p:stCondLst>
-                        <p:cond delay="indefinite"/>
-                      </p:stCondLst>
-                      <p:childTnLst>
-                        <p:par>
-                          <p:cTn id="16" fill="hold" nodeType="withGroup">
-                            <p:stCondLst>
-                              <p:cond delay="0"/>
-                            </p:stCondLst>
-                            <p:childTnLst>
-                              <p:par>
-                                <p:cTn id="17" presetID="2" presetClass="entr" presetSubtype="2" fill="hold" grpId="0" nodeType="clickEffect">
-                                  <p:stCondLst>
-                                    <p:cond delay="0"/>
-                                  </p:stCondLst>
-                                  <p:childTnLst>
-                                    <p:set>
-                                      <p:cBhvr>
-                                        <p:cTn id="18" dur="1" fill="hold">
-                                          <p:stCondLst>
-                                            <p:cond delay="0"/>
-                                          </p:stCondLst>
-                                        </p:cTn>
-                                        <p:tgtEl>
-                                          <p:spTgt spid="8"/>
-                                        </p:tgtEl>
-                                        <p:attrNameLst>
-                                          <p:attrName>style.visibility</p:attrName>
-                                        </p:attrNameLst>
-                                      </p:cBhvr>
-                                      <p:to>
-                                        <p:strVal val="visible"/>
-                                      </p:to>
-                                    </p:set>
-                                    <p:anim calcmode="lin" valueType="num">
-                                      <p:cBhvr additive="base">
-                                        <p:cTn id="19" dur="2000" fill="hold"/>
-                                        <p:tgtEl>
-                                          <p:spTgt spid="8"/>
-                                        </p:tgtEl>
-                                        <p:attrNameLst>
-                                          <p:attrName>ppt_x</p:attrName>
-                                        </p:attrNameLst>
-                                      </p:cBhvr>
-                                      <p:tavLst>
-                                        <p:tav tm="0">
-                                          <p:val>
-                                            <p:strVal val="1+#ppt_w/2"/>
-                                          </p:val>
-                                        </p:tav>
-                                        <p:tav tm="100000">
-                                          <p:val>
-                                            <p:strVal val="#ppt_x"/>
-                                          </p:val>
-                                        </p:tav>
-                                      </p:tavLst>
-                                    </p:anim>
-                                    <p:anim calcmode="lin" valueType="num">
-                                      <p:cBhvr additive="base">
-                                        <p:cTn id="20" dur="2000" fill="hold"/>
-                                        <p:tgtEl>
-                                          <p:spTgt spid="8"/>
-                                        </p:tgtEl>
-                                        <p:attrNameLst>
-                                          <p:attrName>ppt_y</p:attrName>
-                                        </p:attrNameLst>
-                                      </p:cBhvr>
-                                      <p:tavLst>
-                                        <p:tav tm="0">
-                                          <p:val>
-                                            <p:strVal val="#ppt_y"/>
-                                          </p:val>
-                                        </p:tav>
-                                        <p:tav tm="100000">
-                                          <p:val>
-                                            <p:strVal val="#ppt_y"/>
-                                          </p:val>
-                                        </p:tav>
-                                      </p:tavLst>
-                                    </p:anim>
-                                  </p:childTnLst>
-                                </p:cTn>
-                              </p:par>
-                            </p:childTnLst>
-                          </p:cTn>
-                        </p:par>
-                      </p:childTnLst>
-                    </p:cTn>
-                  </p:par>
-                  <p:par>
-                    <p:cTn id="21" fill="hold" nodeType="clickPar">
-                      <p:stCondLst>
-                        <p:cond delay="indefinite"/>
-                      </p:stCondLst>
-                      <p:childTnLst>
-                        <p:par>
-                          <p:cTn id="22" fill="hold" nodeType="withGroup">
-                            <p:stCondLst>
-                              <p:cond delay="0"/>
-                            </p:stCondLst>
-                            <p:childTnLst>
-                              <p:par>
-                                <p:cTn id="23" presetID="4" presetClass="entr" presetSubtype="16" fill="hold" grpId="0" nodeType="clickEffect">
-                                  <p:stCondLst>
-                                    <p:cond delay="0"/>
-                                  </p:stCondLst>
-                                  <p:childTnLst>
-                                    <p:set>
-                                      <p:cBhvr>
-                                        <p:cTn id="24" dur="1" fill="hold">
-                                          <p:stCondLst>
-                                            <p:cond delay="0"/>
-                                          </p:stCondLst>
-                                        </p:cTn>
-                                        <p:tgtEl>
-                                          <p:spTgt spid="18440"/>
-                                        </p:tgtEl>
-                                        <p:attrNameLst>
-                                          <p:attrName>style.visibility</p:attrName>
-                                        </p:attrNameLst>
-                                      </p:cBhvr>
-                                      <p:to>
-                                        <p:strVal val="visible"/>
-                                      </p:to>
-                                    </p:set>
-                                    <p:animEffect transition="in" filter="box(in)">
-                                      <p:cBhvr>
-                                        <p:cTn id="25" dur="2000"/>
-                                        <p:tgtEl>
-                                          <p:spTgt spid="18440"/>
-                                        </p:tgtEl>
-                                      </p:cBhvr>
-                                    </p:animEffect>
-                                  </p:childTnLst>
-                                </p:cTn>
-                              </p:par>
-                            </p:childTnLst>
-                          </p:cTn>
-                        </p:par>
-                      </p:childTnLst>
-                    </p:cTn>
-                  </p:par>
-                  <p:par>
-                    <p:cTn id="26" fill="hold" nodeType="clickPar">
-                      <p:stCondLst>
-                        <p:cond delay="indefinite"/>
-                      </p:stCondLst>
-                      <p:childTnLst>
-                        <p:par>
-                          <p:cTn id="27" fill="hold" nodeType="withGroup">
-                            <p:stCondLst>
-                              <p:cond delay="0"/>
-                            </p:stCondLst>
-                            <p:childTnLst>
-                              <p:par>
-                                <p:cTn id="28" presetID="2" presetClass="entr" presetSubtype="2" fill="hold" grpId="0" nodeType="clickEffect">
-                                  <p:stCondLst>
-                                    <p:cond delay="0"/>
-                                  </p:stCondLst>
-                                  <p:childTnLst>
-                                    <p:set>
-                                      <p:cBhvr>
-                                        <p:cTn id="29" dur="1" fill="hold">
-                                          <p:stCondLst>
-                                            <p:cond delay="0"/>
-                                          </p:stCondLst>
-                                        </p:cTn>
-                                        <p:tgtEl>
-                                          <p:spTgt spid="9"/>
-                                        </p:tgtEl>
-                                        <p:attrNameLst>
-                                          <p:attrName>style.visibility</p:attrName>
-                                        </p:attrNameLst>
-                                      </p:cBhvr>
-                                      <p:to>
-                                        <p:strVal val="visible"/>
-                                      </p:to>
-                                    </p:set>
-                                    <p:anim calcmode="lin" valueType="num">
-                                      <p:cBhvr additive="base">
-                                        <p:cTn id="30" dur="2000" fill="hold"/>
-                                        <p:tgtEl>
-                                          <p:spTgt spid="9"/>
-                                        </p:tgtEl>
-                                        <p:attrNameLst>
-                                          <p:attrName>ppt_x</p:attrName>
-                                        </p:attrNameLst>
-                                      </p:cBhvr>
-                                      <p:tavLst>
-                                        <p:tav tm="0">
-                                          <p:val>
-                                            <p:strVal val="1+#ppt_w/2"/>
-                                          </p:val>
-                                        </p:tav>
-                                        <p:tav tm="100000">
-                                          <p:val>
-                                            <p:strVal val="#ppt_x"/>
-                                          </p:val>
-                                        </p:tav>
-                                      </p:tavLst>
-                                    </p:anim>
-                                    <p:anim calcmode="lin" valueType="num">
-                                      <p:cBhvr additive="base">
-                                        <p:cTn id="31" dur="2000" fill="hold"/>
-                                        <p:tgtEl>
-                                          <p:spTgt spid="9"/>
-                                        </p:tgtEl>
-                                        <p:attrNameLst>
-                                          <p:attrName>ppt_y</p:attrName>
-                                        </p:attrNameLst>
-                                      </p:cBhvr>
-                                      <p:tavLst>
-                                        <p:tav tm="0">
-                                          <p:val>
-                                            <p:strVal val="#ppt_y"/>
-                                          </p:val>
-                                        </p:tav>
-                                        <p:tav tm="100000">
-                                          <p:val>
-                                            <p:strVal val="#ppt_y"/>
-                                          </p:val>
-                                        </p:tav>
-                                      </p:tavLst>
-                                    </p:anim>
-                                  </p:childTnLst>
-                                </p:cTn>
-                              </p:par>
-                            </p:childTnLst>
-                          </p:cTn>
-                        </p:par>
-                      </p:childTnLst>
-                    </p:cTn>
-                  </p:par>
-                  <p:par>
-                    <p:cTn id="32" fill="hold" nodeType="clickPar">
-                      <p:stCondLst>
-                        <p:cond delay="indefinite"/>
-                      </p:stCondLst>
-                      <p:childTnLst>
-                        <p:par>
-                          <p:cTn id="33" fill="hold" nodeType="withGroup">
-                            <p:stCondLst>
-                              <p:cond delay="0"/>
-                            </p:stCondLst>
-                            <p:childTnLst>
-                              <p:par>
-                                <p:cTn id="34" presetID="2" presetClass="entr" presetSubtype="2" fill="hold" grpId="0" nodeType="clickEffect">
-                                  <p:stCondLst>
-                                    <p:cond delay="0"/>
-                                  </p:stCondLst>
-                                  <p:childTnLst>
-                                    <p:set>
-                                      <p:cBhvr>
-                                        <p:cTn id="35" dur="1" fill="hold">
-                                          <p:stCondLst>
-                                            <p:cond delay="0"/>
-                                          </p:stCondLst>
-                                        </p:cTn>
-                                        <p:tgtEl>
-                                          <p:spTgt spid="10"/>
-                                        </p:tgtEl>
-                                        <p:attrNameLst>
-                                          <p:attrName>style.visibility</p:attrName>
-                                        </p:attrNameLst>
-                                      </p:cBhvr>
-                                      <p:to>
-                                        <p:strVal val="visible"/>
-                                      </p:to>
-                                    </p:set>
-                                    <p:anim calcmode="lin" valueType="num">
-                                      <p:cBhvr additive="base">
-                                        <p:cTn id="36" dur="2000" fill="hold"/>
-                                        <p:tgtEl>
-                                          <p:spTgt spid="10"/>
-                                        </p:tgtEl>
-                                        <p:attrNameLst>
-                                          <p:attrName>ppt_x</p:attrName>
-                                        </p:attrNameLst>
-                                      </p:cBhvr>
-                                      <p:tavLst>
-                                        <p:tav tm="0">
-                                          <p:val>
-                                            <p:strVal val="1+#ppt_w/2"/>
-                                          </p:val>
-                                        </p:tav>
-                                        <p:tav tm="100000">
-                                          <p:val>
-                                            <p:strVal val="#ppt_x"/>
-                                          </p:val>
-                                        </p:tav>
-                                      </p:tavLst>
-                                    </p:anim>
-                                    <p:anim calcmode="lin" valueType="num">
-                                      <p:cBhvr additive="base">
-                                        <p:cTn id="37" dur="2000" fill="hold"/>
-                                        <p:tgtEl>
-                                          <p:spTgt spid="10"/>
-                                        </p:tgtEl>
-                                        <p:attrNameLst>
-                                          <p:attrName>ppt_y</p:attrName>
-                                        </p:attrNameLst>
-                                      </p:cBhvr>
-                                      <p:tavLst>
-                                        <p:tav tm="0">
-                                          <p:val>
-                                            <p:strVal val="#ppt_y"/>
-                                          </p:val>
-                                        </p:tav>
-                                        <p:tav tm="100000">
-                                          <p:val>
-                                            <p:strVal val="#ppt_y"/>
-                                          </p:val>
-                                        </p:tav>
-                                      </p:tavLst>
-                                    </p:anim>
-                                  </p:childTnLst>
-                                </p:cTn>
-                              </p:par>
-                            </p:childTnLst>
-                          </p:cTn>
-                        </p:par>
-                      </p:childTnLst>
-                    </p:cTn>
-                  </p:par>
-                </p:childTnLst>
-              </p:cTn>
-              <p:prevCondLst>
-                <p:cond evt="onPrev" delay="0">
-                  <p:tgtEl>
-                    <p:sldTgt/>
-                  </p:tgtEl>
-                </p:cond>
-              </p:prevCondLst>
-              <p:nextCondLst>
-                <p:cond evt="onNext" delay="0">
-                  <p:tgtEl>
-                    <p:sldTgt/>
-                  </p:tgtEl>
-                </p:cond>
-              </p:nextCondLst>
-            </p:seq>
-          </p:childTnLst>
-        </p:cTn>
-      </p:par>
-    </p:tnLst>
-    <p:bldLst>
-      <p:bldP spid="23" grpId="0" autoUpdateAnimBg="0"/>
-      <p:bldP spid="16" grpId="0" autoUpdateAnimBg="0"/>
-      <p:bldP spid="8" grpId="0" autoUpdateAnimBg="0"/>
-      <p:bldP spid="9" grpId="0" autoUpdateAnimBg="0"/>
-      <p:bldP spid="18440" grpId="0"/>
-      <p:bldP spid="10" grpId="0" autoUpdateAnimBg="0"/>
-    </p:bldLst>
-  </p:timing>
-</p:sld>
-</file>
-
-<file path=ppt/slides/slide11.xml><?xml version="1.0" encoding="utf-8"?>
-<p:sld xmlns:a="http://schemas.openxmlformats.org/drawingml/2006/main" xmlns:r="http://schemas.openxmlformats.org/officeDocument/2006/relationships" xmlns:p="http://schemas.openxmlformats.org/presentationml/2006/main">
-  <p:cSld>
-    <p:spTree>
-      <p:nvGrpSpPr>
-        <p:cNvPr id="1" name=""/>
-        <p:cNvGrpSpPr/>
-        <p:nvPr/>
-      </p:nvGrpSpPr>
-      <p:grpSpPr>
-        <a:xfrm>
-          <a:off x="0" y="0"/>
-          <a:ext cx="0" cy="0"/>
-          <a:chOff x="0" y="0"/>
-          <a:chExt cx="0" cy="0"/>
-        </a:xfrm>
-      </p:grpSpPr>
       <p:sp>
         <p:nvSpPr>
           <p:cNvPr id="11" name="Rectangle 2"/>
@@ -8211,7 +6296,7 @@
 </p:sld>
 </file>
 
-<file path=ppt/slides/slide12.xml><?xml version="1.0" encoding="utf-8"?>
+<file path=ppt/slides/slide11.xml><?xml version="1.0" encoding="utf-8"?>
 <p:sld xmlns:a="http://schemas.openxmlformats.org/drawingml/2006/main" xmlns:r="http://schemas.openxmlformats.org/officeDocument/2006/relationships" xmlns:p="http://schemas.openxmlformats.org/presentationml/2006/main">
   <p:cSld>
     <p:spTree>
@@ -8759,6 +6844,146 @@
       <p:bldP spid="11" grpId="0" build="p" bldLvl="2" autoUpdateAnimBg="0"/>
     </p:bldLst>
   </p:timing>
+</p:sld>
+</file>
+
+<file path=ppt/slides/slide12.xml><?xml version="1.0" encoding="utf-8"?>
+<p:sld xmlns:a="http://schemas.openxmlformats.org/drawingml/2006/main" xmlns:r="http://schemas.openxmlformats.org/officeDocument/2006/relationships" xmlns:p="http://schemas.openxmlformats.org/presentationml/2006/main">
+  <p:cSld>
+    <p:spTree>
+      <p:nvGrpSpPr>
+        <p:cNvPr id="1" name=""/>
+        <p:cNvGrpSpPr/>
+        <p:nvPr/>
+      </p:nvGrpSpPr>
+      <p:grpSpPr>
+        <a:xfrm>
+          <a:off x="0" y="0"/>
+          <a:ext cx="0" cy="0"/>
+          <a:chOff x="0" y="0"/>
+          <a:chExt cx="0" cy="0"/>
+        </a:xfrm>
+      </p:grpSpPr>
+      <p:sp>
+        <p:nvSpPr>
+          <p:cNvPr id="5" name="Rectangle 2"/>
+          <p:cNvSpPr txBox="1">
+            <a:spLocks noChangeArrowheads="1"/>
+          </p:cNvSpPr>
+          <p:nvPr/>
+        </p:nvSpPr>
+        <p:spPr>
+          <a:xfrm>
+            <a:off x="107504" y="-27384"/>
+            <a:ext cx="8964488" cy="1143000"/>
+          </a:xfrm>
+          <a:prstGeom prst="rect">
+            <a:avLst/>
+          </a:prstGeom>
+        </p:spPr>
+        <p:txBody>
+          <a:bodyPr vert="horz" lIns="92075" tIns="46038" rIns="92075" bIns="46038" rtlCol="0" anchor="ctr">
+            <a:noAutofit/>
+          </a:bodyPr>
+          <a:lstStyle>
+            <a:lvl1pPr algn="ctr" defTabSz="914400" rtl="0" eaLnBrk="1" latinLnBrk="0" hangingPunct="1">
+              <a:spcBef>
+                <a:spcPct val="0"/>
+              </a:spcBef>
+              <a:buNone/>
+              <a:defRPr sz="4400" kern="1200">
+                <a:solidFill>
+                  <a:schemeClr val="tx1"/>
+                </a:solidFill>
+                <a:latin typeface="+mj-lt"/>
+                <a:ea typeface="+mj-ea"/>
+                <a:cs typeface="+mj-cs"/>
+              </a:defRPr>
+            </a:lvl1pPr>
+          </a:lstStyle>
+          <a:p>
+            <a:pPr>
+              <a:defRPr/>
+            </a:pPr>
+            <a:r>
+              <a:rPr lang="es-ES_tradnl" sz="3200" dirty="0">
+                <a:solidFill>
+                  <a:srgbClr val="3333CC"/>
+                </a:solidFill>
+                <a:effectLst>
+                  <a:outerShdw blurRad="38100" dist="38100" dir="2700000" algn="tl">
+                    <a:srgbClr val="C0C0C0"/>
+                  </a:outerShdw>
+                </a:effectLst>
+                <a:latin typeface="Dom Casual" charset="0"/>
+              </a:rPr>
+              <a:t> </a:t>
+            </a:r>
+            <a:r>
+              <a:rPr lang="es-ES_tradnl" sz="3200" b="1" dirty="0">
+                <a:solidFill>
+                  <a:schemeClr val="accent4">
+                    <a:lumMod val="50000"/>
+                  </a:schemeClr>
+                </a:solidFill>
+                <a:effectLst>
+                  <a:outerShdw blurRad="38100" dist="38100" dir="2700000" algn="tl">
+                    <a:srgbClr val="C0C0C0"/>
+                  </a:outerShdw>
+                </a:effectLst>
+                <a:latin typeface="Dom Casual" charset="0"/>
+              </a:rPr>
+              <a:t>Unidades de datos de protocolo</a:t>
+            </a:r>
+          </a:p>
+        </p:txBody>
+      </p:sp>
+      <p:pic>
+        <p:nvPicPr>
+          <p:cNvPr id="3" name="Imagen 2" descr="Interfaz de usuario gráfica, Aplicación&#10;&#10;Descripción generada automáticamente">
+            <a:extLst>
+              <a:ext uri="{FF2B5EF4-FFF2-40B4-BE49-F238E27FC236}">
+                <a16:creationId xmlns:a16="http://schemas.microsoft.com/office/drawing/2014/main" id="{39DD2DD9-723C-4A4C-91ED-F6AB0F9D28D4}"/>
+              </a:ext>
+            </a:extLst>
+          </p:cNvPr>
+          <p:cNvPicPr>
+            <a:picLocks noChangeAspect="1"/>
+          </p:cNvPicPr>
+          <p:nvPr/>
+        </p:nvPicPr>
+        <p:blipFill>
+          <a:blip r:embed="rId2">
+            <a:extLst>
+              <a:ext uri="{28A0092B-C50C-407E-A947-70E740481C1C}">
+                <a14:useLocalDpi xmlns:a14="http://schemas.microsoft.com/office/drawing/2010/main" val="0"/>
+              </a:ext>
+            </a:extLst>
+          </a:blip>
+          <a:stretch>
+            <a:fillRect/>
+          </a:stretch>
+        </p:blipFill>
+        <p:spPr>
+          <a:xfrm>
+            <a:off x="2699792" y="980728"/>
+            <a:ext cx="3533314" cy="5328592"/>
+          </a:xfrm>
+          <a:prstGeom prst="rect">
+            <a:avLst/>
+          </a:prstGeom>
+        </p:spPr>
+      </p:pic>
+    </p:spTree>
+    <p:extLst>
+      <p:ext uri="{BB962C8B-B14F-4D97-AF65-F5344CB8AC3E}">
+        <p14:creationId xmlns:p14="http://schemas.microsoft.com/office/powerpoint/2010/main" val="2276238822"/>
+      </p:ext>
+    </p:extLst>
+  </p:cSld>
+  <p:clrMapOvr>
+    <a:masterClrMapping/>
+  </p:clrMapOvr>
 </p:sld>
 </file>
 
@@ -17972,7 +16197,7 @@
           <a:graphicData uri="http://schemas.openxmlformats.org/presentationml/2006/ole">
             <mc:AlternateContent xmlns:mc="http://schemas.openxmlformats.org/markup-compatibility/2006">
               <mc:Choice xmlns:v="urn:schemas-microsoft-com:vml" Requires="v">
-                <p:oleObj spid="_x0000_s1027" name="Bitmap Image" r:id="rId4" imgW="1819280" imgH="2552567" progId="PBrush">
+                <p:oleObj spid="_x0000_s1029" name="Bitmap Image" r:id="rId4" imgW="1819280" imgH="2552567" progId="PBrush">
                   <p:embed/>
                 </p:oleObj>
               </mc:Choice>
@@ -19941,7 +18166,7 @@
           <a:graphicData uri="http://schemas.openxmlformats.org/presentationml/2006/ole">
             <mc:AlternateContent xmlns:mc="http://schemas.openxmlformats.org/markup-compatibility/2006">
               <mc:Choice xmlns:v="urn:schemas-microsoft-com:vml" Requires="v">
-                <p:oleObj spid="_x0000_s2051" name="Imagen" r:id="rId4" imgW="1077063" imgH="924514" progId="Word.Picture.8">
+                <p:oleObj spid="_x0000_s2053" name="Imagen" r:id="rId4" imgW="1077063" imgH="924514" progId="Word.Picture.8">
                   <p:embed/>
                 </p:oleObj>
               </mc:Choice>
@@ -26528,8 +24753,8 @@
         </p:blipFill>
         <p:spPr>
           <a:xfrm>
-            <a:off x="4860032" y="4149080"/>
-            <a:ext cx="3771342" cy="2514228"/>
+            <a:off x="5760373" y="4365104"/>
+            <a:ext cx="3197610" cy="2131740"/>
           </a:xfrm>
           <a:prstGeom prst="rect">
             <a:avLst/>
@@ -26546,7 +24771,7 @@
         </p:nvSpPr>
         <p:spPr bwMode="auto">
           <a:xfrm>
-            <a:off x="611560" y="2348880"/>
+            <a:off x="715491" y="4199956"/>
             <a:ext cx="6643687" cy="2092325"/>
           </a:xfrm>
           <a:prstGeom prst="rect">
@@ -26593,7 +24818,7 @@
             </a:endParaRPr>
           </a:p>
           <a:p>
-            <a:pPr lvl="1" eaLnBrk="0" hangingPunct="0">
+            <a:pPr lvl="1" indent="-285750" eaLnBrk="0" hangingPunct="0">
               <a:lnSpc>
                 <a:spcPts val="3000"/>
               </a:lnSpc>
@@ -26605,7 +24830,7 @@
               <a:defRPr/>
             </a:pPr>
             <a:r>
-              <a:rPr lang="es-MX" sz="1800" dirty="0">
+              <a:rPr lang="es-MX" dirty="0">
                 <a:solidFill>
                   <a:schemeClr val="bg2">
                     <a:lumMod val="25000"/>
@@ -26617,7 +24842,7 @@
             </a:r>
           </a:p>
           <a:p>
-            <a:pPr lvl="1" eaLnBrk="0" hangingPunct="0">
+            <a:pPr lvl="1" indent="-285750" eaLnBrk="0" hangingPunct="0">
               <a:lnSpc>
                 <a:spcPts val="3000"/>
               </a:lnSpc>
@@ -26626,7 +24851,7 @@
               <a:defRPr/>
             </a:pPr>
             <a:r>
-              <a:rPr lang="es-MX" sz="1800" dirty="0">
+              <a:rPr lang="es-MX" dirty="0">
                 <a:solidFill>
                   <a:schemeClr val="bg2">
                     <a:lumMod val="25000"/>
@@ -26638,7 +24863,7 @@
             </a:r>
           </a:p>
           <a:p>
-            <a:pPr lvl="1" eaLnBrk="0" hangingPunct="0">
+            <a:pPr lvl="1" indent="-285750" eaLnBrk="0" hangingPunct="0">
               <a:lnSpc>
                 <a:spcPts val="3000"/>
               </a:lnSpc>
@@ -26647,7 +24872,7 @@
               <a:defRPr/>
             </a:pPr>
             <a:r>
-              <a:rPr lang="es-MX" sz="1800" dirty="0">
+              <a:rPr lang="es-MX" dirty="0">
                 <a:solidFill>
                   <a:schemeClr val="bg2">
                     <a:lumMod val="25000"/>
@@ -26659,7 +24884,7 @@
             </a:r>
           </a:p>
           <a:p>
-            <a:pPr lvl="1" eaLnBrk="0" hangingPunct="0">
+            <a:pPr lvl="1" indent="-285750" eaLnBrk="0" hangingPunct="0">
               <a:lnSpc>
                 <a:spcPts val="3000"/>
               </a:lnSpc>
@@ -26668,7 +24893,7 @@
               <a:defRPr/>
             </a:pPr>
             <a:r>
-              <a:rPr lang="es-MX" sz="1800" dirty="0">
+              <a:rPr lang="es-MX" dirty="0">
                 <a:solidFill>
                   <a:schemeClr val="bg2">
                     <a:lumMod val="25000"/>
@@ -26689,8 +24914,8 @@
         </p:nvSpPr>
         <p:spPr>
           <a:xfrm>
-            <a:off x="611560" y="1196752"/>
-            <a:ext cx="8286750" cy="938719"/>
+            <a:off x="611560" y="973191"/>
+            <a:ext cx="5211277" cy="3211777"/>
           </a:xfrm>
           <a:prstGeom prst="rect">
             <a:avLst/>
@@ -26698,7 +24923,7 @@
           <a:noFill/>
         </p:spPr>
         <p:txBody>
-          <a:bodyPr>
+          <a:bodyPr wrap="square">
             <a:spAutoFit/>
           </a:bodyPr>
           <a:lstStyle/>
@@ -26730,7 +24955,7 @@
             </a:endParaRPr>
           </a:p>
           <a:p>
-            <a:pPr lvl="1" eaLnBrk="0" hangingPunct="0">
+            <a:pPr lvl="1" indent="-285750" eaLnBrk="0" hangingPunct="0">
               <a:lnSpc>
                 <a:spcPts val="3000"/>
               </a:lnSpc>
@@ -26739,7 +24964,7 @@
               <a:defRPr/>
             </a:pPr>
             <a:r>
-              <a:rPr lang="es-MX" sz="1800" dirty="0">
+              <a:rPr lang="es-MX" dirty="0">
                 <a:solidFill>
                   <a:schemeClr val="bg2">
                     <a:lumMod val="25000"/>
@@ -26747,21 +24972,38 @@
                 </a:solidFill>
                 <a:latin typeface="ZapfHumnst BT"/>
               </a:rPr>
-              <a:t> </a:t>
-            </a:r>
-            <a:r>
-              <a:rPr lang="es-MX" sz="1800" dirty="0" err="1">
+              <a:t>ASP (AppleTalk Protocolo de Sesión)</a:t>
+            </a:r>
+          </a:p>
+          <a:p>
+            <a:pPr lvl="1" indent="-285750" eaLnBrk="0" hangingPunct="0">
+              <a:lnSpc>
+                <a:spcPts val="3000"/>
+              </a:lnSpc>
+              <a:buFont typeface="Wingdings" pitchFamily="2" charset="2"/>
+              <a:buChar char="ü"/>
+              <a:defRPr/>
+            </a:pPr>
+            <a:r>
+              <a:rPr lang="es-MX" dirty="0">
                 <a:solidFill>
                   <a:schemeClr val="bg2">
                     <a:lumMod val="25000"/>
                   </a:schemeClr>
                 </a:solidFill>
                 <a:latin typeface="ZapfHumnst BT"/>
-              </a:rPr>
-              <a:t>Netbios</a:t>
-            </a:r>
-            <a:r>
-              <a:rPr lang="es-MX" sz="1800" dirty="0">
+                <a:hlinkClick r:id="rId4">
+                  <a:extLst>
+                    <a:ext uri="{A12FA001-AC4F-418D-AE19-62706E023703}">
+                      <ahyp:hlinkClr xmlns:ahyp="http://schemas.microsoft.com/office/drawing/2018/hyperlinkcolor" val="tx"/>
+                    </a:ext>
+                  </a:extLst>
+                </a:hlinkClick>
+              </a:rPr>
+              <a:t>NFS</a:t>
+            </a:r>
+            <a:r>
+              <a:rPr lang="es-MX" dirty="0">
                 <a:solidFill>
                   <a:schemeClr val="bg2">
                     <a:lumMod val="25000"/>
@@ -26769,10 +25011,10 @@
                 </a:solidFill>
                 <a:latin typeface="ZapfHumnst BT"/>
               </a:rPr>
-              <a:t> (permite a las aplicaciones 'hablar' con la red)</a:t>
-            </a:r>
-            <a:r>
-              <a:rPr lang="es-MX" dirty="0">
+              <a:t> (Network File </a:t>
+            </a:r>
+            <a:r>
+              <a:rPr lang="es-MX" dirty="0" err="1">
                 <a:solidFill>
                   <a:schemeClr val="bg2">
                     <a:lumMod val="25000"/>
@@ -26780,15 +25022,278 @@
                 </a:solidFill>
                 <a:latin typeface="ZapfHumnst BT"/>
               </a:rPr>
+              <a:t>Services</a:t>
+            </a:r>
+            <a:r>
+              <a:rPr lang="es-MX" dirty="0">
+                <a:solidFill>
+                  <a:schemeClr val="bg2">
+                    <a:lumMod val="25000"/>
+                  </a:schemeClr>
+                </a:solidFill>
+                <a:latin typeface="ZapfHumnst BT"/>
+              </a:rPr>
+              <a:t>)</a:t>
+            </a:r>
+          </a:p>
+          <a:p>
+            <a:pPr lvl="1" indent="-285750" eaLnBrk="0" hangingPunct="0">
+              <a:lnSpc>
+                <a:spcPts val="3000"/>
+              </a:lnSpc>
+              <a:buFont typeface="Wingdings" pitchFamily="2" charset="2"/>
+              <a:buChar char="ü"/>
+              <a:defRPr/>
+            </a:pPr>
+            <a:r>
+              <a:rPr lang="es-MX" dirty="0">
+                <a:solidFill>
+                  <a:schemeClr val="bg2">
+                    <a:lumMod val="25000"/>
+                  </a:schemeClr>
+                </a:solidFill>
+                <a:latin typeface="ZapfHumnst BT"/>
+              </a:rPr>
+              <a:t>X </a:t>
+            </a:r>
+            <a:r>
+              <a:rPr lang="es-MX" dirty="0" err="1">
+                <a:solidFill>
+                  <a:schemeClr val="bg2">
+                    <a:lumMod val="25000"/>
+                  </a:schemeClr>
+                </a:solidFill>
+                <a:latin typeface="ZapfHumnst BT"/>
+              </a:rPr>
+              <a:t>Window</a:t>
+            </a:r>
+            <a:r>
+              <a:rPr lang="es-MX" dirty="0">
+                <a:solidFill>
+                  <a:schemeClr val="bg2">
+                    <a:lumMod val="25000"/>
+                  </a:schemeClr>
+                </a:solidFill>
+                <a:latin typeface="ZapfHumnst BT"/>
+              </a:rPr>
               <a:t> </a:t>
             </a:r>
-            <a:endParaRPr lang="es-MX" dirty="0">
-              <a:solidFill>
-                <a:schemeClr val="bg2">
-                  <a:lumMod val="25000"/>
-                </a:schemeClr>
-              </a:solidFill>
-            </a:endParaRPr>
+            <a:r>
+              <a:rPr lang="es-MX" dirty="0" err="1">
+                <a:solidFill>
+                  <a:schemeClr val="bg2">
+                    <a:lumMod val="25000"/>
+                  </a:schemeClr>
+                </a:solidFill>
+                <a:latin typeface="ZapfHumnst BT"/>
+              </a:rPr>
+              <a:t>System</a:t>
+            </a:r>
+            <a:r>
+              <a:rPr lang="es-MX" dirty="0">
+                <a:solidFill>
+                  <a:schemeClr val="bg2">
+                    <a:lumMod val="25000"/>
+                  </a:schemeClr>
+                </a:solidFill>
+                <a:latin typeface="ZapfHumnst BT"/>
+              </a:rPr>
+              <a:t> y Terminal X</a:t>
+            </a:r>
+          </a:p>
+          <a:p>
+            <a:pPr lvl="1" indent="-285750" eaLnBrk="0" hangingPunct="0">
+              <a:lnSpc>
+                <a:spcPts val="3000"/>
+              </a:lnSpc>
+              <a:buFont typeface="Wingdings" pitchFamily="2" charset="2"/>
+              <a:buChar char="ü"/>
+              <a:defRPr/>
+            </a:pPr>
+            <a:r>
+              <a:rPr lang="es-MX" dirty="0">
+                <a:solidFill>
+                  <a:schemeClr val="bg2">
+                    <a:lumMod val="25000"/>
+                  </a:schemeClr>
+                </a:solidFill>
+                <a:latin typeface="ZapfHumnst BT"/>
+              </a:rPr>
+              <a:t>RPC (Remote </a:t>
+            </a:r>
+            <a:r>
+              <a:rPr lang="es-MX" dirty="0" err="1">
+                <a:solidFill>
+                  <a:schemeClr val="bg2">
+                    <a:lumMod val="25000"/>
+                  </a:schemeClr>
+                </a:solidFill>
+                <a:latin typeface="ZapfHumnst BT"/>
+              </a:rPr>
+              <a:t>Procedure</a:t>
+            </a:r>
+            <a:r>
+              <a:rPr lang="es-MX" dirty="0">
+                <a:solidFill>
+                  <a:schemeClr val="bg2">
+                    <a:lumMod val="25000"/>
+                  </a:schemeClr>
+                </a:solidFill>
+                <a:latin typeface="ZapfHumnst BT"/>
+              </a:rPr>
+              <a:t> </a:t>
+            </a:r>
+            <a:r>
+              <a:rPr lang="es-MX" dirty="0" err="1">
+                <a:solidFill>
+                  <a:schemeClr val="bg2">
+                    <a:lumMod val="25000"/>
+                  </a:schemeClr>
+                </a:solidFill>
+                <a:latin typeface="ZapfHumnst BT"/>
+              </a:rPr>
+              <a:t>Call</a:t>
+            </a:r>
+            <a:r>
+              <a:rPr lang="es-MX" dirty="0">
+                <a:solidFill>
+                  <a:schemeClr val="bg2">
+                    <a:lumMod val="25000"/>
+                  </a:schemeClr>
+                </a:solidFill>
+                <a:latin typeface="ZapfHumnst BT"/>
+              </a:rPr>
+              <a:t>)</a:t>
+            </a:r>
+          </a:p>
+          <a:p>
+            <a:pPr lvl="1" indent="-285750" eaLnBrk="0" hangingPunct="0">
+              <a:lnSpc>
+                <a:spcPts val="3000"/>
+              </a:lnSpc>
+              <a:buFont typeface="Wingdings" pitchFamily="2" charset="2"/>
+              <a:buChar char="ü"/>
+              <a:defRPr/>
+            </a:pPr>
+            <a:r>
+              <a:rPr lang="es-MX" dirty="0">
+                <a:solidFill>
+                  <a:schemeClr val="bg2">
+                    <a:lumMod val="25000"/>
+                  </a:schemeClr>
+                </a:solidFill>
+                <a:latin typeface="ZapfHumnst BT"/>
+              </a:rPr>
+              <a:t>SCP (protocolo de comunicaciones serie)</a:t>
+            </a:r>
+          </a:p>
+          <a:p>
+            <a:pPr lvl="1" indent="-285750" eaLnBrk="0" hangingPunct="0">
+              <a:lnSpc>
+                <a:spcPts val="3000"/>
+              </a:lnSpc>
+              <a:buFont typeface="Wingdings" pitchFamily="2" charset="2"/>
+              <a:buChar char="ü"/>
+              <a:defRPr/>
+            </a:pPr>
+            <a:r>
+              <a:rPr lang="es-MX" dirty="0">
+                <a:solidFill>
+                  <a:schemeClr val="bg2">
+                    <a:lumMod val="25000"/>
+                  </a:schemeClr>
+                </a:solidFill>
+                <a:latin typeface="ZapfHumnst BT"/>
+              </a:rPr>
+              <a:t>SQL (</a:t>
+            </a:r>
+            <a:r>
+              <a:rPr lang="es-MX" dirty="0" err="1">
+                <a:solidFill>
+                  <a:schemeClr val="bg2">
+                    <a:lumMod val="25000"/>
+                  </a:schemeClr>
+                </a:solidFill>
+                <a:latin typeface="ZapfHumnst BT"/>
+              </a:rPr>
+              <a:t>Structured</a:t>
+            </a:r>
+            <a:r>
+              <a:rPr lang="es-MX" dirty="0">
+                <a:solidFill>
+                  <a:schemeClr val="bg2">
+                    <a:lumMod val="25000"/>
+                  </a:schemeClr>
+                </a:solidFill>
+                <a:latin typeface="ZapfHumnst BT"/>
+              </a:rPr>
+              <a:t> </a:t>
+            </a:r>
+            <a:r>
+              <a:rPr lang="es-MX" dirty="0" err="1">
+                <a:solidFill>
+                  <a:schemeClr val="bg2">
+                    <a:lumMod val="25000"/>
+                  </a:schemeClr>
+                </a:solidFill>
+                <a:latin typeface="ZapfHumnst BT"/>
+              </a:rPr>
+              <a:t>Query</a:t>
+            </a:r>
+            <a:r>
+              <a:rPr lang="es-MX" dirty="0">
+                <a:solidFill>
+                  <a:schemeClr val="bg2">
+                    <a:lumMod val="25000"/>
+                  </a:schemeClr>
+                </a:solidFill>
+                <a:latin typeface="ZapfHumnst BT"/>
+              </a:rPr>
+              <a:t> </a:t>
+            </a:r>
+            <a:r>
+              <a:rPr lang="es-MX" dirty="0" err="1">
+                <a:solidFill>
+                  <a:schemeClr val="bg2">
+                    <a:lumMod val="25000"/>
+                  </a:schemeClr>
+                </a:solidFill>
+                <a:latin typeface="ZapfHumnst BT"/>
+              </a:rPr>
+              <a:t>Language</a:t>
+            </a:r>
+            <a:r>
+              <a:rPr lang="es-MX" dirty="0">
+                <a:solidFill>
+                  <a:schemeClr val="bg2">
+                    <a:lumMod val="25000"/>
+                  </a:schemeClr>
+                </a:solidFill>
+                <a:latin typeface="ZapfHumnst BT"/>
+              </a:rPr>
+              <a:t>)</a:t>
+            </a:r>
+          </a:p>
+          <a:p>
+            <a:pPr lvl="1" indent="-285750" eaLnBrk="0" hangingPunct="0">
+              <a:lnSpc>
+                <a:spcPts val="3000"/>
+              </a:lnSpc>
+              <a:buFont typeface="Wingdings" pitchFamily="2" charset="2"/>
+              <a:buChar char="ü"/>
+              <a:defRPr/>
+            </a:pPr>
+            <a:r>
+              <a:rPr lang="es-MX" dirty="0">
+                <a:solidFill>
+                  <a:schemeClr val="bg2">
+                    <a:lumMod val="25000"/>
+                  </a:schemeClr>
+                </a:solidFill>
+                <a:latin typeface="ZapfHumnst BT"/>
+              </a:rPr>
+              <a:t>ZIP (Zona AppleTalk Protocolo de información)</a:t>
+            </a:r>
           </a:p>
         </p:txBody>
       </p:sp>
@@ -32982,1982 +31487,6 @@
       </p:grpSpPr>
       <p:sp>
         <p:nvSpPr>
-          <p:cNvPr id="10245" name="Text Box 5"/>
-          <p:cNvSpPr txBox="1">
-            <a:spLocks noChangeArrowheads="1"/>
-          </p:cNvSpPr>
-          <p:nvPr/>
-        </p:nvSpPr>
-        <p:spPr bwMode="auto">
-          <a:xfrm>
-            <a:off x="571500" y="1017588"/>
-            <a:ext cx="6786563" cy="577850"/>
-          </a:xfrm>
-          <a:prstGeom prst="rect">
-            <a:avLst/>
-          </a:prstGeom>
-          <a:noFill/>
-          <a:ln>
-            <a:noFill/>
-          </a:ln>
-          <a:extLst>
-            <a:ext uri="{909E8E84-426E-40DD-AFC4-6F175D3DCCD1}">
-              <a14:hiddenFill xmlns:a14="http://schemas.microsoft.com/office/drawing/2010/main">
-                <a:solidFill>
-                  <a:srgbClr val="FFFFFF"/>
-                </a:solidFill>
-              </a14:hiddenFill>
-            </a:ext>
-            <a:ext uri="{91240B29-F687-4F45-9708-019B960494DF}">
-              <a14:hiddenLine xmlns:a14="http://schemas.microsoft.com/office/drawing/2010/main" w="9525">
-                <a:solidFill>
-                  <a:srgbClr val="000000"/>
-                </a:solidFill>
-                <a:miter lim="800000"/>
-                <a:headEnd/>
-                <a:tailEnd/>
-              </a14:hiddenLine>
-            </a:ext>
-          </a:extLst>
-        </p:spPr>
-        <p:txBody>
-          <a:bodyPr>
-            <a:spAutoFit/>
-          </a:bodyPr>
-          <a:lstStyle>
-            <a:lvl1pPr eaLnBrk="0" hangingPunct="0">
-              <a:defRPr sz="2400">
-                <a:solidFill>
-                  <a:schemeClr val="tx1"/>
-                </a:solidFill>
-                <a:latin typeface="Times New Roman" pitchFamily="18" charset="0"/>
-              </a:defRPr>
-            </a:lvl1pPr>
-            <a:lvl2pPr marL="742950" indent="-285750" eaLnBrk="0" hangingPunct="0">
-              <a:defRPr sz="2400">
-                <a:solidFill>
-                  <a:schemeClr val="tx1"/>
-                </a:solidFill>
-                <a:latin typeface="Times New Roman" pitchFamily="18" charset="0"/>
-              </a:defRPr>
-            </a:lvl2pPr>
-            <a:lvl3pPr marL="1143000" indent="-228600" eaLnBrk="0" hangingPunct="0">
-              <a:defRPr sz="2400">
-                <a:solidFill>
-                  <a:schemeClr val="tx1"/>
-                </a:solidFill>
-                <a:latin typeface="Times New Roman" pitchFamily="18" charset="0"/>
-              </a:defRPr>
-            </a:lvl3pPr>
-            <a:lvl4pPr marL="1600200" indent="-228600" eaLnBrk="0" hangingPunct="0">
-              <a:defRPr sz="2400">
-                <a:solidFill>
-                  <a:schemeClr val="tx1"/>
-                </a:solidFill>
-                <a:latin typeface="Times New Roman" pitchFamily="18" charset="0"/>
-              </a:defRPr>
-            </a:lvl4pPr>
-            <a:lvl5pPr marL="2057400" indent="-228600" eaLnBrk="0" hangingPunct="0">
-              <a:defRPr sz="2400">
-                <a:solidFill>
-                  <a:schemeClr val="tx1"/>
-                </a:solidFill>
-                <a:latin typeface="Times New Roman" pitchFamily="18" charset="0"/>
-              </a:defRPr>
-            </a:lvl5pPr>
-            <a:lvl6pPr marL="2514600" indent="-228600" eaLnBrk="0" fontAlgn="base" hangingPunct="0">
-              <a:spcBef>
-                <a:spcPct val="0"/>
-              </a:spcBef>
-              <a:spcAft>
-                <a:spcPct val="0"/>
-              </a:spcAft>
-              <a:defRPr sz="2400">
-                <a:solidFill>
-                  <a:schemeClr val="tx1"/>
-                </a:solidFill>
-                <a:latin typeface="Times New Roman" pitchFamily="18" charset="0"/>
-              </a:defRPr>
-            </a:lvl6pPr>
-            <a:lvl7pPr marL="2971800" indent="-228600" eaLnBrk="0" fontAlgn="base" hangingPunct="0">
-              <a:spcBef>
-                <a:spcPct val="0"/>
-              </a:spcBef>
-              <a:spcAft>
-                <a:spcPct val="0"/>
-              </a:spcAft>
-              <a:defRPr sz="2400">
-                <a:solidFill>
-                  <a:schemeClr val="tx1"/>
-                </a:solidFill>
-                <a:latin typeface="Times New Roman" pitchFamily="18" charset="0"/>
-              </a:defRPr>
-            </a:lvl7pPr>
-            <a:lvl8pPr marL="3429000" indent="-228600" eaLnBrk="0" fontAlgn="base" hangingPunct="0">
-              <a:spcBef>
-                <a:spcPct val="0"/>
-              </a:spcBef>
-              <a:spcAft>
-                <a:spcPct val="0"/>
-              </a:spcAft>
-              <a:defRPr sz="2400">
-                <a:solidFill>
-                  <a:schemeClr val="tx1"/>
-                </a:solidFill>
-                <a:latin typeface="Times New Roman" pitchFamily="18" charset="0"/>
-              </a:defRPr>
-            </a:lvl8pPr>
-            <a:lvl9pPr marL="3886200" indent="-228600" eaLnBrk="0" fontAlgn="base" hangingPunct="0">
-              <a:spcBef>
-                <a:spcPct val="0"/>
-              </a:spcBef>
-              <a:spcAft>
-                <a:spcPct val="0"/>
-              </a:spcAft>
-              <a:defRPr sz="2400">
-                <a:solidFill>
-                  <a:schemeClr val="tx1"/>
-                </a:solidFill>
-                <a:latin typeface="Times New Roman" pitchFamily="18" charset="0"/>
-              </a:defRPr>
-            </a:lvl9pPr>
-          </a:lstStyle>
-          <a:p>
-            <a:pPr>
-              <a:lnSpc>
-                <a:spcPct val="150000"/>
-              </a:lnSpc>
-            </a:pPr>
-            <a:r>
-              <a:rPr lang="es-MX" b="1" dirty="0">
-                <a:solidFill>
-                  <a:schemeClr val="accent5">
-                    <a:lumMod val="75000"/>
-                  </a:schemeClr>
-                </a:solidFill>
-                <a:latin typeface="ZapfHumnst BT"/>
-              </a:rPr>
-              <a:t>¿Cuáles son los elementos de </a:t>
-            </a:r>
-            <a:r>
-              <a:rPr lang="es-MX" b="1" dirty="0" err="1">
-                <a:solidFill>
-                  <a:schemeClr val="accent5">
-                    <a:lumMod val="75000"/>
-                  </a:schemeClr>
-                </a:solidFill>
-                <a:latin typeface="ZapfHumnst BT"/>
-              </a:rPr>
-              <a:t>Overhead</a:t>
-            </a:r>
-            <a:r>
-              <a:rPr lang="es-MX" b="1" dirty="0">
-                <a:solidFill>
-                  <a:schemeClr val="accent5">
-                    <a:lumMod val="75000"/>
-                  </a:schemeClr>
-                </a:solidFill>
-                <a:latin typeface="ZapfHumnst BT"/>
-              </a:rPr>
-              <a:t>?</a:t>
-            </a:r>
-          </a:p>
-        </p:txBody>
-      </p:sp>
-      <p:sp>
-        <p:nvSpPr>
-          <p:cNvPr id="16" name="Text Box 8"/>
-          <p:cNvSpPr txBox="1">
-            <a:spLocks noChangeArrowheads="1"/>
-          </p:cNvSpPr>
-          <p:nvPr/>
-        </p:nvSpPr>
-        <p:spPr bwMode="auto">
-          <a:xfrm>
-            <a:off x="642938" y="2428875"/>
-            <a:ext cx="2963862" cy="1570038"/>
-          </a:xfrm>
-          <a:prstGeom prst="rect">
-            <a:avLst/>
-          </a:prstGeom>
-          <a:noFill/>
-          <a:ln>
-            <a:noFill/>
-          </a:ln>
-          <a:extLst>
-            <a:ext uri="{909E8E84-426E-40DD-AFC4-6F175D3DCCD1}">
-              <a14:hiddenFill xmlns:a14="http://schemas.microsoft.com/office/drawing/2010/main">
-                <a:solidFill>
-                  <a:srgbClr val="FFFFFF"/>
-                </a:solidFill>
-              </a14:hiddenFill>
-            </a:ext>
-            <a:ext uri="{91240B29-F687-4F45-9708-019B960494DF}">
-              <a14:hiddenLine xmlns:a14="http://schemas.microsoft.com/office/drawing/2010/main" w="9525">
-                <a:solidFill>
-                  <a:srgbClr val="000000"/>
-                </a:solidFill>
-                <a:miter lim="800000"/>
-                <a:headEnd/>
-                <a:tailEnd/>
-              </a14:hiddenLine>
-            </a:ext>
-          </a:extLst>
-        </p:spPr>
-        <p:txBody>
-          <a:bodyPr>
-            <a:spAutoFit/>
-          </a:bodyPr>
-          <a:lstStyle>
-            <a:lvl1pPr eaLnBrk="0" hangingPunct="0">
-              <a:defRPr sz="2400">
-                <a:solidFill>
-                  <a:schemeClr val="tx1"/>
-                </a:solidFill>
-                <a:latin typeface="Times New Roman" pitchFamily="18" charset="0"/>
-              </a:defRPr>
-            </a:lvl1pPr>
-            <a:lvl2pPr marL="742950" indent="-285750" eaLnBrk="0" hangingPunct="0">
-              <a:defRPr sz="2400">
-                <a:solidFill>
-                  <a:schemeClr val="tx1"/>
-                </a:solidFill>
-                <a:latin typeface="Times New Roman" pitchFamily="18" charset="0"/>
-              </a:defRPr>
-            </a:lvl2pPr>
-            <a:lvl3pPr marL="1143000" indent="-228600" eaLnBrk="0" hangingPunct="0">
-              <a:defRPr sz="2400">
-                <a:solidFill>
-                  <a:schemeClr val="tx1"/>
-                </a:solidFill>
-                <a:latin typeface="Times New Roman" pitchFamily="18" charset="0"/>
-              </a:defRPr>
-            </a:lvl3pPr>
-            <a:lvl4pPr marL="1600200" indent="-228600" eaLnBrk="0" hangingPunct="0">
-              <a:defRPr sz="2400">
-                <a:solidFill>
-                  <a:schemeClr val="tx1"/>
-                </a:solidFill>
-                <a:latin typeface="Times New Roman" pitchFamily="18" charset="0"/>
-              </a:defRPr>
-            </a:lvl4pPr>
-            <a:lvl5pPr marL="2057400" indent="-228600" eaLnBrk="0" hangingPunct="0">
-              <a:defRPr sz="2400">
-                <a:solidFill>
-                  <a:schemeClr val="tx1"/>
-                </a:solidFill>
-                <a:latin typeface="Times New Roman" pitchFamily="18" charset="0"/>
-              </a:defRPr>
-            </a:lvl5pPr>
-            <a:lvl6pPr marL="2514600" indent="-228600" eaLnBrk="0" fontAlgn="base" hangingPunct="0">
-              <a:spcBef>
-                <a:spcPct val="0"/>
-              </a:spcBef>
-              <a:spcAft>
-                <a:spcPct val="0"/>
-              </a:spcAft>
-              <a:defRPr sz="2400">
-                <a:solidFill>
-                  <a:schemeClr val="tx1"/>
-                </a:solidFill>
-                <a:latin typeface="Times New Roman" pitchFamily="18" charset="0"/>
-              </a:defRPr>
-            </a:lvl6pPr>
-            <a:lvl7pPr marL="2971800" indent="-228600" eaLnBrk="0" fontAlgn="base" hangingPunct="0">
-              <a:spcBef>
-                <a:spcPct val="0"/>
-              </a:spcBef>
-              <a:spcAft>
-                <a:spcPct val="0"/>
-              </a:spcAft>
-              <a:defRPr sz="2400">
-                <a:solidFill>
-                  <a:schemeClr val="tx1"/>
-                </a:solidFill>
-                <a:latin typeface="Times New Roman" pitchFamily="18" charset="0"/>
-              </a:defRPr>
-            </a:lvl7pPr>
-            <a:lvl8pPr marL="3429000" indent="-228600" eaLnBrk="0" fontAlgn="base" hangingPunct="0">
-              <a:spcBef>
-                <a:spcPct val="0"/>
-              </a:spcBef>
-              <a:spcAft>
-                <a:spcPct val="0"/>
-              </a:spcAft>
-              <a:defRPr sz="2400">
-                <a:solidFill>
-                  <a:schemeClr val="tx1"/>
-                </a:solidFill>
-                <a:latin typeface="Times New Roman" pitchFamily="18" charset="0"/>
-              </a:defRPr>
-            </a:lvl8pPr>
-            <a:lvl9pPr marL="3886200" indent="-228600" eaLnBrk="0" fontAlgn="base" hangingPunct="0">
-              <a:spcBef>
-                <a:spcPct val="0"/>
-              </a:spcBef>
-              <a:spcAft>
-                <a:spcPct val="0"/>
-              </a:spcAft>
-              <a:defRPr sz="2400">
-                <a:solidFill>
-                  <a:schemeClr val="tx1"/>
-                </a:solidFill>
-                <a:latin typeface="Times New Roman" pitchFamily="18" charset="0"/>
-              </a:defRPr>
-            </a:lvl9pPr>
-          </a:lstStyle>
-          <a:p>
-            <a:pPr>
-              <a:lnSpc>
-                <a:spcPct val="150000"/>
-              </a:lnSpc>
-              <a:buFont typeface="Arial" pitchFamily="34" charset="0"/>
-              <a:buChar char="•"/>
-            </a:pPr>
-            <a:r>
-              <a:rPr lang="es-MX" sz="1600">
-                <a:latin typeface="ZapfHumnst BT"/>
-              </a:rPr>
-              <a:t>  Botella</a:t>
-            </a:r>
-          </a:p>
-          <a:p>
-            <a:pPr>
-              <a:lnSpc>
-                <a:spcPct val="150000"/>
-              </a:lnSpc>
-              <a:buFont typeface="Arial" pitchFamily="34" charset="0"/>
-              <a:buChar char="•"/>
-            </a:pPr>
-            <a:r>
-              <a:rPr lang="es-MX" sz="1600">
-                <a:latin typeface="ZapfHumnst BT"/>
-              </a:rPr>
-              <a:t>  La etiqueta de la botella</a:t>
-            </a:r>
-          </a:p>
-          <a:p>
-            <a:pPr>
-              <a:lnSpc>
-                <a:spcPct val="150000"/>
-              </a:lnSpc>
-              <a:buFont typeface="Arial" pitchFamily="34" charset="0"/>
-              <a:buChar char="•"/>
-            </a:pPr>
-            <a:r>
-              <a:rPr lang="es-MX" sz="1600">
-                <a:latin typeface="ZapfHumnst BT"/>
-              </a:rPr>
-              <a:t>  Ficha</a:t>
-            </a:r>
-          </a:p>
-          <a:p>
-            <a:pPr>
-              <a:lnSpc>
-                <a:spcPct val="150000"/>
-              </a:lnSpc>
-              <a:buFont typeface="Arial" pitchFamily="34" charset="0"/>
-              <a:buChar char="•"/>
-            </a:pPr>
-            <a:r>
-              <a:rPr lang="es-MX" sz="1600">
-                <a:latin typeface="ZapfHumnst BT"/>
-              </a:rPr>
-              <a:t>  Fecha de caducidad</a:t>
-            </a:r>
-          </a:p>
-        </p:txBody>
-      </p:sp>
-      <p:sp>
-        <p:nvSpPr>
-          <p:cNvPr id="18" name="Text Box 5"/>
-          <p:cNvSpPr txBox="1">
-            <a:spLocks noChangeArrowheads="1"/>
-          </p:cNvSpPr>
-          <p:nvPr/>
-        </p:nvSpPr>
-        <p:spPr bwMode="auto">
-          <a:xfrm>
-            <a:off x="642938" y="1928813"/>
-            <a:ext cx="2928937" cy="400050"/>
-          </a:xfrm>
-          <a:prstGeom prst="rect">
-            <a:avLst/>
-          </a:prstGeom>
-          <a:noFill/>
-          <a:ln>
-            <a:noFill/>
-          </a:ln>
-          <a:extLst>
-            <a:ext uri="{909E8E84-426E-40DD-AFC4-6F175D3DCCD1}">
-              <a14:hiddenFill xmlns:a14="http://schemas.microsoft.com/office/drawing/2010/main">
-                <a:solidFill>
-                  <a:srgbClr val="FFFFFF"/>
-                </a:solidFill>
-              </a14:hiddenFill>
-            </a:ext>
-            <a:ext uri="{91240B29-F687-4F45-9708-019B960494DF}">
-              <a14:hiddenLine xmlns:a14="http://schemas.microsoft.com/office/drawing/2010/main" w="9525">
-                <a:solidFill>
-                  <a:srgbClr val="000000"/>
-                </a:solidFill>
-                <a:miter lim="800000"/>
-                <a:headEnd/>
-                <a:tailEnd/>
-              </a14:hiddenLine>
-            </a:ext>
-          </a:extLst>
-        </p:spPr>
-        <p:txBody>
-          <a:bodyPr>
-            <a:spAutoFit/>
-          </a:bodyPr>
-          <a:lstStyle>
-            <a:lvl1pPr eaLnBrk="0" hangingPunct="0">
-              <a:defRPr sz="2400">
-                <a:solidFill>
-                  <a:schemeClr val="tx1"/>
-                </a:solidFill>
-                <a:latin typeface="Times New Roman" pitchFamily="18" charset="0"/>
-              </a:defRPr>
-            </a:lvl1pPr>
-            <a:lvl2pPr marL="742950" indent="-285750" eaLnBrk="0" hangingPunct="0">
-              <a:defRPr sz="2400">
-                <a:solidFill>
-                  <a:schemeClr val="tx1"/>
-                </a:solidFill>
-                <a:latin typeface="Times New Roman" pitchFamily="18" charset="0"/>
-              </a:defRPr>
-            </a:lvl2pPr>
-            <a:lvl3pPr marL="1143000" indent="-228600" eaLnBrk="0" hangingPunct="0">
-              <a:defRPr sz="2400">
-                <a:solidFill>
-                  <a:schemeClr val="tx1"/>
-                </a:solidFill>
-                <a:latin typeface="Times New Roman" pitchFamily="18" charset="0"/>
-              </a:defRPr>
-            </a:lvl3pPr>
-            <a:lvl4pPr marL="1600200" indent="-228600" eaLnBrk="0" hangingPunct="0">
-              <a:defRPr sz="2400">
-                <a:solidFill>
-                  <a:schemeClr val="tx1"/>
-                </a:solidFill>
-                <a:latin typeface="Times New Roman" pitchFamily="18" charset="0"/>
-              </a:defRPr>
-            </a:lvl4pPr>
-            <a:lvl5pPr marL="2057400" indent="-228600" eaLnBrk="0" hangingPunct="0">
-              <a:defRPr sz="2400">
-                <a:solidFill>
-                  <a:schemeClr val="tx1"/>
-                </a:solidFill>
-                <a:latin typeface="Times New Roman" pitchFamily="18" charset="0"/>
-              </a:defRPr>
-            </a:lvl5pPr>
-            <a:lvl6pPr marL="2514600" indent="-228600" eaLnBrk="0" fontAlgn="base" hangingPunct="0">
-              <a:spcBef>
-                <a:spcPct val="0"/>
-              </a:spcBef>
-              <a:spcAft>
-                <a:spcPct val="0"/>
-              </a:spcAft>
-              <a:defRPr sz="2400">
-                <a:solidFill>
-                  <a:schemeClr val="tx1"/>
-                </a:solidFill>
-                <a:latin typeface="Times New Roman" pitchFamily="18" charset="0"/>
-              </a:defRPr>
-            </a:lvl6pPr>
-            <a:lvl7pPr marL="2971800" indent="-228600" eaLnBrk="0" fontAlgn="base" hangingPunct="0">
-              <a:spcBef>
-                <a:spcPct val="0"/>
-              </a:spcBef>
-              <a:spcAft>
-                <a:spcPct val="0"/>
-              </a:spcAft>
-              <a:defRPr sz="2400">
-                <a:solidFill>
-                  <a:schemeClr val="tx1"/>
-                </a:solidFill>
-                <a:latin typeface="Times New Roman" pitchFamily="18" charset="0"/>
-              </a:defRPr>
-            </a:lvl7pPr>
-            <a:lvl8pPr marL="3429000" indent="-228600" eaLnBrk="0" fontAlgn="base" hangingPunct="0">
-              <a:spcBef>
-                <a:spcPct val="0"/>
-              </a:spcBef>
-              <a:spcAft>
-                <a:spcPct val="0"/>
-              </a:spcAft>
-              <a:defRPr sz="2400">
-                <a:solidFill>
-                  <a:schemeClr val="tx1"/>
-                </a:solidFill>
-                <a:latin typeface="Times New Roman" pitchFamily="18" charset="0"/>
-              </a:defRPr>
-            </a:lvl8pPr>
-            <a:lvl9pPr marL="3886200" indent="-228600" eaLnBrk="0" fontAlgn="base" hangingPunct="0">
-              <a:spcBef>
-                <a:spcPct val="0"/>
-              </a:spcBef>
-              <a:spcAft>
-                <a:spcPct val="0"/>
-              </a:spcAft>
-              <a:defRPr sz="2400">
-                <a:solidFill>
-                  <a:schemeClr val="tx1"/>
-                </a:solidFill>
-                <a:latin typeface="Times New Roman" pitchFamily="18" charset="0"/>
-              </a:defRPr>
-            </a:lvl9pPr>
-          </a:lstStyle>
-          <a:p>
-            <a:pPr>
-              <a:spcBef>
-                <a:spcPct val="50000"/>
-              </a:spcBef>
-            </a:pPr>
-            <a:r>
-              <a:rPr lang="es-MX" sz="2000" b="1" dirty="0">
-                <a:solidFill>
-                  <a:schemeClr val="accent6">
-                    <a:lumMod val="75000"/>
-                  </a:schemeClr>
-                </a:solidFill>
-                <a:latin typeface="ZapfHumnst BT"/>
-              </a:rPr>
-              <a:t>Coca cola de vidrio:</a:t>
-            </a:r>
-            <a:endParaRPr lang="es-MX" sz="2000" dirty="0">
-              <a:solidFill>
-                <a:schemeClr val="accent6">
-                  <a:lumMod val="75000"/>
-                </a:schemeClr>
-              </a:solidFill>
-              <a:latin typeface="ZapfHumnst BT"/>
-            </a:endParaRPr>
-          </a:p>
-        </p:txBody>
-      </p:sp>
-      <p:sp>
-        <p:nvSpPr>
-          <p:cNvPr id="9" name="Text Box 8"/>
-          <p:cNvSpPr txBox="1">
-            <a:spLocks noChangeArrowheads="1"/>
-          </p:cNvSpPr>
-          <p:nvPr/>
-        </p:nvSpPr>
-        <p:spPr bwMode="auto">
-          <a:xfrm>
-            <a:off x="4021138" y="2428875"/>
-            <a:ext cx="2963862" cy="1938338"/>
-          </a:xfrm>
-          <a:prstGeom prst="rect">
-            <a:avLst/>
-          </a:prstGeom>
-          <a:noFill/>
-          <a:ln>
-            <a:noFill/>
-          </a:ln>
-          <a:extLst>
-            <a:ext uri="{909E8E84-426E-40DD-AFC4-6F175D3DCCD1}">
-              <a14:hiddenFill xmlns:a14="http://schemas.microsoft.com/office/drawing/2010/main">
-                <a:solidFill>
-                  <a:srgbClr val="FFFFFF"/>
-                </a:solidFill>
-              </a14:hiddenFill>
-            </a:ext>
-            <a:ext uri="{91240B29-F687-4F45-9708-019B960494DF}">
-              <a14:hiddenLine xmlns:a14="http://schemas.microsoft.com/office/drawing/2010/main" w="9525">
-                <a:solidFill>
-                  <a:srgbClr val="000000"/>
-                </a:solidFill>
-                <a:miter lim="800000"/>
-                <a:headEnd/>
-                <a:tailEnd/>
-              </a14:hiddenLine>
-            </a:ext>
-          </a:extLst>
-        </p:spPr>
-        <p:txBody>
-          <a:bodyPr>
-            <a:spAutoFit/>
-          </a:bodyPr>
-          <a:lstStyle>
-            <a:lvl1pPr eaLnBrk="0" hangingPunct="0">
-              <a:defRPr sz="2400">
-                <a:solidFill>
-                  <a:schemeClr val="tx1"/>
-                </a:solidFill>
-                <a:latin typeface="Times New Roman" pitchFamily="18" charset="0"/>
-              </a:defRPr>
-            </a:lvl1pPr>
-            <a:lvl2pPr marL="742950" indent="-285750" eaLnBrk="0" hangingPunct="0">
-              <a:defRPr sz="2400">
-                <a:solidFill>
-                  <a:schemeClr val="tx1"/>
-                </a:solidFill>
-                <a:latin typeface="Times New Roman" pitchFamily="18" charset="0"/>
-              </a:defRPr>
-            </a:lvl2pPr>
-            <a:lvl3pPr marL="1143000" indent="-228600" eaLnBrk="0" hangingPunct="0">
-              <a:defRPr sz="2400">
-                <a:solidFill>
-                  <a:schemeClr val="tx1"/>
-                </a:solidFill>
-                <a:latin typeface="Times New Roman" pitchFamily="18" charset="0"/>
-              </a:defRPr>
-            </a:lvl3pPr>
-            <a:lvl4pPr marL="1600200" indent="-228600" eaLnBrk="0" hangingPunct="0">
-              <a:defRPr sz="2400">
-                <a:solidFill>
-                  <a:schemeClr val="tx1"/>
-                </a:solidFill>
-                <a:latin typeface="Times New Roman" pitchFamily="18" charset="0"/>
-              </a:defRPr>
-            </a:lvl4pPr>
-            <a:lvl5pPr marL="2057400" indent="-228600" eaLnBrk="0" hangingPunct="0">
-              <a:defRPr sz="2400">
-                <a:solidFill>
-                  <a:schemeClr val="tx1"/>
-                </a:solidFill>
-                <a:latin typeface="Times New Roman" pitchFamily="18" charset="0"/>
-              </a:defRPr>
-            </a:lvl5pPr>
-            <a:lvl6pPr marL="2514600" indent="-228600" eaLnBrk="0" fontAlgn="base" hangingPunct="0">
-              <a:spcBef>
-                <a:spcPct val="0"/>
-              </a:spcBef>
-              <a:spcAft>
-                <a:spcPct val="0"/>
-              </a:spcAft>
-              <a:defRPr sz="2400">
-                <a:solidFill>
-                  <a:schemeClr val="tx1"/>
-                </a:solidFill>
-                <a:latin typeface="Times New Roman" pitchFamily="18" charset="0"/>
-              </a:defRPr>
-            </a:lvl6pPr>
-            <a:lvl7pPr marL="2971800" indent="-228600" eaLnBrk="0" fontAlgn="base" hangingPunct="0">
-              <a:spcBef>
-                <a:spcPct val="0"/>
-              </a:spcBef>
-              <a:spcAft>
-                <a:spcPct val="0"/>
-              </a:spcAft>
-              <a:defRPr sz="2400">
-                <a:solidFill>
-                  <a:schemeClr val="tx1"/>
-                </a:solidFill>
-                <a:latin typeface="Times New Roman" pitchFamily="18" charset="0"/>
-              </a:defRPr>
-            </a:lvl7pPr>
-            <a:lvl8pPr marL="3429000" indent="-228600" eaLnBrk="0" fontAlgn="base" hangingPunct="0">
-              <a:spcBef>
-                <a:spcPct val="0"/>
-              </a:spcBef>
-              <a:spcAft>
-                <a:spcPct val="0"/>
-              </a:spcAft>
-              <a:defRPr sz="2400">
-                <a:solidFill>
-                  <a:schemeClr val="tx1"/>
-                </a:solidFill>
-                <a:latin typeface="Times New Roman" pitchFamily="18" charset="0"/>
-              </a:defRPr>
-            </a:lvl8pPr>
-            <a:lvl9pPr marL="3886200" indent="-228600" eaLnBrk="0" fontAlgn="base" hangingPunct="0">
-              <a:spcBef>
-                <a:spcPct val="0"/>
-              </a:spcBef>
-              <a:spcAft>
-                <a:spcPct val="0"/>
-              </a:spcAft>
-              <a:defRPr sz="2400">
-                <a:solidFill>
-                  <a:schemeClr val="tx1"/>
-                </a:solidFill>
-                <a:latin typeface="Times New Roman" pitchFamily="18" charset="0"/>
-              </a:defRPr>
-            </a:lvl9pPr>
-          </a:lstStyle>
-          <a:p>
-            <a:pPr>
-              <a:lnSpc>
-                <a:spcPct val="150000"/>
-              </a:lnSpc>
-              <a:buFont typeface="Arial" pitchFamily="34" charset="0"/>
-              <a:buChar char="•"/>
-            </a:pPr>
-            <a:r>
-              <a:rPr lang="es-MX" sz="1600">
-                <a:latin typeface="ZapfHumnst BT"/>
-              </a:rPr>
-              <a:t> Fecha de caducidad</a:t>
-            </a:r>
-          </a:p>
-          <a:p>
-            <a:pPr>
-              <a:lnSpc>
-                <a:spcPct val="150000"/>
-              </a:lnSpc>
-              <a:buFont typeface="Arial" pitchFamily="34" charset="0"/>
-              <a:buChar char="•"/>
-            </a:pPr>
-            <a:r>
-              <a:rPr lang="es-MX" sz="1600">
-                <a:latin typeface="ZapfHumnst BT"/>
-              </a:rPr>
-              <a:t> Envoltura</a:t>
-            </a:r>
-          </a:p>
-          <a:p>
-            <a:pPr>
-              <a:lnSpc>
-                <a:spcPct val="150000"/>
-              </a:lnSpc>
-              <a:buFont typeface="Arial" pitchFamily="34" charset="0"/>
-              <a:buChar char="•"/>
-            </a:pPr>
-            <a:r>
-              <a:rPr lang="es-MX" sz="1600">
-                <a:latin typeface="ZapfHumnst BT"/>
-              </a:rPr>
-              <a:t> Información nutricional</a:t>
-            </a:r>
-          </a:p>
-          <a:p>
-            <a:pPr>
-              <a:lnSpc>
-                <a:spcPct val="150000"/>
-              </a:lnSpc>
-              <a:buFont typeface="Arial" pitchFamily="34" charset="0"/>
-              <a:buChar char="•"/>
-            </a:pPr>
-            <a:r>
-              <a:rPr lang="es-MX" sz="1600">
-                <a:latin typeface="ZapfHumnst BT"/>
-              </a:rPr>
-              <a:t> Estampa: “Ganso”</a:t>
-            </a:r>
-          </a:p>
-          <a:p>
-            <a:pPr>
-              <a:lnSpc>
-                <a:spcPct val="150000"/>
-              </a:lnSpc>
-              <a:buFont typeface="Arial" pitchFamily="34" charset="0"/>
-              <a:buChar char="•"/>
-            </a:pPr>
-            <a:r>
-              <a:rPr lang="es-MX" sz="1600">
-                <a:latin typeface="ZapfHumnst BT"/>
-              </a:rPr>
-              <a:t> Slogan: “Recuérdame”</a:t>
-            </a:r>
-          </a:p>
-        </p:txBody>
-      </p:sp>
-      <p:sp>
-        <p:nvSpPr>
-          <p:cNvPr id="10" name="Text Box 5"/>
-          <p:cNvSpPr txBox="1">
-            <a:spLocks noChangeArrowheads="1"/>
-          </p:cNvSpPr>
-          <p:nvPr/>
-        </p:nvSpPr>
-        <p:spPr bwMode="auto">
-          <a:xfrm>
-            <a:off x="4021138" y="1928813"/>
-            <a:ext cx="2928937" cy="400050"/>
-          </a:xfrm>
-          <a:prstGeom prst="rect">
-            <a:avLst/>
-          </a:prstGeom>
-          <a:noFill/>
-          <a:ln>
-            <a:noFill/>
-          </a:ln>
-          <a:extLst>
-            <a:ext uri="{909E8E84-426E-40DD-AFC4-6F175D3DCCD1}">
-              <a14:hiddenFill xmlns:a14="http://schemas.microsoft.com/office/drawing/2010/main">
-                <a:solidFill>
-                  <a:srgbClr val="FFFFFF"/>
-                </a:solidFill>
-              </a14:hiddenFill>
-            </a:ext>
-            <a:ext uri="{91240B29-F687-4F45-9708-019B960494DF}">
-              <a14:hiddenLine xmlns:a14="http://schemas.microsoft.com/office/drawing/2010/main" w="9525">
-                <a:solidFill>
-                  <a:srgbClr val="000000"/>
-                </a:solidFill>
-                <a:miter lim="800000"/>
-                <a:headEnd/>
-                <a:tailEnd/>
-              </a14:hiddenLine>
-            </a:ext>
-          </a:extLst>
-        </p:spPr>
-        <p:txBody>
-          <a:bodyPr>
-            <a:spAutoFit/>
-          </a:bodyPr>
-          <a:lstStyle>
-            <a:lvl1pPr eaLnBrk="0" hangingPunct="0">
-              <a:defRPr sz="2400">
-                <a:solidFill>
-                  <a:schemeClr val="tx1"/>
-                </a:solidFill>
-                <a:latin typeface="Times New Roman" pitchFamily="18" charset="0"/>
-              </a:defRPr>
-            </a:lvl1pPr>
-            <a:lvl2pPr marL="742950" indent="-285750" eaLnBrk="0" hangingPunct="0">
-              <a:defRPr sz="2400">
-                <a:solidFill>
-                  <a:schemeClr val="tx1"/>
-                </a:solidFill>
-                <a:latin typeface="Times New Roman" pitchFamily="18" charset="0"/>
-              </a:defRPr>
-            </a:lvl2pPr>
-            <a:lvl3pPr marL="1143000" indent="-228600" eaLnBrk="0" hangingPunct="0">
-              <a:defRPr sz="2400">
-                <a:solidFill>
-                  <a:schemeClr val="tx1"/>
-                </a:solidFill>
-                <a:latin typeface="Times New Roman" pitchFamily="18" charset="0"/>
-              </a:defRPr>
-            </a:lvl3pPr>
-            <a:lvl4pPr marL="1600200" indent="-228600" eaLnBrk="0" hangingPunct="0">
-              <a:defRPr sz="2400">
-                <a:solidFill>
-                  <a:schemeClr val="tx1"/>
-                </a:solidFill>
-                <a:latin typeface="Times New Roman" pitchFamily="18" charset="0"/>
-              </a:defRPr>
-            </a:lvl4pPr>
-            <a:lvl5pPr marL="2057400" indent="-228600" eaLnBrk="0" hangingPunct="0">
-              <a:defRPr sz="2400">
-                <a:solidFill>
-                  <a:schemeClr val="tx1"/>
-                </a:solidFill>
-                <a:latin typeface="Times New Roman" pitchFamily="18" charset="0"/>
-              </a:defRPr>
-            </a:lvl5pPr>
-            <a:lvl6pPr marL="2514600" indent="-228600" eaLnBrk="0" fontAlgn="base" hangingPunct="0">
-              <a:spcBef>
-                <a:spcPct val="0"/>
-              </a:spcBef>
-              <a:spcAft>
-                <a:spcPct val="0"/>
-              </a:spcAft>
-              <a:defRPr sz="2400">
-                <a:solidFill>
-                  <a:schemeClr val="tx1"/>
-                </a:solidFill>
-                <a:latin typeface="Times New Roman" pitchFamily="18" charset="0"/>
-              </a:defRPr>
-            </a:lvl6pPr>
-            <a:lvl7pPr marL="2971800" indent="-228600" eaLnBrk="0" fontAlgn="base" hangingPunct="0">
-              <a:spcBef>
-                <a:spcPct val="0"/>
-              </a:spcBef>
-              <a:spcAft>
-                <a:spcPct val="0"/>
-              </a:spcAft>
-              <a:defRPr sz="2400">
-                <a:solidFill>
-                  <a:schemeClr val="tx1"/>
-                </a:solidFill>
-                <a:latin typeface="Times New Roman" pitchFamily="18" charset="0"/>
-              </a:defRPr>
-            </a:lvl7pPr>
-            <a:lvl8pPr marL="3429000" indent="-228600" eaLnBrk="0" fontAlgn="base" hangingPunct="0">
-              <a:spcBef>
-                <a:spcPct val="0"/>
-              </a:spcBef>
-              <a:spcAft>
-                <a:spcPct val="0"/>
-              </a:spcAft>
-              <a:defRPr sz="2400">
-                <a:solidFill>
-                  <a:schemeClr val="tx1"/>
-                </a:solidFill>
-                <a:latin typeface="Times New Roman" pitchFamily="18" charset="0"/>
-              </a:defRPr>
-            </a:lvl8pPr>
-            <a:lvl9pPr marL="3886200" indent="-228600" eaLnBrk="0" fontAlgn="base" hangingPunct="0">
-              <a:spcBef>
-                <a:spcPct val="0"/>
-              </a:spcBef>
-              <a:spcAft>
-                <a:spcPct val="0"/>
-              </a:spcAft>
-              <a:defRPr sz="2400">
-                <a:solidFill>
-                  <a:schemeClr val="tx1"/>
-                </a:solidFill>
-                <a:latin typeface="Times New Roman" pitchFamily="18" charset="0"/>
-              </a:defRPr>
-            </a:lvl9pPr>
-          </a:lstStyle>
-          <a:p>
-            <a:pPr>
-              <a:spcBef>
-                <a:spcPct val="50000"/>
-              </a:spcBef>
-            </a:pPr>
-            <a:r>
-              <a:rPr lang="es-MX" sz="2000" b="1" dirty="0">
-                <a:solidFill>
-                  <a:schemeClr val="accent6">
-                    <a:lumMod val="75000"/>
-                  </a:schemeClr>
-                </a:solidFill>
-                <a:latin typeface="ZapfHumnst BT"/>
-              </a:rPr>
-              <a:t>Gansito:</a:t>
-            </a:r>
-            <a:endParaRPr lang="es-MX" sz="2000" dirty="0">
-              <a:solidFill>
-                <a:schemeClr val="accent6">
-                  <a:lumMod val="75000"/>
-                </a:schemeClr>
-              </a:solidFill>
-              <a:latin typeface="ZapfHumnst BT"/>
-            </a:endParaRPr>
-          </a:p>
-        </p:txBody>
-      </p:sp>
-      <p:pic>
-        <p:nvPicPr>
-          <p:cNvPr id="9224" name="10 Imagen" descr="coca.jpg"/>
-          <p:cNvPicPr>
-            <a:picLocks noChangeAspect="1"/>
-          </p:cNvPicPr>
-          <p:nvPr/>
-        </p:nvPicPr>
-        <p:blipFill>
-          <a:blip r:embed="rId2">
-            <a:extLst>
-              <a:ext uri="{28A0092B-C50C-407E-A947-70E740481C1C}">
-                <a14:useLocalDpi xmlns:a14="http://schemas.microsoft.com/office/drawing/2010/main" val="0"/>
-              </a:ext>
-            </a:extLst>
-          </a:blip>
-          <a:srcRect/>
-          <a:stretch>
-            <a:fillRect/>
-          </a:stretch>
-        </p:blipFill>
-        <p:spPr bwMode="auto">
-          <a:xfrm>
-            <a:off x="1000125" y="4286250"/>
-            <a:ext cx="2143125" cy="1609725"/>
-          </a:xfrm>
-          <a:prstGeom prst="rect">
-            <a:avLst/>
-          </a:prstGeom>
-          <a:noFill/>
-          <a:ln>
-            <a:noFill/>
-          </a:ln>
-          <a:extLst>
-            <a:ext uri="{909E8E84-426E-40DD-AFC4-6F175D3DCCD1}">
-              <a14:hiddenFill xmlns:a14="http://schemas.microsoft.com/office/drawing/2010/main">
-                <a:solidFill>
-                  <a:srgbClr val="FFFFFF"/>
-                </a:solidFill>
-              </a14:hiddenFill>
-            </a:ext>
-            <a:ext uri="{91240B29-F687-4F45-9708-019B960494DF}">
-              <a14:hiddenLine xmlns:a14="http://schemas.microsoft.com/office/drawing/2010/main" w="9525">
-                <a:solidFill>
-                  <a:srgbClr val="000000"/>
-                </a:solidFill>
-                <a:miter lim="800000"/>
-                <a:headEnd/>
-                <a:tailEnd/>
-              </a14:hiddenLine>
-            </a:ext>
-          </a:extLst>
-        </p:spPr>
-      </p:pic>
-      <p:pic>
-        <p:nvPicPr>
-          <p:cNvPr id="19464" name="Picture 8"/>
-          <p:cNvPicPr>
-            <a:picLocks noChangeAspect="1" noChangeArrowheads="1"/>
-          </p:cNvPicPr>
-          <p:nvPr/>
-        </p:nvPicPr>
-        <p:blipFill>
-          <a:blip r:embed="rId3">
-            <a:extLst>
-              <a:ext uri="{28A0092B-C50C-407E-A947-70E740481C1C}">
-                <a14:useLocalDpi xmlns:a14="http://schemas.microsoft.com/office/drawing/2010/main" val="0"/>
-              </a:ext>
-            </a:extLst>
-          </a:blip>
-          <a:srcRect/>
-          <a:stretch>
-            <a:fillRect/>
-          </a:stretch>
-        </p:blipFill>
-        <p:spPr bwMode="auto">
-          <a:xfrm>
-            <a:off x="6786563" y="2500313"/>
-            <a:ext cx="1484312" cy="2500312"/>
-          </a:xfrm>
-          <a:prstGeom prst="rect">
-            <a:avLst/>
-          </a:prstGeom>
-          <a:noFill/>
-          <a:ln>
-            <a:noFill/>
-          </a:ln>
-          <a:extLst>
-            <a:ext uri="{909E8E84-426E-40DD-AFC4-6F175D3DCCD1}">
-              <a14:hiddenFill xmlns:a14="http://schemas.microsoft.com/office/drawing/2010/main">
-                <a:solidFill>
-                  <a:srgbClr val="FFFFFF"/>
-                </a:solidFill>
-              </a14:hiddenFill>
-            </a:ext>
-            <a:ext uri="{91240B29-F687-4F45-9708-019B960494DF}">
-              <a14:hiddenLine xmlns:a14="http://schemas.microsoft.com/office/drawing/2010/main" w="9525">
-                <a:solidFill>
-                  <a:srgbClr val="000000"/>
-                </a:solidFill>
-                <a:miter lim="800000"/>
-                <a:headEnd/>
-                <a:tailEnd/>
-              </a14:hiddenLine>
-            </a:ext>
-          </a:extLst>
-        </p:spPr>
-      </p:pic>
-      <p:sp>
-        <p:nvSpPr>
-          <p:cNvPr id="11" name="Text Box 8"/>
-          <p:cNvSpPr txBox="1">
-            <a:spLocks noChangeArrowheads="1"/>
-          </p:cNvSpPr>
-          <p:nvPr/>
-        </p:nvSpPr>
-        <p:spPr bwMode="auto">
-          <a:xfrm>
-            <a:off x="3708400" y="5483225"/>
-            <a:ext cx="5256213" cy="785343"/>
-          </a:xfrm>
-          <a:prstGeom prst="rect">
-            <a:avLst/>
-          </a:prstGeom>
-          <a:noFill/>
-          <a:ln>
-            <a:noFill/>
-          </a:ln>
-          <a:extLst>
-            <a:ext uri="{909E8E84-426E-40DD-AFC4-6F175D3DCCD1}">
-              <a14:hiddenFill xmlns:a14="http://schemas.microsoft.com/office/drawing/2010/main">
-                <a:solidFill>
-                  <a:srgbClr val="FFFFFF"/>
-                </a:solidFill>
-              </a14:hiddenFill>
-            </a:ext>
-            <a:ext uri="{91240B29-F687-4F45-9708-019B960494DF}">
-              <a14:hiddenLine xmlns:a14="http://schemas.microsoft.com/office/drawing/2010/main" w="9525">
-                <a:solidFill>
-                  <a:srgbClr val="000000"/>
-                </a:solidFill>
-                <a:miter lim="800000"/>
-                <a:headEnd/>
-                <a:tailEnd/>
-              </a14:hiddenLine>
-            </a:ext>
-          </a:extLst>
-        </p:spPr>
-        <p:txBody>
-          <a:bodyPr>
-            <a:spAutoFit/>
-          </a:bodyPr>
-          <a:lstStyle>
-            <a:lvl1pPr eaLnBrk="0" hangingPunct="0">
-              <a:defRPr sz="2400">
-                <a:solidFill>
-                  <a:schemeClr val="tx1"/>
-                </a:solidFill>
-                <a:latin typeface="Times New Roman" pitchFamily="18" charset="0"/>
-              </a:defRPr>
-            </a:lvl1pPr>
-            <a:lvl2pPr marL="742950" indent="-285750" eaLnBrk="0" hangingPunct="0">
-              <a:defRPr sz="2400">
-                <a:solidFill>
-                  <a:schemeClr val="tx1"/>
-                </a:solidFill>
-                <a:latin typeface="Times New Roman" pitchFamily="18" charset="0"/>
-              </a:defRPr>
-            </a:lvl2pPr>
-            <a:lvl3pPr marL="1143000" indent="-228600" eaLnBrk="0" hangingPunct="0">
-              <a:defRPr sz="2400">
-                <a:solidFill>
-                  <a:schemeClr val="tx1"/>
-                </a:solidFill>
-                <a:latin typeface="Times New Roman" pitchFamily="18" charset="0"/>
-              </a:defRPr>
-            </a:lvl3pPr>
-            <a:lvl4pPr marL="1600200" indent="-228600" eaLnBrk="0" hangingPunct="0">
-              <a:defRPr sz="2400">
-                <a:solidFill>
-                  <a:schemeClr val="tx1"/>
-                </a:solidFill>
-                <a:latin typeface="Times New Roman" pitchFamily="18" charset="0"/>
-              </a:defRPr>
-            </a:lvl4pPr>
-            <a:lvl5pPr marL="2057400" indent="-228600" eaLnBrk="0" hangingPunct="0">
-              <a:defRPr sz="2400">
-                <a:solidFill>
-                  <a:schemeClr val="tx1"/>
-                </a:solidFill>
-                <a:latin typeface="Times New Roman" pitchFamily="18" charset="0"/>
-              </a:defRPr>
-            </a:lvl5pPr>
-            <a:lvl6pPr marL="2514600" indent="-228600" eaLnBrk="0" fontAlgn="base" hangingPunct="0">
-              <a:spcBef>
-                <a:spcPct val="0"/>
-              </a:spcBef>
-              <a:spcAft>
-                <a:spcPct val="0"/>
-              </a:spcAft>
-              <a:defRPr sz="2400">
-                <a:solidFill>
-                  <a:schemeClr val="tx1"/>
-                </a:solidFill>
-                <a:latin typeface="Times New Roman" pitchFamily="18" charset="0"/>
-              </a:defRPr>
-            </a:lvl6pPr>
-            <a:lvl7pPr marL="2971800" indent="-228600" eaLnBrk="0" fontAlgn="base" hangingPunct="0">
-              <a:spcBef>
-                <a:spcPct val="0"/>
-              </a:spcBef>
-              <a:spcAft>
-                <a:spcPct val="0"/>
-              </a:spcAft>
-              <a:defRPr sz="2400">
-                <a:solidFill>
-                  <a:schemeClr val="tx1"/>
-                </a:solidFill>
-                <a:latin typeface="Times New Roman" pitchFamily="18" charset="0"/>
-              </a:defRPr>
-            </a:lvl7pPr>
-            <a:lvl8pPr marL="3429000" indent="-228600" eaLnBrk="0" fontAlgn="base" hangingPunct="0">
-              <a:spcBef>
-                <a:spcPct val="0"/>
-              </a:spcBef>
-              <a:spcAft>
-                <a:spcPct val="0"/>
-              </a:spcAft>
-              <a:defRPr sz="2400">
-                <a:solidFill>
-                  <a:schemeClr val="tx1"/>
-                </a:solidFill>
-                <a:latin typeface="Times New Roman" pitchFamily="18" charset="0"/>
-              </a:defRPr>
-            </a:lvl8pPr>
-            <a:lvl9pPr marL="3886200" indent="-228600" eaLnBrk="0" fontAlgn="base" hangingPunct="0">
-              <a:spcBef>
-                <a:spcPct val="0"/>
-              </a:spcBef>
-              <a:spcAft>
-                <a:spcPct val="0"/>
-              </a:spcAft>
-              <a:defRPr sz="2400">
-                <a:solidFill>
-                  <a:schemeClr val="tx1"/>
-                </a:solidFill>
-                <a:latin typeface="Times New Roman" pitchFamily="18" charset="0"/>
-              </a:defRPr>
-            </a:lvl9pPr>
-          </a:lstStyle>
-          <a:p>
-            <a:pPr>
-              <a:lnSpc>
-                <a:spcPct val="150000"/>
-              </a:lnSpc>
-            </a:pPr>
-            <a:r>
-              <a:rPr lang="es-MX" sz="1600" b="1" dirty="0">
-                <a:solidFill>
-                  <a:schemeClr val="accent6">
-                    <a:lumMod val="75000"/>
-                  </a:schemeClr>
-                </a:solidFill>
-                <a:latin typeface="ZapfHumnst BT"/>
-              </a:rPr>
-              <a:t>Semántica:</a:t>
-            </a:r>
-            <a:r>
-              <a:rPr lang="es-MX" sz="1600" dirty="0">
-                <a:latin typeface="ZapfHumnst BT"/>
-              </a:rPr>
-              <a:t> </a:t>
-            </a:r>
-            <a:r>
-              <a:rPr lang="es-MX" sz="1600" dirty="0" err="1">
-                <a:latin typeface="ZapfHumnst BT"/>
-              </a:rPr>
-              <a:t>Overhead</a:t>
-            </a:r>
-            <a:r>
-              <a:rPr lang="es-MX" sz="1600" dirty="0">
-                <a:latin typeface="ZapfHumnst BT"/>
-              </a:rPr>
-              <a:t>. Información de control que define el significado del contenido. </a:t>
-            </a:r>
-          </a:p>
-        </p:txBody>
-      </p:sp>
-      <p:sp>
-        <p:nvSpPr>
-          <p:cNvPr id="12" name="Rectangle 2"/>
-          <p:cNvSpPr txBox="1">
-            <a:spLocks noChangeArrowheads="1"/>
-          </p:cNvSpPr>
-          <p:nvPr/>
-        </p:nvSpPr>
-        <p:spPr>
-          <a:xfrm>
-            <a:off x="107504" y="-27384"/>
-            <a:ext cx="8964488" cy="1143000"/>
-          </a:xfrm>
-          <a:prstGeom prst="rect">
-            <a:avLst/>
-          </a:prstGeom>
-        </p:spPr>
-        <p:txBody>
-          <a:bodyPr vert="horz" lIns="92075" tIns="46038" rIns="92075" bIns="46038" rtlCol="0" anchor="ctr">
-            <a:noAutofit/>
-          </a:bodyPr>
-          <a:lstStyle>
-            <a:lvl1pPr algn="ctr" defTabSz="914400" rtl="0" eaLnBrk="1" latinLnBrk="0" hangingPunct="1">
-              <a:spcBef>
-                <a:spcPct val="0"/>
-              </a:spcBef>
-              <a:buNone/>
-              <a:defRPr sz="4400" kern="1200">
-                <a:solidFill>
-                  <a:schemeClr val="tx1"/>
-                </a:solidFill>
-                <a:latin typeface="+mj-lt"/>
-                <a:ea typeface="+mj-ea"/>
-                <a:cs typeface="+mj-cs"/>
-              </a:defRPr>
-            </a:lvl1pPr>
-          </a:lstStyle>
-          <a:p>
-            <a:pPr>
-              <a:defRPr/>
-            </a:pPr>
-            <a:r>
-              <a:rPr lang="es-ES_tradnl" sz="3200" dirty="0">
-                <a:solidFill>
-                  <a:srgbClr val="3333CC"/>
-                </a:solidFill>
-                <a:effectLst>
-                  <a:outerShdw blurRad="38100" dist="38100" dir="2700000" algn="tl">
-                    <a:srgbClr val="C0C0C0"/>
-                  </a:outerShdw>
-                </a:effectLst>
-                <a:latin typeface="Dom Casual" charset="0"/>
-              </a:rPr>
-              <a:t> </a:t>
-            </a:r>
-            <a:r>
-              <a:rPr lang="es-ES_tradnl" sz="3200" b="1" dirty="0">
-                <a:solidFill>
-                  <a:schemeClr val="accent4">
-                    <a:lumMod val="50000"/>
-                  </a:schemeClr>
-                </a:solidFill>
-                <a:effectLst>
-                  <a:outerShdw blurRad="38100" dist="38100" dir="2700000" algn="tl">
-                    <a:srgbClr val="C0C0C0"/>
-                  </a:outerShdw>
-                </a:effectLst>
-                <a:latin typeface="Dom Casual" charset="0"/>
-              </a:rPr>
-              <a:t>Elementos de un protocolo</a:t>
-            </a:r>
-          </a:p>
-        </p:txBody>
-      </p:sp>
-    </p:spTree>
-    <p:extLst>
-      <p:ext uri="{BB962C8B-B14F-4D97-AF65-F5344CB8AC3E}">
-        <p14:creationId xmlns:p14="http://schemas.microsoft.com/office/powerpoint/2010/main" val="2313583107"/>
-      </p:ext>
-    </p:extLst>
-  </p:cSld>
-  <p:clrMapOvr>
-    <a:masterClrMapping/>
-  </p:clrMapOvr>
-  <p:timing>
-    <p:tnLst>
-      <p:par>
-        <p:cTn id="1" dur="indefinite" restart="never" nodeType="tmRoot">
-          <p:childTnLst>
-            <p:seq concurrent="1" nextAc="seek">
-              <p:cTn id="2" dur="indefinite" nodeType="mainSeq">
-                <p:childTnLst>
-                  <p:par>
-                    <p:cTn id="3" fill="hold" nodeType="clickPar">
-                      <p:stCondLst>
-                        <p:cond delay="indefinite"/>
-                      </p:stCondLst>
-                      <p:childTnLst>
-                        <p:par>
-                          <p:cTn id="4" fill="hold" nodeType="withGroup">
-                            <p:stCondLst>
-                              <p:cond delay="0"/>
-                            </p:stCondLst>
-                            <p:childTnLst>
-                              <p:par>
-                                <p:cTn id="5" presetID="2" presetClass="entr" presetSubtype="2" fill="hold" grpId="0" nodeType="clickEffect">
-                                  <p:stCondLst>
-                                    <p:cond delay="0"/>
-                                  </p:stCondLst>
-                                  <p:childTnLst>
-                                    <p:set>
-                                      <p:cBhvr>
-                                        <p:cTn id="6" dur="1" fill="hold">
-                                          <p:stCondLst>
-                                            <p:cond delay="0"/>
-                                          </p:stCondLst>
-                                        </p:cTn>
-                                        <p:tgtEl>
-                                          <p:spTgt spid="10245"/>
-                                        </p:tgtEl>
-                                        <p:attrNameLst>
-                                          <p:attrName>style.visibility</p:attrName>
-                                        </p:attrNameLst>
-                                      </p:cBhvr>
-                                      <p:to>
-                                        <p:strVal val="visible"/>
-                                      </p:to>
-                                    </p:set>
-                                    <p:anim calcmode="lin" valueType="num">
-                                      <p:cBhvr additive="base">
-                                        <p:cTn id="7" dur="2000" fill="hold"/>
-                                        <p:tgtEl>
-                                          <p:spTgt spid="10245"/>
-                                        </p:tgtEl>
-                                        <p:attrNameLst>
-                                          <p:attrName>ppt_x</p:attrName>
-                                        </p:attrNameLst>
-                                      </p:cBhvr>
-                                      <p:tavLst>
-                                        <p:tav tm="0">
-                                          <p:val>
-                                            <p:strVal val="1+#ppt_w/2"/>
-                                          </p:val>
-                                        </p:tav>
-                                        <p:tav tm="100000">
-                                          <p:val>
-                                            <p:strVal val="#ppt_x"/>
-                                          </p:val>
-                                        </p:tav>
-                                      </p:tavLst>
-                                    </p:anim>
-                                    <p:anim calcmode="lin" valueType="num">
-                                      <p:cBhvr additive="base">
-                                        <p:cTn id="8" dur="2000" fill="hold"/>
-                                        <p:tgtEl>
-                                          <p:spTgt spid="10245"/>
-                                        </p:tgtEl>
-                                        <p:attrNameLst>
-                                          <p:attrName>ppt_y</p:attrName>
-                                        </p:attrNameLst>
-                                      </p:cBhvr>
-                                      <p:tavLst>
-                                        <p:tav tm="0">
-                                          <p:val>
-                                            <p:strVal val="#ppt_y"/>
-                                          </p:val>
-                                        </p:tav>
-                                        <p:tav tm="100000">
-                                          <p:val>
-                                            <p:strVal val="#ppt_y"/>
-                                          </p:val>
-                                        </p:tav>
-                                      </p:tavLst>
-                                    </p:anim>
-                                  </p:childTnLst>
-                                </p:cTn>
-                              </p:par>
-                            </p:childTnLst>
-                          </p:cTn>
-                        </p:par>
-                      </p:childTnLst>
-                    </p:cTn>
-                  </p:par>
-                  <p:par>
-                    <p:cTn id="9" fill="hold" nodeType="clickPar">
-                      <p:stCondLst>
-                        <p:cond delay="indefinite"/>
-                      </p:stCondLst>
-                      <p:childTnLst>
-                        <p:par>
-                          <p:cTn id="10" fill="hold" nodeType="withGroup">
-                            <p:stCondLst>
-                              <p:cond delay="0"/>
-                            </p:stCondLst>
-                            <p:childTnLst>
-                              <p:par>
-                                <p:cTn id="11" presetID="2" presetClass="entr" presetSubtype="2" fill="hold" grpId="0" nodeType="clickEffect">
-                                  <p:stCondLst>
-                                    <p:cond delay="0"/>
-                                  </p:stCondLst>
-                                  <p:childTnLst>
-                                    <p:set>
-                                      <p:cBhvr>
-                                        <p:cTn id="12" dur="1" fill="hold">
-                                          <p:stCondLst>
-                                            <p:cond delay="0"/>
-                                          </p:stCondLst>
-                                        </p:cTn>
-                                        <p:tgtEl>
-                                          <p:spTgt spid="18"/>
-                                        </p:tgtEl>
-                                        <p:attrNameLst>
-                                          <p:attrName>style.visibility</p:attrName>
-                                        </p:attrNameLst>
-                                      </p:cBhvr>
-                                      <p:to>
-                                        <p:strVal val="visible"/>
-                                      </p:to>
-                                    </p:set>
-                                    <p:anim calcmode="lin" valueType="num">
-                                      <p:cBhvr additive="base">
-                                        <p:cTn id="13" dur="2000" fill="hold"/>
-                                        <p:tgtEl>
-                                          <p:spTgt spid="18"/>
-                                        </p:tgtEl>
-                                        <p:attrNameLst>
-                                          <p:attrName>ppt_x</p:attrName>
-                                        </p:attrNameLst>
-                                      </p:cBhvr>
-                                      <p:tavLst>
-                                        <p:tav tm="0">
-                                          <p:val>
-                                            <p:strVal val="1+#ppt_w/2"/>
-                                          </p:val>
-                                        </p:tav>
-                                        <p:tav tm="100000">
-                                          <p:val>
-                                            <p:strVal val="#ppt_x"/>
-                                          </p:val>
-                                        </p:tav>
-                                      </p:tavLst>
-                                    </p:anim>
-                                    <p:anim calcmode="lin" valueType="num">
-                                      <p:cBhvr additive="base">
-                                        <p:cTn id="14" dur="2000" fill="hold"/>
-                                        <p:tgtEl>
-                                          <p:spTgt spid="18"/>
-                                        </p:tgtEl>
-                                        <p:attrNameLst>
-                                          <p:attrName>ppt_y</p:attrName>
-                                        </p:attrNameLst>
-                                      </p:cBhvr>
-                                      <p:tavLst>
-                                        <p:tav tm="0">
-                                          <p:val>
-                                            <p:strVal val="#ppt_y"/>
-                                          </p:val>
-                                        </p:tav>
-                                        <p:tav tm="100000">
-                                          <p:val>
-                                            <p:strVal val="#ppt_y"/>
-                                          </p:val>
-                                        </p:tav>
-                                      </p:tavLst>
-                                    </p:anim>
-                                  </p:childTnLst>
-                                </p:cTn>
-                              </p:par>
-                            </p:childTnLst>
-                          </p:cTn>
-                        </p:par>
-                      </p:childTnLst>
-                    </p:cTn>
-                  </p:par>
-                  <p:par>
-                    <p:cTn id="15" fill="hold" nodeType="clickPar">
-                      <p:stCondLst>
-                        <p:cond delay="indefinite"/>
-                      </p:stCondLst>
-                      <p:childTnLst>
-                        <p:par>
-                          <p:cTn id="16" fill="hold" nodeType="withGroup">
-                            <p:stCondLst>
-                              <p:cond delay="0"/>
-                            </p:stCondLst>
-                            <p:childTnLst>
-                              <p:par>
-                                <p:cTn id="17" presetID="2" presetClass="entr" presetSubtype="2" fill="hold" grpId="0" nodeType="clickEffect">
-                                  <p:stCondLst>
-                                    <p:cond delay="0"/>
-                                  </p:stCondLst>
-                                  <p:childTnLst>
-                                    <p:set>
-                                      <p:cBhvr>
-                                        <p:cTn id="18" dur="1" fill="hold">
-                                          <p:stCondLst>
-                                            <p:cond delay="0"/>
-                                          </p:stCondLst>
-                                        </p:cTn>
-                                        <p:tgtEl>
-                                          <p:spTgt spid="11"/>
-                                        </p:tgtEl>
-                                        <p:attrNameLst>
-                                          <p:attrName>style.visibility</p:attrName>
-                                        </p:attrNameLst>
-                                      </p:cBhvr>
-                                      <p:to>
-                                        <p:strVal val="visible"/>
-                                      </p:to>
-                                    </p:set>
-                                    <p:anim calcmode="lin" valueType="num">
-                                      <p:cBhvr additive="base">
-                                        <p:cTn id="19" dur="2000" fill="hold"/>
-                                        <p:tgtEl>
-                                          <p:spTgt spid="11"/>
-                                        </p:tgtEl>
-                                        <p:attrNameLst>
-                                          <p:attrName>ppt_x</p:attrName>
-                                        </p:attrNameLst>
-                                      </p:cBhvr>
-                                      <p:tavLst>
-                                        <p:tav tm="0">
-                                          <p:val>
-                                            <p:strVal val="1+#ppt_w/2"/>
-                                          </p:val>
-                                        </p:tav>
-                                        <p:tav tm="100000">
-                                          <p:val>
-                                            <p:strVal val="#ppt_x"/>
-                                          </p:val>
-                                        </p:tav>
-                                      </p:tavLst>
-                                    </p:anim>
-                                    <p:anim calcmode="lin" valueType="num">
-                                      <p:cBhvr additive="base">
-                                        <p:cTn id="20" dur="2000" fill="hold"/>
-                                        <p:tgtEl>
-                                          <p:spTgt spid="11"/>
-                                        </p:tgtEl>
-                                        <p:attrNameLst>
-                                          <p:attrName>ppt_y</p:attrName>
-                                        </p:attrNameLst>
-                                      </p:cBhvr>
-                                      <p:tavLst>
-                                        <p:tav tm="0">
-                                          <p:val>
-                                            <p:strVal val="#ppt_y"/>
-                                          </p:val>
-                                        </p:tav>
-                                        <p:tav tm="100000">
-                                          <p:val>
-                                            <p:strVal val="#ppt_y"/>
-                                          </p:val>
-                                        </p:tav>
-                                      </p:tavLst>
-                                    </p:anim>
-                                  </p:childTnLst>
-                                </p:cTn>
-                              </p:par>
-                            </p:childTnLst>
-                          </p:cTn>
-                        </p:par>
-                      </p:childTnLst>
-                    </p:cTn>
-                  </p:par>
-                  <p:par>
-                    <p:cTn id="21" fill="hold" nodeType="clickPar">
-                      <p:stCondLst>
-                        <p:cond delay="indefinite"/>
-                      </p:stCondLst>
-                      <p:childTnLst>
-                        <p:par>
-                          <p:cTn id="22" fill="hold" nodeType="withGroup">
-                            <p:stCondLst>
-                              <p:cond delay="0"/>
-                            </p:stCondLst>
-                            <p:childTnLst>
-                              <p:par>
-                                <p:cTn id="23" presetID="2" presetClass="entr" presetSubtype="2" fill="hold" grpId="0" nodeType="clickEffect">
-                                  <p:stCondLst>
-                                    <p:cond delay="0"/>
-                                  </p:stCondLst>
-                                  <p:childTnLst>
-                                    <p:set>
-                                      <p:cBhvr>
-                                        <p:cTn id="24" dur="1" fill="hold">
-                                          <p:stCondLst>
-                                            <p:cond delay="0"/>
-                                          </p:stCondLst>
-                                        </p:cTn>
-                                        <p:tgtEl>
-                                          <p:spTgt spid="16"/>
-                                        </p:tgtEl>
-                                        <p:attrNameLst>
-                                          <p:attrName>style.visibility</p:attrName>
-                                        </p:attrNameLst>
-                                      </p:cBhvr>
-                                      <p:to>
-                                        <p:strVal val="visible"/>
-                                      </p:to>
-                                    </p:set>
-                                    <p:anim calcmode="lin" valueType="num">
-                                      <p:cBhvr additive="base">
-                                        <p:cTn id="25" dur="2000" fill="hold"/>
-                                        <p:tgtEl>
-                                          <p:spTgt spid="16"/>
-                                        </p:tgtEl>
-                                        <p:attrNameLst>
-                                          <p:attrName>ppt_x</p:attrName>
-                                        </p:attrNameLst>
-                                      </p:cBhvr>
-                                      <p:tavLst>
-                                        <p:tav tm="0">
-                                          <p:val>
-                                            <p:strVal val="1+#ppt_w/2"/>
-                                          </p:val>
-                                        </p:tav>
-                                        <p:tav tm="100000">
-                                          <p:val>
-                                            <p:strVal val="#ppt_x"/>
-                                          </p:val>
-                                        </p:tav>
-                                      </p:tavLst>
-                                    </p:anim>
-                                    <p:anim calcmode="lin" valueType="num">
-                                      <p:cBhvr additive="base">
-                                        <p:cTn id="26" dur="2000" fill="hold"/>
-                                        <p:tgtEl>
-                                          <p:spTgt spid="16"/>
-                                        </p:tgtEl>
-                                        <p:attrNameLst>
-                                          <p:attrName>ppt_y</p:attrName>
-                                        </p:attrNameLst>
-                                      </p:cBhvr>
-                                      <p:tavLst>
-                                        <p:tav tm="0">
-                                          <p:val>
-                                            <p:strVal val="#ppt_y"/>
-                                          </p:val>
-                                        </p:tav>
-                                        <p:tav tm="100000">
-                                          <p:val>
-                                            <p:strVal val="#ppt_y"/>
-                                          </p:val>
-                                        </p:tav>
-                                      </p:tavLst>
-                                    </p:anim>
-                                  </p:childTnLst>
-                                </p:cTn>
-                              </p:par>
-                            </p:childTnLst>
-                          </p:cTn>
-                        </p:par>
-                      </p:childTnLst>
-                    </p:cTn>
-                  </p:par>
-                  <p:par>
-                    <p:cTn id="27" fill="hold" nodeType="clickPar">
-                      <p:stCondLst>
-                        <p:cond delay="indefinite"/>
-                      </p:stCondLst>
-                      <p:childTnLst>
-                        <p:par>
-                          <p:cTn id="28" fill="hold" nodeType="withGroup">
-                            <p:stCondLst>
-                              <p:cond delay="0"/>
-                            </p:stCondLst>
-                            <p:childTnLst>
-                              <p:par>
-                                <p:cTn id="29" presetID="2" presetClass="entr" presetSubtype="2" fill="hold" grpId="0" nodeType="clickEffect">
-                                  <p:stCondLst>
-                                    <p:cond delay="0"/>
-                                  </p:stCondLst>
-                                  <p:childTnLst>
-                                    <p:set>
-                                      <p:cBhvr>
-                                        <p:cTn id="30" dur="1" fill="hold">
-                                          <p:stCondLst>
-                                            <p:cond delay="0"/>
-                                          </p:stCondLst>
-                                        </p:cTn>
-                                        <p:tgtEl>
-                                          <p:spTgt spid="10"/>
-                                        </p:tgtEl>
-                                        <p:attrNameLst>
-                                          <p:attrName>style.visibility</p:attrName>
-                                        </p:attrNameLst>
-                                      </p:cBhvr>
-                                      <p:to>
-                                        <p:strVal val="visible"/>
-                                      </p:to>
-                                    </p:set>
-                                    <p:anim calcmode="lin" valueType="num">
-                                      <p:cBhvr additive="base">
-                                        <p:cTn id="31" dur="2000" fill="hold"/>
-                                        <p:tgtEl>
-                                          <p:spTgt spid="10"/>
-                                        </p:tgtEl>
-                                        <p:attrNameLst>
-                                          <p:attrName>ppt_x</p:attrName>
-                                        </p:attrNameLst>
-                                      </p:cBhvr>
-                                      <p:tavLst>
-                                        <p:tav tm="0">
-                                          <p:val>
-                                            <p:strVal val="1+#ppt_w/2"/>
-                                          </p:val>
-                                        </p:tav>
-                                        <p:tav tm="100000">
-                                          <p:val>
-                                            <p:strVal val="#ppt_x"/>
-                                          </p:val>
-                                        </p:tav>
-                                      </p:tavLst>
-                                    </p:anim>
-                                    <p:anim calcmode="lin" valueType="num">
-                                      <p:cBhvr additive="base">
-                                        <p:cTn id="32" dur="2000" fill="hold"/>
-                                        <p:tgtEl>
-                                          <p:spTgt spid="10"/>
-                                        </p:tgtEl>
-                                        <p:attrNameLst>
-                                          <p:attrName>ppt_y</p:attrName>
-                                        </p:attrNameLst>
-                                      </p:cBhvr>
-                                      <p:tavLst>
-                                        <p:tav tm="0">
-                                          <p:val>
-                                            <p:strVal val="#ppt_y"/>
-                                          </p:val>
-                                        </p:tav>
-                                        <p:tav tm="100000">
-                                          <p:val>
-                                            <p:strVal val="#ppt_y"/>
-                                          </p:val>
-                                        </p:tav>
-                                      </p:tavLst>
-                                    </p:anim>
-                                  </p:childTnLst>
-                                </p:cTn>
-                              </p:par>
-                            </p:childTnLst>
-                          </p:cTn>
-                        </p:par>
-                      </p:childTnLst>
-                    </p:cTn>
-                  </p:par>
-                  <p:par>
-                    <p:cTn id="33" fill="hold" nodeType="clickPar">
-                      <p:stCondLst>
-                        <p:cond delay="indefinite"/>
-                      </p:stCondLst>
-                      <p:childTnLst>
-                        <p:par>
-                          <p:cTn id="34" fill="hold" nodeType="withGroup">
-                            <p:stCondLst>
-                              <p:cond delay="0"/>
-                            </p:stCondLst>
-                            <p:childTnLst>
-                              <p:par>
-                                <p:cTn id="35" presetID="4" presetClass="entr" presetSubtype="16" fill="hold" nodeType="clickEffect">
-                                  <p:stCondLst>
-                                    <p:cond delay="0"/>
-                                  </p:stCondLst>
-                                  <p:childTnLst>
-                                    <p:set>
-                                      <p:cBhvr>
-                                        <p:cTn id="36" dur="1" fill="hold">
-                                          <p:stCondLst>
-                                            <p:cond delay="0"/>
-                                          </p:stCondLst>
-                                        </p:cTn>
-                                        <p:tgtEl>
-                                          <p:spTgt spid="19464"/>
-                                        </p:tgtEl>
-                                        <p:attrNameLst>
-                                          <p:attrName>style.visibility</p:attrName>
-                                        </p:attrNameLst>
-                                      </p:cBhvr>
-                                      <p:to>
-                                        <p:strVal val="visible"/>
-                                      </p:to>
-                                    </p:set>
-                                    <p:animEffect transition="in" filter="box(in)">
-                                      <p:cBhvr>
-                                        <p:cTn id="37" dur="2000"/>
-                                        <p:tgtEl>
-                                          <p:spTgt spid="19464"/>
-                                        </p:tgtEl>
-                                      </p:cBhvr>
-                                    </p:animEffect>
-                                  </p:childTnLst>
-                                </p:cTn>
-                              </p:par>
-                            </p:childTnLst>
-                          </p:cTn>
-                        </p:par>
-                      </p:childTnLst>
-                    </p:cTn>
-                  </p:par>
-                  <p:par>
-                    <p:cTn id="38" fill="hold" nodeType="clickPar">
-                      <p:stCondLst>
-                        <p:cond delay="indefinite"/>
-                      </p:stCondLst>
-                      <p:childTnLst>
-                        <p:par>
-                          <p:cTn id="39" fill="hold" nodeType="withGroup">
-                            <p:stCondLst>
-                              <p:cond delay="0"/>
-                            </p:stCondLst>
-                            <p:childTnLst>
-                              <p:par>
-                                <p:cTn id="40" presetID="2" presetClass="entr" presetSubtype="2" fill="hold" grpId="0" nodeType="clickEffect">
-                                  <p:stCondLst>
-                                    <p:cond delay="0"/>
-                                  </p:stCondLst>
-                                  <p:childTnLst>
-                                    <p:set>
-                                      <p:cBhvr>
-                                        <p:cTn id="41" dur="1" fill="hold">
-                                          <p:stCondLst>
-                                            <p:cond delay="0"/>
-                                          </p:stCondLst>
-                                        </p:cTn>
-                                        <p:tgtEl>
-                                          <p:spTgt spid="9"/>
-                                        </p:tgtEl>
-                                        <p:attrNameLst>
-                                          <p:attrName>style.visibility</p:attrName>
-                                        </p:attrNameLst>
-                                      </p:cBhvr>
-                                      <p:to>
-                                        <p:strVal val="visible"/>
-                                      </p:to>
-                                    </p:set>
-                                    <p:anim calcmode="lin" valueType="num">
-                                      <p:cBhvr additive="base">
-                                        <p:cTn id="42" dur="2000" fill="hold"/>
-                                        <p:tgtEl>
-                                          <p:spTgt spid="9"/>
-                                        </p:tgtEl>
-                                        <p:attrNameLst>
-                                          <p:attrName>ppt_x</p:attrName>
-                                        </p:attrNameLst>
-                                      </p:cBhvr>
-                                      <p:tavLst>
-                                        <p:tav tm="0">
-                                          <p:val>
-                                            <p:strVal val="1+#ppt_w/2"/>
-                                          </p:val>
-                                        </p:tav>
-                                        <p:tav tm="100000">
-                                          <p:val>
-                                            <p:strVal val="#ppt_x"/>
-                                          </p:val>
-                                        </p:tav>
-                                      </p:tavLst>
-                                    </p:anim>
-                                    <p:anim calcmode="lin" valueType="num">
-                                      <p:cBhvr additive="base">
-                                        <p:cTn id="43" dur="2000" fill="hold"/>
-                                        <p:tgtEl>
-                                          <p:spTgt spid="9"/>
-                                        </p:tgtEl>
-                                        <p:attrNameLst>
-                                          <p:attrName>ppt_y</p:attrName>
-                                        </p:attrNameLst>
-                                      </p:cBhvr>
-                                      <p:tavLst>
-                                        <p:tav tm="0">
-                                          <p:val>
-                                            <p:strVal val="#ppt_y"/>
-                                          </p:val>
-                                        </p:tav>
-                                        <p:tav tm="100000">
-                                          <p:val>
-                                            <p:strVal val="#ppt_y"/>
-                                          </p:val>
-                                        </p:tav>
-                                      </p:tavLst>
-                                    </p:anim>
-                                  </p:childTnLst>
-                                </p:cTn>
-                              </p:par>
-                            </p:childTnLst>
-                          </p:cTn>
-                        </p:par>
-                      </p:childTnLst>
-                    </p:cTn>
-                  </p:par>
-                </p:childTnLst>
-              </p:cTn>
-              <p:prevCondLst>
-                <p:cond evt="onPrev" delay="0">
-                  <p:tgtEl>
-                    <p:sldTgt/>
-                  </p:tgtEl>
-                </p:cond>
-              </p:prevCondLst>
-              <p:nextCondLst>
-                <p:cond evt="onNext" delay="0">
-                  <p:tgtEl>
-                    <p:sldTgt/>
-                  </p:tgtEl>
-                </p:cond>
-              </p:nextCondLst>
-            </p:seq>
-          </p:childTnLst>
-        </p:cTn>
-      </p:par>
-    </p:tnLst>
-    <p:bldLst>
-      <p:bldP spid="10245" grpId="0" autoUpdateAnimBg="0"/>
-      <p:bldP spid="16" grpId="0" autoUpdateAnimBg="0"/>
-      <p:bldP spid="18" grpId="0" autoUpdateAnimBg="0"/>
-      <p:bldP spid="9" grpId="0" autoUpdateAnimBg="0"/>
-      <p:bldP spid="10" grpId="0" autoUpdateAnimBg="0"/>
-      <p:bldP spid="11" grpId="0" autoUpdateAnimBg="0"/>
-    </p:bldLst>
-  </p:timing>
-</p:sld>
-</file>
-
-<file path=ppt/slides/slide9.xml><?xml version="1.0" encoding="utf-8"?>
-<p:sld xmlns:a="http://schemas.openxmlformats.org/drawingml/2006/main" xmlns:r="http://schemas.openxmlformats.org/officeDocument/2006/relationships" xmlns:p="http://schemas.openxmlformats.org/presentationml/2006/main">
-  <p:cSld>
-    <p:spTree>
-      <p:nvGrpSpPr>
-        <p:cNvPr id="1" name=""/>
-        <p:cNvGrpSpPr/>
-        <p:nvPr/>
-      </p:nvGrpSpPr>
-      <p:grpSpPr>
-        <a:xfrm>
-          <a:off x="0" y="0"/>
-          <a:ext cx="0" cy="0"/>
-          <a:chOff x="0" y="0"/>
-          <a:chExt cx="0" cy="0"/>
-        </a:xfrm>
-      </p:grpSpPr>
-      <p:sp>
-        <p:nvSpPr>
           <p:cNvPr id="16" name="Text Box 8"/>
           <p:cNvSpPr txBox="1">
             <a:spLocks noChangeArrowheads="1"/>
@@ -35382,6 +31911,1921 @@
     </p:tnLst>
     <p:bldLst>
       <p:bldP spid="16" grpId="0" autoUpdateAnimBg="0"/>
+    </p:bldLst>
+  </p:timing>
+</p:sld>
+</file>
+
+<file path=ppt/slides/slide9.xml><?xml version="1.0" encoding="utf-8"?>
+<p:sld xmlns:a="http://schemas.openxmlformats.org/drawingml/2006/main" xmlns:r="http://schemas.openxmlformats.org/officeDocument/2006/relationships" xmlns:p="http://schemas.openxmlformats.org/presentationml/2006/main">
+  <p:cSld>
+    <p:spTree>
+      <p:nvGrpSpPr>
+        <p:cNvPr id="1" name=""/>
+        <p:cNvGrpSpPr/>
+        <p:nvPr/>
+      </p:nvGrpSpPr>
+      <p:grpSpPr>
+        <a:xfrm>
+          <a:off x="0" y="0"/>
+          <a:ext cx="0" cy="0"/>
+          <a:chOff x="0" y="0"/>
+          <a:chExt cx="0" cy="0"/>
+        </a:xfrm>
+      </p:grpSpPr>
+      <p:pic>
+        <p:nvPicPr>
+          <p:cNvPr id="11266" name="Picture 5"/>
+          <p:cNvPicPr>
+            <a:picLocks noChangeAspect="1" noChangeArrowheads="1"/>
+          </p:cNvPicPr>
+          <p:nvPr/>
+        </p:nvPicPr>
+        <p:blipFill>
+          <a:blip r:embed="rId3">
+            <a:extLst>
+              <a:ext uri="{28A0092B-C50C-407E-A947-70E740481C1C}">
+                <a14:useLocalDpi xmlns:a14="http://schemas.microsoft.com/office/drawing/2010/main" val="0"/>
+              </a:ext>
+            </a:extLst>
+          </a:blip>
+          <a:srcRect/>
+          <a:stretch>
+            <a:fillRect/>
+          </a:stretch>
+        </p:blipFill>
+        <p:spPr bwMode="auto">
+          <a:xfrm>
+            <a:off x="3922266" y="2167657"/>
+            <a:ext cx="5114925" cy="4357687"/>
+          </a:xfrm>
+          <a:prstGeom prst="rect">
+            <a:avLst/>
+          </a:prstGeom>
+          <a:noFill/>
+          <a:ln>
+            <a:noFill/>
+          </a:ln>
+          <a:extLst>
+            <a:ext uri="{909E8E84-426E-40DD-AFC4-6F175D3DCCD1}">
+              <a14:hiddenFill xmlns:a14="http://schemas.microsoft.com/office/drawing/2010/main">
+                <a:solidFill>
+                  <a:srgbClr val="FFFFFF"/>
+                </a:solidFill>
+              </a14:hiddenFill>
+            </a:ext>
+            <a:ext uri="{91240B29-F687-4F45-9708-019B960494DF}">
+              <a14:hiddenLine xmlns:a14="http://schemas.microsoft.com/office/drawing/2010/main" w="9525">
+                <a:solidFill>
+                  <a:srgbClr val="000000"/>
+                </a:solidFill>
+                <a:miter lim="800000"/>
+                <a:headEnd/>
+                <a:tailEnd/>
+              </a14:hiddenLine>
+            </a:ext>
+          </a:extLst>
+        </p:spPr>
+      </p:pic>
+      <p:sp>
+        <p:nvSpPr>
+          <p:cNvPr id="23" name="Text Box 5"/>
+          <p:cNvSpPr txBox="1">
+            <a:spLocks noChangeArrowheads="1"/>
+          </p:cNvSpPr>
+          <p:nvPr/>
+        </p:nvSpPr>
+        <p:spPr bwMode="auto">
+          <a:xfrm>
+            <a:off x="52611" y="1167532"/>
+            <a:ext cx="2143125" cy="400050"/>
+          </a:xfrm>
+          <a:prstGeom prst="rect">
+            <a:avLst/>
+          </a:prstGeom>
+          <a:noFill/>
+          <a:ln>
+            <a:noFill/>
+          </a:ln>
+          <a:extLst>
+            <a:ext uri="{909E8E84-426E-40DD-AFC4-6F175D3DCCD1}">
+              <a14:hiddenFill xmlns:a14="http://schemas.microsoft.com/office/drawing/2010/main">
+                <a:solidFill>
+                  <a:srgbClr val="FFFFFF"/>
+                </a:solidFill>
+              </a14:hiddenFill>
+            </a:ext>
+            <a:ext uri="{91240B29-F687-4F45-9708-019B960494DF}">
+              <a14:hiddenLine xmlns:a14="http://schemas.microsoft.com/office/drawing/2010/main" w="9525">
+                <a:solidFill>
+                  <a:srgbClr val="000000"/>
+                </a:solidFill>
+                <a:miter lim="800000"/>
+                <a:headEnd/>
+                <a:tailEnd/>
+              </a14:hiddenLine>
+            </a:ext>
+          </a:extLst>
+        </p:spPr>
+        <p:txBody>
+          <a:bodyPr>
+            <a:spAutoFit/>
+          </a:bodyPr>
+          <a:lstStyle>
+            <a:lvl1pPr eaLnBrk="0" hangingPunct="0">
+              <a:defRPr sz="2400">
+                <a:solidFill>
+                  <a:schemeClr val="tx1"/>
+                </a:solidFill>
+                <a:latin typeface="Times New Roman" pitchFamily="18" charset="0"/>
+              </a:defRPr>
+            </a:lvl1pPr>
+            <a:lvl2pPr marL="742950" indent="-285750" eaLnBrk="0" hangingPunct="0">
+              <a:defRPr sz="2400">
+                <a:solidFill>
+                  <a:schemeClr val="tx1"/>
+                </a:solidFill>
+                <a:latin typeface="Times New Roman" pitchFamily="18" charset="0"/>
+              </a:defRPr>
+            </a:lvl2pPr>
+            <a:lvl3pPr marL="1143000" indent="-228600" eaLnBrk="0" hangingPunct="0">
+              <a:defRPr sz="2400">
+                <a:solidFill>
+                  <a:schemeClr val="tx1"/>
+                </a:solidFill>
+                <a:latin typeface="Times New Roman" pitchFamily="18" charset="0"/>
+              </a:defRPr>
+            </a:lvl3pPr>
+            <a:lvl4pPr marL="1600200" indent="-228600" eaLnBrk="0" hangingPunct="0">
+              <a:defRPr sz="2400">
+                <a:solidFill>
+                  <a:schemeClr val="tx1"/>
+                </a:solidFill>
+                <a:latin typeface="Times New Roman" pitchFamily="18" charset="0"/>
+              </a:defRPr>
+            </a:lvl4pPr>
+            <a:lvl5pPr marL="2057400" indent="-228600" eaLnBrk="0" hangingPunct="0">
+              <a:defRPr sz="2400">
+                <a:solidFill>
+                  <a:schemeClr val="tx1"/>
+                </a:solidFill>
+                <a:latin typeface="Times New Roman" pitchFamily="18" charset="0"/>
+              </a:defRPr>
+            </a:lvl5pPr>
+            <a:lvl6pPr marL="2514600" indent="-228600" eaLnBrk="0" fontAlgn="base" hangingPunct="0">
+              <a:spcBef>
+                <a:spcPct val="0"/>
+              </a:spcBef>
+              <a:spcAft>
+                <a:spcPct val="0"/>
+              </a:spcAft>
+              <a:defRPr sz="2400">
+                <a:solidFill>
+                  <a:schemeClr val="tx1"/>
+                </a:solidFill>
+                <a:latin typeface="Times New Roman" pitchFamily="18" charset="0"/>
+              </a:defRPr>
+            </a:lvl6pPr>
+            <a:lvl7pPr marL="2971800" indent="-228600" eaLnBrk="0" fontAlgn="base" hangingPunct="0">
+              <a:spcBef>
+                <a:spcPct val="0"/>
+              </a:spcBef>
+              <a:spcAft>
+                <a:spcPct val="0"/>
+              </a:spcAft>
+              <a:defRPr sz="2400">
+                <a:solidFill>
+                  <a:schemeClr val="tx1"/>
+                </a:solidFill>
+                <a:latin typeface="Times New Roman" pitchFamily="18" charset="0"/>
+              </a:defRPr>
+            </a:lvl7pPr>
+            <a:lvl8pPr marL="3429000" indent="-228600" eaLnBrk="0" fontAlgn="base" hangingPunct="0">
+              <a:spcBef>
+                <a:spcPct val="0"/>
+              </a:spcBef>
+              <a:spcAft>
+                <a:spcPct val="0"/>
+              </a:spcAft>
+              <a:defRPr sz="2400">
+                <a:solidFill>
+                  <a:schemeClr val="tx1"/>
+                </a:solidFill>
+                <a:latin typeface="Times New Roman" pitchFamily="18" charset="0"/>
+              </a:defRPr>
+            </a:lvl8pPr>
+            <a:lvl9pPr marL="3886200" indent="-228600" eaLnBrk="0" fontAlgn="base" hangingPunct="0">
+              <a:spcBef>
+                <a:spcPct val="0"/>
+              </a:spcBef>
+              <a:spcAft>
+                <a:spcPct val="0"/>
+              </a:spcAft>
+              <a:defRPr sz="2400">
+                <a:solidFill>
+                  <a:schemeClr val="tx1"/>
+                </a:solidFill>
+                <a:latin typeface="Times New Roman" pitchFamily="18" charset="0"/>
+              </a:defRPr>
+            </a:lvl9pPr>
+          </a:lstStyle>
+          <a:p>
+            <a:pPr algn="ctr">
+              <a:spcBef>
+                <a:spcPct val="50000"/>
+              </a:spcBef>
+            </a:pPr>
+            <a:r>
+              <a:rPr lang="es-MX" sz="2000" b="1" dirty="0">
+                <a:solidFill>
+                  <a:schemeClr val="accent5">
+                    <a:lumMod val="75000"/>
+                  </a:schemeClr>
+                </a:solidFill>
+                <a:latin typeface="ZapfHumnst BT"/>
+              </a:rPr>
+              <a:t>Modelo OSI</a:t>
+            </a:r>
+            <a:endParaRPr lang="es-MX" sz="2000" dirty="0">
+              <a:solidFill>
+                <a:schemeClr val="accent5">
+                  <a:lumMod val="75000"/>
+                </a:schemeClr>
+              </a:solidFill>
+              <a:latin typeface="ZapfHumnst BT"/>
+            </a:endParaRPr>
+          </a:p>
+        </p:txBody>
+      </p:sp>
+      <p:sp>
+        <p:nvSpPr>
+          <p:cNvPr id="16" name="Text Box 8"/>
+          <p:cNvSpPr txBox="1">
+            <a:spLocks noChangeArrowheads="1"/>
+          </p:cNvSpPr>
+          <p:nvPr/>
+        </p:nvSpPr>
+        <p:spPr bwMode="auto">
+          <a:xfrm>
+            <a:off x="393254" y="1579612"/>
+            <a:ext cx="8143875" cy="830997"/>
+          </a:xfrm>
+          <a:prstGeom prst="rect">
+            <a:avLst/>
+          </a:prstGeom>
+          <a:noFill/>
+          <a:ln>
+            <a:noFill/>
+          </a:ln>
+          <a:extLst>
+            <a:ext uri="{909E8E84-426E-40DD-AFC4-6F175D3DCCD1}">
+              <a14:hiddenFill xmlns:a14="http://schemas.microsoft.com/office/drawing/2010/main">
+                <a:solidFill>
+                  <a:srgbClr val="FFFFFF"/>
+                </a:solidFill>
+              </a14:hiddenFill>
+            </a:ext>
+            <a:ext uri="{91240B29-F687-4F45-9708-019B960494DF}">
+              <a14:hiddenLine xmlns:a14="http://schemas.microsoft.com/office/drawing/2010/main" w="9525">
+                <a:solidFill>
+                  <a:srgbClr val="000000"/>
+                </a:solidFill>
+                <a:miter lim="800000"/>
+                <a:headEnd/>
+                <a:tailEnd/>
+              </a14:hiddenLine>
+            </a:ext>
+          </a:extLst>
+        </p:spPr>
+        <p:txBody>
+          <a:bodyPr>
+            <a:spAutoFit/>
+          </a:bodyPr>
+          <a:lstStyle>
+            <a:lvl1pPr eaLnBrk="0" hangingPunct="0">
+              <a:defRPr sz="2400">
+                <a:solidFill>
+                  <a:schemeClr val="tx1"/>
+                </a:solidFill>
+                <a:latin typeface="Times New Roman" pitchFamily="18" charset="0"/>
+              </a:defRPr>
+            </a:lvl1pPr>
+            <a:lvl2pPr marL="742950" indent="-285750" eaLnBrk="0" hangingPunct="0">
+              <a:defRPr sz="2400">
+                <a:solidFill>
+                  <a:schemeClr val="tx1"/>
+                </a:solidFill>
+                <a:latin typeface="Times New Roman" pitchFamily="18" charset="0"/>
+              </a:defRPr>
+            </a:lvl2pPr>
+            <a:lvl3pPr marL="1143000" indent="-228600" eaLnBrk="0" hangingPunct="0">
+              <a:defRPr sz="2400">
+                <a:solidFill>
+                  <a:schemeClr val="tx1"/>
+                </a:solidFill>
+                <a:latin typeface="Times New Roman" pitchFamily="18" charset="0"/>
+              </a:defRPr>
+            </a:lvl3pPr>
+            <a:lvl4pPr marL="1600200" indent="-228600" eaLnBrk="0" hangingPunct="0">
+              <a:defRPr sz="2400">
+                <a:solidFill>
+                  <a:schemeClr val="tx1"/>
+                </a:solidFill>
+                <a:latin typeface="Times New Roman" pitchFamily="18" charset="0"/>
+              </a:defRPr>
+            </a:lvl4pPr>
+            <a:lvl5pPr marL="2057400" indent="-228600" eaLnBrk="0" hangingPunct="0">
+              <a:defRPr sz="2400">
+                <a:solidFill>
+                  <a:schemeClr val="tx1"/>
+                </a:solidFill>
+                <a:latin typeface="Times New Roman" pitchFamily="18" charset="0"/>
+              </a:defRPr>
+            </a:lvl5pPr>
+            <a:lvl6pPr marL="2514600" indent="-228600" eaLnBrk="0" fontAlgn="base" hangingPunct="0">
+              <a:spcBef>
+                <a:spcPct val="0"/>
+              </a:spcBef>
+              <a:spcAft>
+                <a:spcPct val="0"/>
+              </a:spcAft>
+              <a:defRPr sz="2400">
+                <a:solidFill>
+                  <a:schemeClr val="tx1"/>
+                </a:solidFill>
+                <a:latin typeface="Times New Roman" pitchFamily="18" charset="0"/>
+              </a:defRPr>
+            </a:lvl6pPr>
+            <a:lvl7pPr marL="2971800" indent="-228600" eaLnBrk="0" fontAlgn="base" hangingPunct="0">
+              <a:spcBef>
+                <a:spcPct val="0"/>
+              </a:spcBef>
+              <a:spcAft>
+                <a:spcPct val="0"/>
+              </a:spcAft>
+              <a:defRPr sz="2400">
+                <a:solidFill>
+                  <a:schemeClr val="tx1"/>
+                </a:solidFill>
+                <a:latin typeface="Times New Roman" pitchFamily="18" charset="0"/>
+              </a:defRPr>
+            </a:lvl7pPr>
+            <a:lvl8pPr marL="3429000" indent="-228600" eaLnBrk="0" fontAlgn="base" hangingPunct="0">
+              <a:spcBef>
+                <a:spcPct val="0"/>
+              </a:spcBef>
+              <a:spcAft>
+                <a:spcPct val="0"/>
+              </a:spcAft>
+              <a:defRPr sz="2400">
+                <a:solidFill>
+                  <a:schemeClr val="tx1"/>
+                </a:solidFill>
+                <a:latin typeface="Times New Roman" pitchFamily="18" charset="0"/>
+              </a:defRPr>
+            </a:lvl8pPr>
+            <a:lvl9pPr marL="3886200" indent="-228600" eaLnBrk="0" fontAlgn="base" hangingPunct="0">
+              <a:spcBef>
+                <a:spcPct val="0"/>
+              </a:spcBef>
+              <a:spcAft>
+                <a:spcPct val="0"/>
+              </a:spcAft>
+              <a:defRPr sz="2400">
+                <a:solidFill>
+                  <a:schemeClr val="tx1"/>
+                </a:solidFill>
+                <a:latin typeface="Times New Roman" pitchFamily="18" charset="0"/>
+              </a:defRPr>
+            </a:lvl9pPr>
+          </a:lstStyle>
+          <a:p>
+            <a:pPr>
+              <a:lnSpc>
+                <a:spcPct val="150000"/>
+              </a:lnSpc>
+            </a:pPr>
+            <a:r>
+              <a:rPr lang="es-MX" sz="1600" b="1" dirty="0">
+                <a:solidFill>
+                  <a:schemeClr val="accent6">
+                    <a:lumMod val="75000"/>
+                  </a:schemeClr>
+                </a:solidFill>
+                <a:latin typeface="ZapfHumnst BT"/>
+              </a:rPr>
+              <a:t>Semántica:</a:t>
+            </a:r>
+            <a:r>
+              <a:rPr lang="es-MX" sz="1600" dirty="0">
+                <a:solidFill>
+                  <a:schemeClr val="bg2">
+                    <a:lumMod val="25000"/>
+                  </a:schemeClr>
+                </a:solidFill>
+                <a:latin typeface="ZapfHumnst BT"/>
+              </a:rPr>
+              <a:t> </a:t>
+            </a:r>
+            <a:r>
+              <a:rPr lang="es-MX" sz="1600" dirty="0" err="1">
+                <a:solidFill>
+                  <a:schemeClr val="bg2">
+                    <a:lumMod val="25000"/>
+                  </a:schemeClr>
+                </a:solidFill>
+                <a:latin typeface="ZapfHumnst BT"/>
+              </a:rPr>
+              <a:t>Overhead</a:t>
+            </a:r>
+            <a:r>
+              <a:rPr lang="es-MX" sz="1600" dirty="0">
+                <a:solidFill>
+                  <a:schemeClr val="bg2">
+                    <a:lumMod val="25000"/>
+                  </a:schemeClr>
+                </a:solidFill>
+                <a:latin typeface="ZapfHumnst BT"/>
+              </a:rPr>
+              <a:t>. Información de control que define el significado de cada uno de los datos. </a:t>
+            </a:r>
+          </a:p>
+        </p:txBody>
+      </p:sp>
+      <p:sp>
+        <p:nvSpPr>
+          <p:cNvPr id="8" name="Text Box 8"/>
+          <p:cNvSpPr txBox="1">
+            <a:spLocks noChangeArrowheads="1"/>
+          </p:cNvSpPr>
+          <p:nvPr/>
+        </p:nvSpPr>
+        <p:spPr bwMode="auto">
+          <a:xfrm>
+            <a:off x="321816" y="4382219"/>
+            <a:ext cx="4143375" cy="2032000"/>
+          </a:xfrm>
+          <a:prstGeom prst="rect">
+            <a:avLst/>
+          </a:prstGeom>
+          <a:noFill/>
+          <a:ln>
+            <a:noFill/>
+          </a:ln>
+          <a:extLst>
+            <a:ext uri="{909E8E84-426E-40DD-AFC4-6F175D3DCCD1}">
+              <a14:hiddenFill xmlns:a14="http://schemas.microsoft.com/office/drawing/2010/main">
+                <a:solidFill>
+                  <a:srgbClr val="FFFFFF"/>
+                </a:solidFill>
+              </a14:hiddenFill>
+            </a:ext>
+            <a:ext uri="{91240B29-F687-4F45-9708-019B960494DF}">
+              <a14:hiddenLine xmlns:a14="http://schemas.microsoft.com/office/drawing/2010/main" w="9525">
+                <a:solidFill>
+                  <a:srgbClr val="000000"/>
+                </a:solidFill>
+                <a:miter lim="800000"/>
+                <a:headEnd/>
+                <a:tailEnd/>
+              </a14:hiddenLine>
+            </a:ext>
+          </a:extLst>
+        </p:spPr>
+        <p:txBody>
+          <a:bodyPr>
+            <a:spAutoFit/>
+          </a:bodyPr>
+          <a:lstStyle>
+            <a:lvl1pPr eaLnBrk="0" hangingPunct="0">
+              <a:defRPr sz="2400">
+                <a:solidFill>
+                  <a:schemeClr val="tx1"/>
+                </a:solidFill>
+                <a:latin typeface="Times New Roman" pitchFamily="18" charset="0"/>
+              </a:defRPr>
+            </a:lvl1pPr>
+            <a:lvl2pPr marL="742950" indent="-285750" eaLnBrk="0" hangingPunct="0">
+              <a:defRPr sz="2400">
+                <a:solidFill>
+                  <a:schemeClr val="tx1"/>
+                </a:solidFill>
+                <a:latin typeface="Times New Roman" pitchFamily="18" charset="0"/>
+              </a:defRPr>
+            </a:lvl2pPr>
+            <a:lvl3pPr marL="1143000" indent="-228600" eaLnBrk="0" hangingPunct="0">
+              <a:defRPr sz="2400">
+                <a:solidFill>
+                  <a:schemeClr val="tx1"/>
+                </a:solidFill>
+                <a:latin typeface="Times New Roman" pitchFamily="18" charset="0"/>
+              </a:defRPr>
+            </a:lvl3pPr>
+            <a:lvl4pPr marL="1600200" indent="-228600" eaLnBrk="0" hangingPunct="0">
+              <a:defRPr sz="2400">
+                <a:solidFill>
+                  <a:schemeClr val="tx1"/>
+                </a:solidFill>
+                <a:latin typeface="Times New Roman" pitchFamily="18" charset="0"/>
+              </a:defRPr>
+            </a:lvl4pPr>
+            <a:lvl5pPr marL="2057400" indent="-228600" eaLnBrk="0" hangingPunct="0">
+              <a:defRPr sz="2400">
+                <a:solidFill>
+                  <a:schemeClr val="tx1"/>
+                </a:solidFill>
+                <a:latin typeface="Times New Roman" pitchFamily="18" charset="0"/>
+              </a:defRPr>
+            </a:lvl5pPr>
+            <a:lvl6pPr marL="2514600" indent="-228600" eaLnBrk="0" fontAlgn="base" hangingPunct="0">
+              <a:spcBef>
+                <a:spcPct val="0"/>
+              </a:spcBef>
+              <a:spcAft>
+                <a:spcPct val="0"/>
+              </a:spcAft>
+              <a:defRPr sz="2400">
+                <a:solidFill>
+                  <a:schemeClr val="tx1"/>
+                </a:solidFill>
+                <a:latin typeface="Times New Roman" pitchFamily="18" charset="0"/>
+              </a:defRPr>
+            </a:lvl6pPr>
+            <a:lvl7pPr marL="2971800" indent="-228600" eaLnBrk="0" fontAlgn="base" hangingPunct="0">
+              <a:spcBef>
+                <a:spcPct val="0"/>
+              </a:spcBef>
+              <a:spcAft>
+                <a:spcPct val="0"/>
+              </a:spcAft>
+              <a:defRPr sz="2400">
+                <a:solidFill>
+                  <a:schemeClr val="tx1"/>
+                </a:solidFill>
+                <a:latin typeface="Times New Roman" pitchFamily="18" charset="0"/>
+              </a:defRPr>
+            </a:lvl7pPr>
+            <a:lvl8pPr marL="3429000" indent="-228600" eaLnBrk="0" fontAlgn="base" hangingPunct="0">
+              <a:spcBef>
+                <a:spcPct val="0"/>
+              </a:spcBef>
+              <a:spcAft>
+                <a:spcPct val="0"/>
+              </a:spcAft>
+              <a:defRPr sz="2400">
+                <a:solidFill>
+                  <a:schemeClr val="tx1"/>
+                </a:solidFill>
+                <a:latin typeface="Times New Roman" pitchFamily="18" charset="0"/>
+              </a:defRPr>
+            </a:lvl8pPr>
+            <a:lvl9pPr marL="3886200" indent="-228600" eaLnBrk="0" fontAlgn="base" hangingPunct="0">
+              <a:spcBef>
+                <a:spcPct val="0"/>
+              </a:spcBef>
+              <a:spcAft>
+                <a:spcPct val="0"/>
+              </a:spcAft>
+              <a:defRPr sz="2400">
+                <a:solidFill>
+                  <a:schemeClr val="tx1"/>
+                </a:solidFill>
+                <a:latin typeface="Times New Roman" pitchFamily="18" charset="0"/>
+              </a:defRPr>
+            </a:lvl9pPr>
+          </a:lstStyle>
+          <a:p>
+            <a:pPr>
+              <a:lnSpc>
+                <a:spcPct val="150000"/>
+              </a:lnSpc>
+            </a:pPr>
+            <a:r>
+              <a:rPr lang="es-MX" sz="1400" b="1" dirty="0">
+                <a:solidFill>
+                  <a:schemeClr val="bg2">
+                    <a:lumMod val="25000"/>
+                  </a:schemeClr>
+                </a:solidFill>
+                <a:latin typeface="ZapfHumnst BT"/>
+              </a:rPr>
+              <a:t>CA</a:t>
+            </a:r>
+            <a:r>
+              <a:rPr lang="es-MX" sz="1400" dirty="0">
+                <a:solidFill>
+                  <a:schemeClr val="bg2">
+                    <a:lumMod val="25000"/>
+                  </a:schemeClr>
+                </a:solidFill>
+                <a:latin typeface="ZapfHumnst BT"/>
+              </a:rPr>
+              <a:t> – Encabezado capa aplicación</a:t>
+            </a:r>
+          </a:p>
+          <a:p>
+            <a:pPr>
+              <a:lnSpc>
+                <a:spcPct val="150000"/>
+              </a:lnSpc>
+            </a:pPr>
+            <a:r>
+              <a:rPr lang="es-MX" sz="1400" b="1" dirty="0">
+                <a:solidFill>
+                  <a:schemeClr val="bg2">
+                    <a:lumMod val="25000"/>
+                  </a:schemeClr>
+                </a:solidFill>
+                <a:latin typeface="ZapfHumnst BT"/>
+              </a:rPr>
+              <a:t>CP</a:t>
+            </a:r>
+            <a:r>
+              <a:rPr lang="es-MX" sz="1400" dirty="0">
+                <a:solidFill>
+                  <a:schemeClr val="bg2">
+                    <a:lumMod val="25000"/>
+                  </a:schemeClr>
+                </a:solidFill>
+                <a:latin typeface="ZapfHumnst BT"/>
+              </a:rPr>
+              <a:t> – Encabezado capa presentación</a:t>
+            </a:r>
+          </a:p>
+          <a:p>
+            <a:pPr>
+              <a:lnSpc>
+                <a:spcPct val="150000"/>
+              </a:lnSpc>
+            </a:pPr>
+            <a:r>
+              <a:rPr lang="es-MX" sz="1400" b="1" dirty="0">
+                <a:solidFill>
+                  <a:schemeClr val="bg2">
+                    <a:lumMod val="25000"/>
+                  </a:schemeClr>
+                </a:solidFill>
+                <a:latin typeface="ZapfHumnst BT"/>
+              </a:rPr>
+              <a:t>CS</a:t>
+            </a:r>
+            <a:r>
+              <a:rPr lang="es-MX" sz="1400" dirty="0">
+                <a:solidFill>
+                  <a:schemeClr val="bg2">
+                    <a:lumMod val="25000"/>
+                  </a:schemeClr>
+                </a:solidFill>
+                <a:latin typeface="ZapfHumnst BT"/>
+              </a:rPr>
+              <a:t> – Encabezado capa sesión</a:t>
+            </a:r>
+          </a:p>
+          <a:p>
+            <a:pPr>
+              <a:lnSpc>
+                <a:spcPct val="150000"/>
+              </a:lnSpc>
+            </a:pPr>
+            <a:r>
+              <a:rPr lang="es-MX" sz="1400" b="1" dirty="0">
+                <a:solidFill>
+                  <a:schemeClr val="bg2">
+                    <a:lumMod val="25000"/>
+                  </a:schemeClr>
+                </a:solidFill>
+                <a:latin typeface="ZapfHumnst BT"/>
+              </a:rPr>
+              <a:t>CT</a:t>
+            </a:r>
+            <a:r>
+              <a:rPr lang="es-MX" sz="1400" dirty="0">
+                <a:solidFill>
+                  <a:schemeClr val="bg2">
+                    <a:lumMod val="25000"/>
+                  </a:schemeClr>
+                </a:solidFill>
+                <a:latin typeface="ZapfHumnst BT"/>
+              </a:rPr>
+              <a:t> – Encabezado capa transporte</a:t>
+            </a:r>
+          </a:p>
+          <a:p>
+            <a:pPr>
+              <a:lnSpc>
+                <a:spcPct val="150000"/>
+              </a:lnSpc>
+            </a:pPr>
+            <a:r>
+              <a:rPr lang="es-MX" sz="1400" b="1" dirty="0">
+                <a:solidFill>
+                  <a:schemeClr val="bg2">
+                    <a:lumMod val="25000"/>
+                  </a:schemeClr>
+                </a:solidFill>
+                <a:latin typeface="ZapfHumnst BT"/>
+              </a:rPr>
+              <a:t>CR</a:t>
+            </a:r>
+            <a:r>
+              <a:rPr lang="es-MX" sz="1400" dirty="0">
+                <a:solidFill>
+                  <a:schemeClr val="bg2">
+                    <a:lumMod val="25000"/>
+                  </a:schemeClr>
+                </a:solidFill>
+                <a:latin typeface="ZapfHumnst BT"/>
+              </a:rPr>
+              <a:t> – Encabezado capa red</a:t>
+            </a:r>
+          </a:p>
+          <a:p>
+            <a:pPr>
+              <a:lnSpc>
+                <a:spcPct val="150000"/>
+              </a:lnSpc>
+            </a:pPr>
+            <a:r>
+              <a:rPr lang="es-MX" sz="1400" b="1" dirty="0">
+                <a:solidFill>
+                  <a:schemeClr val="bg2">
+                    <a:lumMod val="25000"/>
+                  </a:schemeClr>
+                </a:solidFill>
+                <a:latin typeface="ZapfHumnst BT"/>
+              </a:rPr>
+              <a:t>CE</a:t>
+            </a:r>
+            <a:r>
+              <a:rPr lang="es-MX" sz="1400" dirty="0">
+                <a:solidFill>
+                  <a:schemeClr val="bg2">
+                    <a:lumMod val="25000"/>
+                  </a:schemeClr>
+                </a:solidFill>
+                <a:latin typeface="ZapfHumnst BT"/>
+              </a:rPr>
+              <a:t> – Encabezado capa enlace de datos</a:t>
+            </a:r>
+          </a:p>
+        </p:txBody>
+      </p:sp>
+      <p:sp>
+        <p:nvSpPr>
+          <p:cNvPr id="9" name="Text Box 8"/>
+          <p:cNvSpPr txBox="1">
+            <a:spLocks noChangeArrowheads="1"/>
+          </p:cNvSpPr>
+          <p:nvPr/>
+        </p:nvSpPr>
+        <p:spPr bwMode="auto">
+          <a:xfrm>
+            <a:off x="393254" y="2772866"/>
+            <a:ext cx="5618906" cy="792781"/>
+          </a:xfrm>
+          <a:prstGeom prst="rect">
+            <a:avLst/>
+          </a:prstGeom>
+          <a:noFill/>
+          <a:ln>
+            <a:noFill/>
+          </a:ln>
+          <a:extLst>
+            <a:ext uri="{909E8E84-426E-40DD-AFC4-6F175D3DCCD1}">
+              <a14:hiddenFill xmlns:a14="http://schemas.microsoft.com/office/drawing/2010/main">
+                <a:solidFill>
+                  <a:srgbClr val="FFFFFF"/>
+                </a:solidFill>
+              </a14:hiddenFill>
+            </a:ext>
+            <a:ext uri="{91240B29-F687-4F45-9708-019B960494DF}">
+              <a14:hiddenLine xmlns:a14="http://schemas.microsoft.com/office/drawing/2010/main" w="9525">
+                <a:solidFill>
+                  <a:srgbClr val="000000"/>
+                </a:solidFill>
+                <a:miter lim="800000"/>
+                <a:headEnd/>
+                <a:tailEnd/>
+              </a14:hiddenLine>
+            </a:ext>
+          </a:extLst>
+        </p:spPr>
+        <p:txBody>
+          <a:bodyPr wrap="square">
+            <a:spAutoFit/>
+          </a:bodyPr>
+          <a:lstStyle>
+            <a:lvl1pPr eaLnBrk="0" hangingPunct="0">
+              <a:defRPr sz="2400">
+                <a:solidFill>
+                  <a:schemeClr val="tx1"/>
+                </a:solidFill>
+                <a:latin typeface="Times New Roman" pitchFamily="18" charset="0"/>
+              </a:defRPr>
+            </a:lvl1pPr>
+            <a:lvl2pPr marL="742950" indent="-285750" eaLnBrk="0" hangingPunct="0">
+              <a:defRPr sz="2400">
+                <a:solidFill>
+                  <a:schemeClr val="tx1"/>
+                </a:solidFill>
+                <a:latin typeface="Times New Roman" pitchFamily="18" charset="0"/>
+              </a:defRPr>
+            </a:lvl2pPr>
+            <a:lvl3pPr marL="1143000" indent="-228600" eaLnBrk="0" hangingPunct="0">
+              <a:defRPr sz="2400">
+                <a:solidFill>
+                  <a:schemeClr val="tx1"/>
+                </a:solidFill>
+                <a:latin typeface="Times New Roman" pitchFamily="18" charset="0"/>
+              </a:defRPr>
+            </a:lvl3pPr>
+            <a:lvl4pPr marL="1600200" indent="-228600" eaLnBrk="0" hangingPunct="0">
+              <a:defRPr sz="2400">
+                <a:solidFill>
+                  <a:schemeClr val="tx1"/>
+                </a:solidFill>
+                <a:latin typeface="Times New Roman" pitchFamily="18" charset="0"/>
+              </a:defRPr>
+            </a:lvl4pPr>
+            <a:lvl5pPr marL="2057400" indent="-228600" eaLnBrk="0" hangingPunct="0">
+              <a:defRPr sz="2400">
+                <a:solidFill>
+                  <a:schemeClr val="tx1"/>
+                </a:solidFill>
+                <a:latin typeface="Times New Roman" pitchFamily="18" charset="0"/>
+              </a:defRPr>
+            </a:lvl5pPr>
+            <a:lvl6pPr marL="2514600" indent="-228600" eaLnBrk="0" fontAlgn="base" hangingPunct="0">
+              <a:spcBef>
+                <a:spcPct val="0"/>
+              </a:spcBef>
+              <a:spcAft>
+                <a:spcPct val="0"/>
+              </a:spcAft>
+              <a:defRPr sz="2400">
+                <a:solidFill>
+                  <a:schemeClr val="tx1"/>
+                </a:solidFill>
+                <a:latin typeface="Times New Roman" pitchFamily="18" charset="0"/>
+              </a:defRPr>
+            </a:lvl6pPr>
+            <a:lvl7pPr marL="2971800" indent="-228600" eaLnBrk="0" fontAlgn="base" hangingPunct="0">
+              <a:spcBef>
+                <a:spcPct val="0"/>
+              </a:spcBef>
+              <a:spcAft>
+                <a:spcPct val="0"/>
+              </a:spcAft>
+              <a:defRPr sz="2400">
+                <a:solidFill>
+                  <a:schemeClr val="tx1"/>
+                </a:solidFill>
+                <a:latin typeface="Times New Roman" pitchFamily="18" charset="0"/>
+              </a:defRPr>
+            </a:lvl7pPr>
+            <a:lvl8pPr marL="3429000" indent="-228600" eaLnBrk="0" fontAlgn="base" hangingPunct="0">
+              <a:spcBef>
+                <a:spcPct val="0"/>
+              </a:spcBef>
+              <a:spcAft>
+                <a:spcPct val="0"/>
+              </a:spcAft>
+              <a:defRPr sz="2400">
+                <a:solidFill>
+                  <a:schemeClr val="tx1"/>
+                </a:solidFill>
+                <a:latin typeface="Times New Roman" pitchFamily="18" charset="0"/>
+              </a:defRPr>
+            </a:lvl8pPr>
+            <a:lvl9pPr marL="3886200" indent="-228600" eaLnBrk="0" fontAlgn="base" hangingPunct="0">
+              <a:spcBef>
+                <a:spcPct val="0"/>
+              </a:spcBef>
+              <a:spcAft>
+                <a:spcPct val="0"/>
+              </a:spcAft>
+              <a:defRPr sz="2400">
+                <a:solidFill>
+                  <a:schemeClr val="tx1"/>
+                </a:solidFill>
+                <a:latin typeface="Times New Roman" pitchFamily="18" charset="0"/>
+              </a:defRPr>
+            </a:lvl9pPr>
+          </a:lstStyle>
+          <a:p>
+            <a:pPr>
+              <a:lnSpc>
+                <a:spcPct val="150000"/>
+              </a:lnSpc>
+              <a:buFont typeface="Arial" pitchFamily="34" charset="0"/>
+              <a:buChar char="•"/>
+            </a:pPr>
+            <a:r>
+              <a:rPr lang="es-MX" sz="1600" dirty="0">
+                <a:solidFill>
+                  <a:schemeClr val="bg2">
+                    <a:lumMod val="25000"/>
+                  </a:schemeClr>
+                </a:solidFill>
+                <a:latin typeface="ZapfHumnst BT"/>
+              </a:rPr>
+              <a:t>  Los datos en cada capa no se modifican sino </a:t>
+            </a:r>
+          </a:p>
+          <a:p>
+            <a:pPr>
+              <a:lnSpc>
+                <a:spcPct val="150000"/>
+              </a:lnSpc>
+            </a:pPr>
+            <a:r>
+              <a:rPr lang="es-MX" sz="1600" dirty="0">
+                <a:solidFill>
+                  <a:schemeClr val="bg2">
+                    <a:lumMod val="25000"/>
+                  </a:schemeClr>
+                </a:solidFill>
+                <a:latin typeface="ZapfHumnst BT"/>
+              </a:rPr>
+              <a:t>   que se van agregando.</a:t>
+            </a:r>
+          </a:p>
+        </p:txBody>
+      </p:sp>
+      <p:sp>
+        <p:nvSpPr>
+          <p:cNvPr id="18440" name="Text Box 8"/>
+          <p:cNvSpPr txBox="1">
+            <a:spLocks noChangeArrowheads="1"/>
+          </p:cNvSpPr>
+          <p:nvPr/>
+        </p:nvSpPr>
+        <p:spPr bwMode="auto">
+          <a:xfrm>
+            <a:off x="393254" y="2342653"/>
+            <a:ext cx="5929312" cy="461963"/>
+          </a:xfrm>
+          <a:prstGeom prst="rect">
+            <a:avLst/>
+          </a:prstGeom>
+          <a:noFill/>
+          <a:ln>
+            <a:noFill/>
+          </a:ln>
+          <a:extLst>
+            <a:ext uri="{909E8E84-426E-40DD-AFC4-6F175D3DCCD1}">
+              <a14:hiddenFill xmlns:a14="http://schemas.microsoft.com/office/drawing/2010/main">
+                <a:solidFill>
+                  <a:srgbClr val="FFFFFF"/>
+                </a:solidFill>
+              </a14:hiddenFill>
+            </a:ext>
+            <a:ext uri="{91240B29-F687-4F45-9708-019B960494DF}">
+              <a14:hiddenLine xmlns:a14="http://schemas.microsoft.com/office/drawing/2010/main" w="9525">
+                <a:solidFill>
+                  <a:srgbClr val="000000"/>
+                </a:solidFill>
+                <a:miter lim="800000"/>
+                <a:headEnd/>
+                <a:tailEnd/>
+              </a14:hiddenLine>
+            </a:ext>
+          </a:extLst>
+        </p:spPr>
+        <p:txBody>
+          <a:bodyPr>
+            <a:spAutoFit/>
+          </a:bodyPr>
+          <a:lstStyle>
+            <a:lvl1pPr eaLnBrk="0" hangingPunct="0">
+              <a:defRPr sz="2400">
+                <a:solidFill>
+                  <a:schemeClr val="tx1"/>
+                </a:solidFill>
+                <a:latin typeface="Times New Roman" pitchFamily="18" charset="0"/>
+              </a:defRPr>
+            </a:lvl1pPr>
+            <a:lvl2pPr marL="742950" indent="-285750" eaLnBrk="0" hangingPunct="0">
+              <a:defRPr sz="2400">
+                <a:solidFill>
+                  <a:schemeClr val="tx1"/>
+                </a:solidFill>
+                <a:latin typeface="Times New Roman" pitchFamily="18" charset="0"/>
+              </a:defRPr>
+            </a:lvl2pPr>
+            <a:lvl3pPr marL="1143000" indent="-228600" eaLnBrk="0" hangingPunct="0">
+              <a:defRPr sz="2400">
+                <a:solidFill>
+                  <a:schemeClr val="tx1"/>
+                </a:solidFill>
+                <a:latin typeface="Times New Roman" pitchFamily="18" charset="0"/>
+              </a:defRPr>
+            </a:lvl3pPr>
+            <a:lvl4pPr marL="1600200" indent="-228600" eaLnBrk="0" hangingPunct="0">
+              <a:defRPr sz="2400">
+                <a:solidFill>
+                  <a:schemeClr val="tx1"/>
+                </a:solidFill>
+                <a:latin typeface="Times New Roman" pitchFamily="18" charset="0"/>
+              </a:defRPr>
+            </a:lvl4pPr>
+            <a:lvl5pPr marL="2057400" indent="-228600" eaLnBrk="0" hangingPunct="0">
+              <a:defRPr sz="2400">
+                <a:solidFill>
+                  <a:schemeClr val="tx1"/>
+                </a:solidFill>
+                <a:latin typeface="Times New Roman" pitchFamily="18" charset="0"/>
+              </a:defRPr>
+            </a:lvl5pPr>
+            <a:lvl6pPr marL="2514600" indent="-228600" eaLnBrk="0" fontAlgn="base" hangingPunct="0">
+              <a:spcBef>
+                <a:spcPct val="0"/>
+              </a:spcBef>
+              <a:spcAft>
+                <a:spcPct val="0"/>
+              </a:spcAft>
+              <a:defRPr sz="2400">
+                <a:solidFill>
+                  <a:schemeClr val="tx1"/>
+                </a:solidFill>
+                <a:latin typeface="Times New Roman" pitchFamily="18" charset="0"/>
+              </a:defRPr>
+            </a:lvl6pPr>
+            <a:lvl7pPr marL="2971800" indent="-228600" eaLnBrk="0" fontAlgn="base" hangingPunct="0">
+              <a:spcBef>
+                <a:spcPct val="0"/>
+              </a:spcBef>
+              <a:spcAft>
+                <a:spcPct val="0"/>
+              </a:spcAft>
+              <a:defRPr sz="2400">
+                <a:solidFill>
+                  <a:schemeClr val="tx1"/>
+                </a:solidFill>
+                <a:latin typeface="Times New Roman" pitchFamily="18" charset="0"/>
+              </a:defRPr>
+            </a:lvl7pPr>
+            <a:lvl8pPr marL="3429000" indent="-228600" eaLnBrk="0" fontAlgn="base" hangingPunct="0">
+              <a:spcBef>
+                <a:spcPct val="0"/>
+              </a:spcBef>
+              <a:spcAft>
+                <a:spcPct val="0"/>
+              </a:spcAft>
+              <a:defRPr sz="2400">
+                <a:solidFill>
+                  <a:schemeClr val="tx1"/>
+                </a:solidFill>
+                <a:latin typeface="Times New Roman" pitchFamily="18" charset="0"/>
+              </a:defRPr>
+            </a:lvl8pPr>
+            <a:lvl9pPr marL="3886200" indent="-228600" eaLnBrk="0" fontAlgn="base" hangingPunct="0">
+              <a:spcBef>
+                <a:spcPct val="0"/>
+              </a:spcBef>
+              <a:spcAft>
+                <a:spcPct val="0"/>
+              </a:spcAft>
+              <a:defRPr sz="2400">
+                <a:solidFill>
+                  <a:schemeClr val="tx1"/>
+                </a:solidFill>
+                <a:latin typeface="Times New Roman" pitchFamily="18" charset="0"/>
+              </a:defRPr>
+            </a:lvl9pPr>
+          </a:lstStyle>
+          <a:p>
+            <a:pPr>
+              <a:lnSpc>
+                <a:spcPct val="150000"/>
+              </a:lnSpc>
+              <a:buFont typeface="Arial" pitchFamily="34" charset="0"/>
+              <a:buChar char="•"/>
+            </a:pPr>
+            <a:r>
+              <a:rPr lang="es-MX" sz="1600" dirty="0">
+                <a:solidFill>
+                  <a:schemeClr val="bg2">
+                    <a:lumMod val="25000"/>
+                  </a:schemeClr>
+                </a:solidFill>
+                <a:latin typeface="ZapfHumnst BT"/>
+              </a:rPr>
+              <a:t>  Cada capa agrega sus propios significados (encabezados).</a:t>
+            </a:r>
+          </a:p>
+        </p:txBody>
+      </p:sp>
+      <p:sp>
+        <p:nvSpPr>
+          <p:cNvPr id="10" name="Text Box 8"/>
+          <p:cNvSpPr txBox="1">
+            <a:spLocks noChangeArrowheads="1"/>
+          </p:cNvSpPr>
+          <p:nvPr/>
+        </p:nvSpPr>
+        <p:spPr bwMode="auto">
+          <a:xfrm>
+            <a:off x="393254" y="3485653"/>
+            <a:ext cx="3714750" cy="830263"/>
+          </a:xfrm>
+          <a:prstGeom prst="rect">
+            <a:avLst/>
+          </a:prstGeom>
+          <a:noFill/>
+          <a:ln>
+            <a:noFill/>
+          </a:ln>
+          <a:extLst>
+            <a:ext uri="{909E8E84-426E-40DD-AFC4-6F175D3DCCD1}">
+              <a14:hiddenFill xmlns:a14="http://schemas.microsoft.com/office/drawing/2010/main">
+                <a:solidFill>
+                  <a:srgbClr val="FFFFFF"/>
+                </a:solidFill>
+              </a14:hiddenFill>
+            </a:ext>
+            <a:ext uri="{91240B29-F687-4F45-9708-019B960494DF}">
+              <a14:hiddenLine xmlns:a14="http://schemas.microsoft.com/office/drawing/2010/main" w="9525">
+                <a:solidFill>
+                  <a:srgbClr val="000000"/>
+                </a:solidFill>
+                <a:miter lim="800000"/>
+                <a:headEnd/>
+                <a:tailEnd/>
+              </a14:hiddenLine>
+            </a:ext>
+          </a:extLst>
+        </p:spPr>
+        <p:txBody>
+          <a:bodyPr>
+            <a:spAutoFit/>
+          </a:bodyPr>
+          <a:lstStyle>
+            <a:lvl1pPr eaLnBrk="0" hangingPunct="0">
+              <a:defRPr sz="2400">
+                <a:solidFill>
+                  <a:schemeClr val="tx1"/>
+                </a:solidFill>
+                <a:latin typeface="Times New Roman" pitchFamily="18" charset="0"/>
+              </a:defRPr>
+            </a:lvl1pPr>
+            <a:lvl2pPr marL="742950" indent="-285750" eaLnBrk="0" hangingPunct="0">
+              <a:defRPr sz="2400">
+                <a:solidFill>
+                  <a:schemeClr val="tx1"/>
+                </a:solidFill>
+                <a:latin typeface="Times New Roman" pitchFamily="18" charset="0"/>
+              </a:defRPr>
+            </a:lvl2pPr>
+            <a:lvl3pPr marL="1143000" indent="-228600" eaLnBrk="0" hangingPunct="0">
+              <a:defRPr sz="2400">
+                <a:solidFill>
+                  <a:schemeClr val="tx1"/>
+                </a:solidFill>
+                <a:latin typeface="Times New Roman" pitchFamily="18" charset="0"/>
+              </a:defRPr>
+            </a:lvl3pPr>
+            <a:lvl4pPr marL="1600200" indent="-228600" eaLnBrk="0" hangingPunct="0">
+              <a:defRPr sz="2400">
+                <a:solidFill>
+                  <a:schemeClr val="tx1"/>
+                </a:solidFill>
+                <a:latin typeface="Times New Roman" pitchFamily="18" charset="0"/>
+              </a:defRPr>
+            </a:lvl4pPr>
+            <a:lvl5pPr marL="2057400" indent="-228600" eaLnBrk="0" hangingPunct="0">
+              <a:defRPr sz="2400">
+                <a:solidFill>
+                  <a:schemeClr val="tx1"/>
+                </a:solidFill>
+                <a:latin typeface="Times New Roman" pitchFamily="18" charset="0"/>
+              </a:defRPr>
+            </a:lvl5pPr>
+            <a:lvl6pPr marL="2514600" indent="-228600" eaLnBrk="0" fontAlgn="base" hangingPunct="0">
+              <a:spcBef>
+                <a:spcPct val="0"/>
+              </a:spcBef>
+              <a:spcAft>
+                <a:spcPct val="0"/>
+              </a:spcAft>
+              <a:defRPr sz="2400">
+                <a:solidFill>
+                  <a:schemeClr val="tx1"/>
+                </a:solidFill>
+                <a:latin typeface="Times New Roman" pitchFamily="18" charset="0"/>
+              </a:defRPr>
+            </a:lvl6pPr>
+            <a:lvl7pPr marL="2971800" indent="-228600" eaLnBrk="0" fontAlgn="base" hangingPunct="0">
+              <a:spcBef>
+                <a:spcPct val="0"/>
+              </a:spcBef>
+              <a:spcAft>
+                <a:spcPct val="0"/>
+              </a:spcAft>
+              <a:defRPr sz="2400">
+                <a:solidFill>
+                  <a:schemeClr val="tx1"/>
+                </a:solidFill>
+                <a:latin typeface="Times New Roman" pitchFamily="18" charset="0"/>
+              </a:defRPr>
+            </a:lvl7pPr>
+            <a:lvl8pPr marL="3429000" indent="-228600" eaLnBrk="0" fontAlgn="base" hangingPunct="0">
+              <a:spcBef>
+                <a:spcPct val="0"/>
+              </a:spcBef>
+              <a:spcAft>
+                <a:spcPct val="0"/>
+              </a:spcAft>
+              <a:defRPr sz="2400">
+                <a:solidFill>
+                  <a:schemeClr val="tx1"/>
+                </a:solidFill>
+                <a:latin typeface="Times New Roman" pitchFamily="18" charset="0"/>
+              </a:defRPr>
+            </a:lvl8pPr>
+            <a:lvl9pPr marL="3886200" indent="-228600" eaLnBrk="0" fontAlgn="base" hangingPunct="0">
+              <a:spcBef>
+                <a:spcPct val="0"/>
+              </a:spcBef>
+              <a:spcAft>
+                <a:spcPct val="0"/>
+              </a:spcAft>
+              <a:defRPr sz="2400">
+                <a:solidFill>
+                  <a:schemeClr val="tx1"/>
+                </a:solidFill>
+                <a:latin typeface="Times New Roman" pitchFamily="18" charset="0"/>
+              </a:defRPr>
+            </a:lvl9pPr>
+          </a:lstStyle>
+          <a:p>
+            <a:pPr>
+              <a:lnSpc>
+                <a:spcPct val="150000"/>
+              </a:lnSpc>
+              <a:buFont typeface="Arial" pitchFamily="34" charset="0"/>
+              <a:buChar char="•"/>
+            </a:pPr>
+            <a:r>
+              <a:rPr lang="es-MX" sz="1600">
+                <a:solidFill>
+                  <a:schemeClr val="bg2">
+                    <a:lumMod val="25000"/>
+                  </a:schemeClr>
+                </a:solidFill>
+                <a:latin typeface="ZapfHumnst BT"/>
+              </a:rPr>
+              <a:t>  La información en la red jamás va </a:t>
+            </a:r>
+          </a:p>
+          <a:p>
+            <a:pPr>
+              <a:lnSpc>
+                <a:spcPct val="150000"/>
+              </a:lnSpc>
+            </a:pPr>
+            <a:r>
+              <a:rPr lang="es-MX" sz="1600">
+                <a:solidFill>
+                  <a:schemeClr val="bg2">
+                    <a:lumMod val="25000"/>
+                  </a:schemeClr>
+                </a:solidFill>
+                <a:latin typeface="ZapfHumnst BT"/>
+              </a:rPr>
+              <a:t>   desnuda, siempre lleva overhead.</a:t>
+            </a:r>
+          </a:p>
+        </p:txBody>
+      </p:sp>
+      <p:sp>
+        <p:nvSpPr>
+          <p:cNvPr id="11" name="Rectangle 2"/>
+          <p:cNvSpPr txBox="1">
+            <a:spLocks noChangeArrowheads="1"/>
+          </p:cNvSpPr>
+          <p:nvPr/>
+        </p:nvSpPr>
+        <p:spPr>
+          <a:xfrm>
+            <a:off x="107504" y="-27384"/>
+            <a:ext cx="8964488" cy="1143000"/>
+          </a:xfrm>
+          <a:prstGeom prst="rect">
+            <a:avLst/>
+          </a:prstGeom>
+        </p:spPr>
+        <p:txBody>
+          <a:bodyPr vert="horz" lIns="92075" tIns="46038" rIns="92075" bIns="46038" rtlCol="0" anchor="ctr">
+            <a:noAutofit/>
+          </a:bodyPr>
+          <a:lstStyle>
+            <a:lvl1pPr algn="ctr" defTabSz="914400" rtl="0" eaLnBrk="1" latinLnBrk="0" hangingPunct="1">
+              <a:spcBef>
+                <a:spcPct val="0"/>
+              </a:spcBef>
+              <a:buNone/>
+              <a:defRPr sz="4400" kern="1200">
+                <a:solidFill>
+                  <a:schemeClr val="tx1"/>
+                </a:solidFill>
+                <a:latin typeface="+mj-lt"/>
+                <a:ea typeface="+mj-ea"/>
+                <a:cs typeface="+mj-cs"/>
+              </a:defRPr>
+            </a:lvl1pPr>
+          </a:lstStyle>
+          <a:p>
+            <a:pPr>
+              <a:defRPr/>
+            </a:pPr>
+            <a:r>
+              <a:rPr lang="es-ES_tradnl" sz="3200" dirty="0">
+                <a:solidFill>
+                  <a:srgbClr val="3333CC"/>
+                </a:solidFill>
+                <a:effectLst>
+                  <a:outerShdw blurRad="38100" dist="38100" dir="2700000" algn="tl">
+                    <a:srgbClr val="C0C0C0"/>
+                  </a:outerShdw>
+                </a:effectLst>
+                <a:latin typeface="Dom Casual" charset="0"/>
+              </a:rPr>
+              <a:t> </a:t>
+            </a:r>
+            <a:r>
+              <a:rPr lang="es-ES_tradnl" sz="3200" b="1" dirty="0">
+                <a:solidFill>
+                  <a:schemeClr val="accent4">
+                    <a:lumMod val="50000"/>
+                  </a:schemeClr>
+                </a:solidFill>
+                <a:effectLst>
+                  <a:outerShdw blurRad="38100" dist="38100" dir="2700000" algn="tl">
+                    <a:srgbClr val="C0C0C0"/>
+                  </a:outerShdw>
+                </a:effectLst>
+                <a:latin typeface="Dom Casual" charset="0"/>
+              </a:rPr>
+              <a:t>Elementos de un protocolo</a:t>
+            </a:r>
+          </a:p>
+        </p:txBody>
+      </p:sp>
+    </p:spTree>
+    <p:extLst>
+      <p:ext uri="{BB962C8B-B14F-4D97-AF65-F5344CB8AC3E}">
+        <p14:creationId xmlns:p14="http://schemas.microsoft.com/office/powerpoint/2010/main" val="298064842"/>
+      </p:ext>
+    </p:extLst>
+  </p:cSld>
+  <p:clrMapOvr>
+    <a:masterClrMapping/>
+  </p:clrMapOvr>
+  <p:timing>
+    <p:tnLst>
+      <p:par>
+        <p:cTn id="1" dur="indefinite" restart="never" nodeType="tmRoot">
+          <p:childTnLst>
+            <p:seq concurrent="1" nextAc="seek">
+              <p:cTn id="2" dur="indefinite" nodeType="mainSeq">
+                <p:childTnLst>
+                  <p:par>
+                    <p:cTn id="3" fill="hold" nodeType="clickPar">
+                      <p:stCondLst>
+                        <p:cond delay="indefinite"/>
+                      </p:stCondLst>
+                      <p:childTnLst>
+                        <p:par>
+                          <p:cTn id="4" fill="hold" nodeType="withGroup">
+                            <p:stCondLst>
+                              <p:cond delay="0"/>
+                            </p:stCondLst>
+                            <p:childTnLst>
+                              <p:par>
+                                <p:cTn id="5" presetID="2" presetClass="entr" presetSubtype="2" fill="hold" grpId="0" nodeType="clickEffect">
+                                  <p:stCondLst>
+                                    <p:cond delay="0"/>
+                                  </p:stCondLst>
+                                  <p:childTnLst>
+                                    <p:set>
+                                      <p:cBhvr>
+                                        <p:cTn id="6" dur="1" fill="hold">
+                                          <p:stCondLst>
+                                            <p:cond delay="0"/>
+                                          </p:stCondLst>
+                                        </p:cTn>
+                                        <p:tgtEl>
+                                          <p:spTgt spid="23"/>
+                                        </p:tgtEl>
+                                        <p:attrNameLst>
+                                          <p:attrName>style.visibility</p:attrName>
+                                        </p:attrNameLst>
+                                      </p:cBhvr>
+                                      <p:to>
+                                        <p:strVal val="visible"/>
+                                      </p:to>
+                                    </p:set>
+                                    <p:anim calcmode="lin" valueType="num">
+                                      <p:cBhvr additive="base">
+                                        <p:cTn id="7" dur="2000" fill="hold"/>
+                                        <p:tgtEl>
+                                          <p:spTgt spid="23"/>
+                                        </p:tgtEl>
+                                        <p:attrNameLst>
+                                          <p:attrName>ppt_x</p:attrName>
+                                        </p:attrNameLst>
+                                      </p:cBhvr>
+                                      <p:tavLst>
+                                        <p:tav tm="0">
+                                          <p:val>
+                                            <p:strVal val="1+#ppt_w/2"/>
+                                          </p:val>
+                                        </p:tav>
+                                        <p:tav tm="100000">
+                                          <p:val>
+                                            <p:strVal val="#ppt_x"/>
+                                          </p:val>
+                                        </p:tav>
+                                      </p:tavLst>
+                                    </p:anim>
+                                    <p:anim calcmode="lin" valueType="num">
+                                      <p:cBhvr additive="base">
+                                        <p:cTn id="8" dur="2000" fill="hold"/>
+                                        <p:tgtEl>
+                                          <p:spTgt spid="23"/>
+                                        </p:tgtEl>
+                                        <p:attrNameLst>
+                                          <p:attrName>ppt_y</p:attrName>
+                                        </p:attrNameLst>
+                                      </p:cBhvr>
+                                      <p:tavLst>
+                                        <p:tav tm="0">
+                                          <p:val>
+                                            <p:strVal val="#ppt_y"/>
+                                          </p:val>
+                                        </p:tav>
+                                        <p:tav tm="100000">
+                                          <p:val>
+                                            <p:strVal val="#ppt_y"/>
+                                          </p:val>
+                                        </p:tav>
+                                      </p:tavLst>
+                                    </p:anim>
+                                  </p:childTnLst>
+                                </p:cTn>
+                              </p:par>
+                            </p:childTnLst>
+                          </p:cTn>
+                        </p:par>
+                      </p:childTnLst>
+                    </p:cTn>
+                  </p:par>
+                  <p:par>
+                    <p:cTn id="9" fill="hold" nodeType="clickPar">
+                      <p:stCondLst>
+                        <p:cond delay="indefinite"/>
+                      </p:stCondLst>
+                      <p:childTnLst>
+                        <p:par>
+                          <p:cTn id="10" fill="hold" nodeType="withGroup">
+                            <p:stCondLst>
+                              <p:cond delay="0"/>
+                            </p:stCondLst>
+                            <p:childTnLst>
+                              <p:par>
+                                <p:cTn id="11" presetID="2" presetClass="entr" presetSubtype="2" fill="hold" grpId="0" nodeType="clickEffect">
+                                  <p:stCondLst>
+                                    <p:cond delay="0"/>
+                                  </p:stCondLst>
+                                  <p:childTnLst>
+                                    <p:set>
+                                      <p:cBhvr>
+                                        <p:cTn id="12" dur="1" fill="hold">
+                                          <p:stCondLst>
+                                            <p:cond delay="0"/>
+                                          </p:stCondLst>
+                                        </p:cTn>
+                                        <p:tgtEl>
+                                          <p:spTgt spid="16"/>
+                                        </p:tgtEl>
+                                        <p:attrNameLst>
+                                          <p:attrName>style.visibility</p:attrName>
+                                        </p:attrNameLst>
+                                      </p:cBhvr>
+                                      <p:to>
+                                        <p:strVal val="visible"/>
+                                      </p:to>
+                                    </p:set>
+                                    <p:anim calcmode="lin" valueType="num">
+                                      <p:cBhvr additive="base">
+                                        <p:cTn id="13" dur="2000" fill="hold"/>
+                                        <p:tgtEl>
+                                          <p:spTgt spid="16"/>
+                                        </p:tgtEl>
+                                        <p:attrNameLst>
+                                          <p:attrName>ppt_x</p:attrName>
+                                        </p:attrNameLst>
+                                      </p:cBhvr>
+                                      <p:tavLst>
+                                        <p:tav tm="0">
+                                          <p:val>
+                                            <p:strVal val="1+#ppt_w/2"/>
+                                          </p:val>
+                                        </p:tav>
+                                        <p:tav tm="100000">
+                                          <p:val>
+                                            <p:strVal val="#ppt_x"/>
+                                          </p:val>
+                                        </p:tav>
+                                      </p:tavLst>
+                                    </p:anim>
+                                    <p:anim calcmode="lin" valueType="num">
+                                      <p:cBhvr additive="base">
+                                        <p:cTn id="14" dur="2000" fill="hold"/>
+                                        <p:tgtEl>
+                                          <p:spTgt spid="16"/>
+                                        </p:tgtEl>
+                                        <p:attrNameLst>
+                                          <p:attrName>ppt_y</p:attrName>
+                                        </p:attrNameLst>
+                                      </p:cBhvr>
+                                      <p:tavLst>
+                                        <p:tav tm="0">
+                                          <p:val>
+                                            <p:strVal val="#ppt_y"/>
+                                          </p:val>
+                                        </p:tav>
+                                        <p:tav tm="100000">
+                                          <p:val>
+                                            <p:strVal val="#ppt_y"/>
+                                          </p:val>
+                                        </p:tav>
+                                      </p:tavLst>
+                                    </p:anim>
+                                  </p:childTnLst>
+                                </p:cTn>
+                              </p:par>
+                            </p:childTnLst>
+                          </p:cTn>
+                        </p:par>
+                      </p:childTnLst>
+                    </p:cTn>
+                  </p:par>
+                  <p:par>
+                    <p:cTn id="15" fill="hold" nodeType="clickPar">
+                      <p:stCondLst>
+                        <p:cond delay="indefinite"/>
+                      </p:stCondLst>
+                      <p:childTnLst>
+                        <p:par>
+                          <p:cTn id="16" fill="hold" nodeType="withGroup">
+                            <p:stCondLst>
+                              <p:cond delay="0"/>
+                            </p:stCondLst>
+                            <p:childTnLst>
+                              <p:par>
+                                <p:cTn id="17" presetID="2" presetClass="entr" presetSubtype="2" fill="hold" grpId="0" nodeType="clickEffect">
+                                  <p:stCondLst>
+                                    <p:cond delay="0"/>
+                                  </p:stCondLst>
+                                  <p:childTnLst>
+                                    <p:set>
+                                      <p:cBhvr>
+                                        <p:cTn id="18" dur="1" fill="hold">
+                                          <p:stCondLst>
+                                            <p:cond delay="0"/>
+                                          </p:stCondLst>
+                                        </p:cTn>
+                                        <p:tgtEl>
+                                          <p:spTgt spid="8"/>
+                                        </p:tgtEl>
+                                        <p:attrNameLst>
+                                          <p:attrName>style.visibility</p:attrName>
+                                        </p:attrNameLst>
+                                      </p:cBhvr>
+                                      <p:to>
+                                        <p:strVal val="visible"/>
+                                      </p:to>
+                                    </p:set>
+                                    <p:anim calcmode="lin" valueType="num">
+                                      <p:cBhvr additive="base">
+                                        <p:cTn id="19" dur="2000" fill="hold"/>
+                                        <p:tgtEl>
+                                          <p:spTgt spid="8"/>
+                                        </p:tgtEl>
+                                        <p:attrNameLst>
+                                          <p:attrName>ppt_x</p:attrName>
+                                        </p:attrNameLst>
+                                      </p:cBhvr>
+                                      <p:tavLst>
+                                        <p:tav tm="0">
+                                          <p:val>
+                                            <p:strVal val="1+#ppt_w/2"/>
+                                          </p:val>
+                                        </p:tav>
+                                        <p:tav tm="100000">
+                                          <p:val>
+                                            <p:strVal val="#ppt_x"/>
+                                          </p:val>
+                                        </p:tav>
+                                      </p:tavLst>
+                                    </p:anim>
+                                    <p:anim calcmode="lin" valueType="num">
+                                      <p:cBhvr additive="base">
+                                        <p:cTn id="20" dur="2000" fill="hold"/>
+                                        <p:tgtEl>
+                                          <p:spTgt spid="8"/>
+                                        </p:tgtEl>
+                                        <p:attrNameLst>
+                                          <p:attrName>ppt_y</p:attrName>
+                                        </p:attrNameLst>
+                                      </p:cBhvr>
+                                      <p:tavLst>
+                                        <p:tav tm="0">
+                                          <p:val>
+                                            <p:strVal val="#ppt_y"/>
+                                          </p:val>
+                                        </p:tav>
+                                        <p:tav tm="100000">
+                                          <p:val>
+                                            <p:strVal val="#ppt_y"/>
+                                          </p:val>
+                                        </p:tav>
+                                      </p:tavLst>
+                                    </p:anim>
+                                  </p:childTnLst>
+                                </p:cTn>
+                              </p:par>
+                            </p:childTnLst>
+                          </p:cTn>
+                        </p:par>
+                      </p:childTnLst>
+                    </p:cTn>
+                  </p:par>
+                  <p:par>
+                    <p:cTn id="21" fill="hold" nodeType="clickPar">
+                      <p:stCondLst>
+                        <p:cond delay="indefinite"/>
+                      </p:stCondLst>
+                      <p:childTnLst>
+                        <p:par>
+                          <p:cTn id="22" fill="hold" nodeType="withGroup">
+                            <p:stCondLst>
+                              <p:cond delay="0"/>
+                            </p:stCondLst>
+                            <p:childTnLst>
+                              <p:par>
+                                <p:cTn id="23" presetID="4" presetClass="entr" presetSubtype="16" fill="hold" grpId="0" nodeType="clickEffect">
+                                  <p:stCondLst>
+                                    <p:cond delay="0"/>
+                                  </p:stCondLst>
+                                  <p:childTnLst>
+                                    <p:set>
+                                      <p:cBhvr>
+                                        <p:cTn id="24" dur="1" fill="hold">
+                                          <p:stCondLst>
+                                            <p:cond delay="0"/>
+                                          </p:stCondLst>
+                                        </p:cTn>
+                                        <p:tgtEl>
+                                          <p:spTgt spid="18440"/>
+                                        </p:tgtEl>
+                                        <p:attrNameLst>
+                                          <p:attrName>style.visibility</p:attrName>
+                                        </p:attrNameLst>
+                                      </p:cBhvr>
+                                      <p:to>
+                                        <p:strVal val="visible"/>
+                                      </p:to>
+                                    </p:set>
+                                    <p:animEffect transition="in" filter="box(in)">
+                                      <p:cBhvr>
+                                        <p:cTn id="25" dur="2000"/>
+                                        <p:tgtEl>
+                                          <p:spTgt spid="18440"/>
+                                        </p:tgtEl>
+                                      </p:cBhvr>
+                                    </p:animEffect>
+                                  </p:childTnLst>
+                                </p:cTn>
+                              </p:par>
+                            </p:childTnLst>
+                          </p:cTn>
+                        </p:par>
+                      </p:childTnLst>
+                    </p:cTn>
+                  </p:par>
+                  <p:par>
+                    <p:cTn id="26" fill="hold" nodeType="clickPar">
+                      <p:stCondLst>
+                        <p:cond delay="indefinite"/>
+                      </p:stCondLst>
+                      <p:childTnLst>
+                        <p:par>
+                          <p:cTn id="27" fill="hold" nodeType="withGroup">
+                            <p:stCondLst>
+                              <p:cond delay="0"/>
+                            </p:stCondLst>
+                            <p:childTnLst>
+                              <p:par>
+                                <p:cTn id="28" presetID="2" presetClass="entr" presetSubtype="2" fill="hold" grpId="0" nodeType="clickEffect">
+                                  <p:stCondLst>
+                                    <p:cond delay="0"/>
+                                  </p:stCondLst>
+                                  <p:childTnLst>
+                                    <p:set>
+                                      <p:cBhvr>
+                                        <p:cTn id="29" dur="1" fill="hold">
+                                          <p:stCondLst>
+                                            <p:cond delay="0"/>
+                                          </p:stCondLst>
+                                        </p:cTn>
+                                        <p:tgtEl>
+                                          <p:spTgt spid="9"/>
+                                        </p:tgtEl>
+                                        <p:attrNameLst>
+                                          <p:attrName>style.visibility</p:attrName>
+                                        </p:attrNameLst>
+                                      </p:cBhvr>
+                                      <p:to>
+                                        <p:strVal val="visible"/>
+                                      </p:to>
+                                    </p:set>
+                                    <p:anim calcmode="lin" valueType="num">
+                                      <p:cBhvr additive="base">
+                                        <p:cTn id="30" dur="2000" fill="hold"/>
+                                        <p:tgtEl>
+                                          <p:spTgt spid="9"/>
+                                        </p:tgtEl>
+                                        <p:attrNameLst>
+                                          <p:attrName>ppt_x</p:attrName>
+                                        </p:attrNameLst>
+                                      </p:cBhvr>
+                                      <p:tavLst>
+                                        <p:tav tm="0">
+                                          <p:val>
+                                            <p:strVal val="1+#ppt_w/2"/>
+                                          </p:val>
+                                        </p:tav>
+                                        <p:tav tm="100000">
+                                          <p:val>
+                                            <p:strVal val="#ppt_x"/>
+                                          </p:val>
+                                        </p:tav>
+                                      </p:tavLst>
+                                    </p:anim>
+                                    <p:anim calcmode="lin" valueType="num">
+                                      <p:cBhvr additive="base">
+                                        <p:cTn id="31" dur="2000" fill="hold"/>
+                                        <p:tgtEl>
+                                          <p:spTgt spid="9"/>
+                                        </p:tgtEl>
+                                        <p:attrNameLst>
+                                          <p:attrName>ppt_y</p:attrName>
+                                        </p:attrNameLst>
+                                      </p:cBhvr>
+                                      <p:tavLst>
+                                        <p:tav tm="0">
+                                          <p:val>
+                                            <p:strVal val="#ppt_y"/>
+                                          </p:val>
+                                        </p:tav>
+                                        <p:tav tm="100000">
+                                          <p:val>
+                                            <p:strVal val="#ppt_y"/>
+                                          </p:val>
+                                        </p:tav>
+                                      </p:tavLst>
+                                    </p:anim>
+                                  </p:childTnLst>
+                                </p:cTn>
+                              </p:par>
+                            </p:childTnLst>
+                          </p:cTn>
+                        </p:par>
+                      </p:childTnLst>
+                    </p:cTn>
+                  </p:par>
+                  <p:par>
+                    <p:cTn id="32" fill="hold" nodeType="clickPar">
+                      <p:stCondLst>
+                        <p:cond delay="indefinite"/>
+                      </p:stCondLst>
+                      <p:childTnLst>
+                        <p:par>
+                          <p:cTn id="33" fill="hold" nodeType="withGroup">
+                            <p:stCondLst>
+                              <p:cond delay="0"/>
+                            </p:stCondLst>
+                            <p:childTnLst>
+                              <p:par>
+                                <p:cTn id="34" presetID="2" presetClass="entr" presetSubtype="2" fill="hold" grpId="0" nodeType="clickEffect">
+                                  <p:stCondLst>
+                                    <p:cond delay="0"/>
+                                  </p:stCondLst>
+                                  <p:childTnLst>
+                                    <p:set>
+                                      <p:cBhvr>
+                                        <p:cTn id="35" dur="1" fill="hold">
+                                          <p:stCondLst>
+                                            <p:cond delay="0"/>
+                                          </p:stCondLst>
+                                        </p:cTn>
+                                        <p:tgtEl>
+                                          <p:spTgt spid="10"/>
+                                        </p:tgtEl>
+                                        <p:attrNameLst>
+                                          <p:attrName>style.visibility</p:attrName>
+                                        </p:attrNameLst>
+                                      </p:cBhvr>
+                                      <p:to>
+                                        <p:strVal val="visible"/>
+                                      </p:to>
+                                    </p:set>
+                                    <p:anim calcmode="lin" valueType="num">
+                                      <p:cBhvr additive="base">
+                                        <p:cTn id="36" dur="2000" fill="hold"/>
+                                        <p:tgtEl>
+                                          <p:spTgt spid="10"/>
+                                        </p:tgtEl>
+                                        <p:attrNameLst>
+                                          <p:attrName>ppt_x</p:attrName>
+                                        </p:attrNameLst>
+                                      </p:cBhvr>
+                                      <p:tavLst>
+                                        <p:tav tm="0">
+                                          <p:val>
+                                            <p:strVal val="1+#ppt_w/2"/>
+                                          </p:val>
+                                        </p:tav>
+                                        <p:tav tm="100000">
+                                          <p:val>
+                                            <p:strVal val="#ppt_x"/>
+                                          </p:val>
+                                        </p:tav>
+                                      </p:tavLst>
+                                    </p:anim>
+                                    <p:anim calcmode="lin" valueType="num">
+                                      <p:cBhvr additive="base">
+                                        <p:cTn id="37" dur="2000" fill="hold"/>
+                                        <p:tgtEl>
+                                          <p:spTgt spid="10"/>
+                                        </p:tgtEl>
+                                        <p:attrNameLst>
+                                          <p:attrName>ppt_y</p:attrName>
+                                        </p:attrNameLst>
+                                      </p:cBhvr>
+                                      <p:tavLst>
+                                        <p:tav tm="0">
+                                          <p:val>
+                                            <p:strVal val="#ppt_y"/>
+                                          </p:val>
+                                        </p:tav>
+                                        <p:tav tm="100000">
+                                          <p:val>
+                                            <p:strVal val="#ppt_y"/>
+                                          </p:val>
+                                        </p:tav>
+                                      </p:tavLst>
+                                    </p:anim>
+                                  </p:childTnLst>
+                                </p:cTn>
+                              </p:par>
+                            </p:childTnLst>
+                          </p:cTn>
+                        </p:par>
+                      </p:childTnLst>
+                    </p:cTn>
+                  </p:par>
+                </p:childTnLst>
+              </p:cTn>
+              <p:prevCondLst>
+                <p:cond evt="onPrev" delay="0">
+                  <p:tgtEl>
+                    <p:sldTgt/>
+                  </p:tgtEl>
+                </p:cond>
+              </p:prevCondLst>
+              <p:nextCondLst>
+                <p:cond evt="onNext" delay="0">
+                  <p:tgtEl>
+                    <p:sldTgt/>
+                  </p:tgtEl>
+                </p:cond>
+              </p:nextCondLst>
+            </p:seq>
+          </p:childTnLst>
+        </p:cTn>
+      </p:par>
+    </p:tnLst>
+    <p:bldLst>
+      <p:bldP spid="23" grpId="0" autoUpdateAnimBg="0"/>
+      <p:bldP spid="16" grpId="0" autoUpdateAnimBg="0"/>
+      <p:bldP spid="8" grpId="0" autoUpdateAnimBg="0"/>
+      <p:bldP spid="9" grpId="0" autoUpdateAnimBg="0"/>
+      <p:bldP spid="18440" grpId="0"/>
+      <p:bldP spid="10" grpId="0" autoUpdateAnimBg="0"/>
     </p:bldLst>
   </p:timing>
 </p:sld>
